--- a/Document/APM_bizflow.pptx
+++ b/Document/APM_bizflow.pptx
@@ -7,9 +7,14 @@
   <p:sldIdLst>
     <p:sldId id="258" r:id="rId2"/>
     <p:sldId id="259" r:id="rId3"/>
-    <p:sldId id="260" r:id="rId4"/>
-    <p:sldId id="262" r:id="rId5"/>
-    <p:sldId id="261" r:id="rId6"/>
+    <p:sldId id="267" r:id="rId4"/>
+    <p:sldId id="260" r:id="rId5"/>
+    <p:sldId id="262" r:id="rId6"/>
+    <p:sldId id="261" r:id="rId7"/>
+    <p:sldId id="265" r:id="rId8"/>
+    <p:sldId id="266" r:id="rId9"/>
+    <p:sldId id="268" r:id="rId10"/>
+    <p:sldId id="269" r:id="rId11"/>
   </p:sldIdLst>
   <p:sldSz cx="12192000" cy="6858000"/>
   <p:notesSz cx="6858000" cy="9144000"/>
@@ -2960,7 +2965,7 @@
         </p:nvSpPr>
         <p:spPr>
           <a:xfrm>
-            <a:off x="1006816" y="2014766"/>
+            <a:off x="2589093" y="1891472"/>
             <a:ext cx="1079292" cy="839449"/>
           </a:xfrm>
           <a:prstGeom prst="roundRect">
@@ -3102,7 +3107,7 @@
         </p:nvSpPr>
         <p:spPr>
           <a:xfrm>
-            <a:off x="5906774" y="2011897"/>
+            <a:off x="7489051" y="1888603"/>
             <a:ext cx="1079292" cy="839449"/>
           </a:xfrm>
           <a:prstGeom prst="roundRect">
@@ -3146,7 +3151,7 @@
         </p:nvSpPr>
         <p:spPr>
           <a:xfrm>
-            <a:off x="7741590" y="2014765"/>
+            <a:off x="9323867" y="1891471"/>
             <a:ext cx="1079292" cy="839449"/>
           </a:xfrm>
           <a:prstGeom prst="roundRect">
@@ -3193,7 +3198,7 @@
         </p:nvCxnSpPr>
         <p:spPr>
           <a:xfrm flipV="1">
-            <a:off x="5268277" y="2431622"/>
+            <a:off x="6850554" y="2308328"/>
             <a:ext cx="638497" cy="7242"/>
           </a:xfrm>
           <a:prstGeom prst="straightConnector1">
@@ -3229,7 +3234,7 @@
         </p:nvCxnSpPr>
         <p:spPr>
           <a:xfrm>
-            <a:off x="6986066" y="2431622"/>
+            <a:off x="8568343" y="2308328"/>
             <a:ext cx="755524" cy="2868"/>
           </a:xfrm>
           <a:prstGeom prst="straightConnector1">
@@ -3262,7 +3267,7 @@
         </p:nvSpPr>
         <p:spPr>
           <a:xfrm>
-            <a:off x="7201944" y="4051466"/>
+            <a:off x="3943786" y="3906838"/>
             <a:ext cx="1079292" cy="839449"/>
           </a:xfrm>
           <a:prstGeom prst="roundRect">
@@ -3341,7 +3346,7 @@
         </p:nvSpPr>
         <p:spPr>
           <a:xfrm>
-            <a:off x="10142359" y="4042717"/>
+            <a:off x="9541257" y="3906838"/>
             <a:ext cx="1079292" cy="839449"/>
           </a:xfrm>
           <a:prstGeom prst="roundRect">
@@ -3389,14 +3394,15 @@
         <p:nvCxnSpPr>
           <p:cNvPr id="21" name="Straight Arrow Connector 20"/>
           <p:cNvCxnSpPr>
+            <a:stCxn id="46" idx="3"/>
             <a:endCxn id="19" idx="1"/>
           </p:cNvCxnSpPr>
           <p:nvPr/>
         </p:nvCxnSpPr>
         <p:spPr>
-          <a:xfrm>
-            <a:off x="9490699" y="4462442"/>
-            <a:ext cx="651660" cy="0"/>
+          <a:xfrm flipV="1">
+            <a:off x="7488411" y="4326563"/>
+            <a:ext cx="2052846" cy="3693"/>
           </a:xfrm>
           <a:prstGeom prst="straightConnector1">
             <a:avLst/>
@@ -3425,13 +3431,14 @@
           <p:cNvPr id="22" name="Straight Arrow Connector 21"/>
           <p:cNvCxnSpPr>
             <a:stCxn id="19" idx="3"/>
+            <a:endCxn id="4" idx="2"/>
           </p:cNvCxnSpPr>
           <p:nvPr/>
         </p:nvCxnSpPr>
         <p:spPr>
           <a:xfrm>
-            <a:off x="11221651" y="4462442"/>
-            <a:ext cx="314728" cy="0"/>
+            <a:off x="10620549" y="4326563"/>
+            <a:ext cx="1088694" cy="0"/>
           </a:xfrm>
           <a:prstGeom prst="straightConnector1">
             <a:avLst/>
@@ -3466,8 +3473,8 @@
         </p:nvCxnSpPr>
         <p:spPr>
           <a:xfrm rot="5400000">
-            <a:off x="7412787" y="3183017"/>
-            <a:ext cx="1197252" cy="539646"/>
+            <a:off x="6585514" y="628839"/>
+            <a:ext cx="1175918" cy="5380081"/>
           </a:xfrm>
           <a:prstGeom prst="bentConnector3">
             <a:avLst>
@@ -3501,7 +3508,7 @@
         </p:nvSpPr>
         <p:spPr>
           <a:xfrm>
-            <a:off x="8726201" y="4206497"/>
+            <a:off x="5468043" y="4061869"/>
             <a:ext cx="764498" cy="536776"/>
           </a:xfrm>
           <a:prstGeom prst="diamond">
@@ -3548,7 +3555,7 @@
         </p:nvCxnSpPr>
         <p:spPr>
           <a:xfrm>
-            <a:off x="8281236" y="4471191"/>
+            <a:off x="5023078" y="4326563"/>
             <a:ext cx="444965" cy="3694"/>
           </a:xfrm>
           <a:prstGeom prst="straightConnector1">
@@ -3581,7 +3588,7 @@
         </p:nvSpPr>
         <p:spPr>
           <a:xfrm>
-            <a:off x="6542116" y="5224601"/>
+            <a:off x="3283958" y="5079973"/>
             <a:ext cx="1739120" cy="839449"/>
           </a:xfrm>
           <a:prstGeom prst="roundRect">
@@ -3646,7 +3653,7 @@
         </p:nvCxnSpPr>
         <p:spPr>
           <a:xfrm rot="5400000">
-            <a:off x="8244317" y="4780192"/>
+            <a:off x="4986159" y="4635564"/>
             <a:ext cx="901053" cy="827214"/>
           </a:xfrm>
           <a:prstGeom prst="bentConnector2">
@@ -3685,7 +3692,7 @@
         </p:nvSpPr>
         <p:spPr>
           <a:xfrm>
-            <a:off x="8714188" y="4882166"/>
+            <a:off x="5456030" y="4737538"/>
             <a:ext cx="455574" cy="369332"/>
           </a:xfrm>
           <a:prstGeom prst="rect">
@@ -3714,7 +3721,7 @@
         </p:nvSpPr>
         <p:spPr>
           <a:xfrm>
-            <a:off x="9483236" y="4112616"/>
+            <a:off x="6225078" y="3967988"/>
             <a:ext cx="557803" cy="368328"/>
           </a:xfrm>
           <a:prstGeom prst="rect">
@@ -3746,8 +3753,8 @@
         </p:nvCxnSpPr>
         <p:spPr>
           <a:xfrm rot="10800000">
-            <a:off x="1546462" y="2854216"/>
-            <a:ext cx="4995654" cy="2790111"/>
+            <a:off x="3128740" y="2730922"/>
+            <a:ext cx="155219" cy="2768777"/>
           </a:xfrm>
           <a:prstGeom prst="bentConnector2">
             <a:avLst/>
@@ -3785,7 +3792,7 @@
         </p:nvSpPr>
         <p:spPr>
           <a:xfrm>
-            <a:off x="2429555" y="2011897"/>
+            <a:off x="4011832" y="1888603"/>
             <a:ext cx="1011246" cy="842317"/>
           </a:xfrm>
           <a:prstGeom prst="diamond">
@@ -3864,7 +3871,7 @@
         </p:nvCxnSpPr>
         <p:spPr>
           <a:xfrm flipV="1">
-            <a:off x="2086108" y="2433056"/>
+            <a:off x="3668385" y="2309762"/>
             <a:ext cx="343447" cy="1435"/>
           </a:xfrm>
           <a:prstGeom prst="straightConnector1">
@@ -3897,7 +3904,7 @@
         </p:nvSpPr>
         <p:spPr>
           <a:xfrm>
-            <a:off x="3252735" y="831260"/>
+            <a:off x="4835012" y="707966"/>
             <a:ext cx="1079292" cy="839449"/>
           </a:xfrm>
           <a:prstGeom prst="roundRect">
@@ -3942,7 +3949,7 @@
         </p:nvCxnSpPr>
         <p:spPr>
           <a:xfrm rot="5400000" flipH="1" flipV="1">
-            <a:off x="2713500" y="1472663"/>
+            <a:off x="4295777" y="1349369"/>
             <a:ext cx="760912" cy="317557"/>
           </a:xfrm>
           <a:prstGeom prst="bentConnector2">
@@ -3981,7 +3988,7 @@
         </p:nvSpPr>
         <p:spPr>
           <a:xfrm>
-            <a:off x="4332027" y="2023515"/>
+            <a:off x="5914304" y="1900221"/>
             <a:ext cx="936250" cy="830698"/>
           </a:xfrm>
           <a:prstGeom prst="diamond">
@@ -4060,7 +4067,7 @@
         </p:nvCxnSpPr>
         <p:spPr>
           <a:xfrm>
-            <a:off x="3440801" y="2433056"/>
+            <a:off x="5023078" y="2309762"/>
             <a:ext cx="891226" cy="5808"/>
           </a:xfrm>
           <a:prstGeom prst="straightConnector1">
@@ -4093,7 +4100,7 @@
         </p:nvSpPr>
         <p:spPr>
           <a:xfrm>
-            <a:off x="5075781" y="831260"/>
+            <a:off x="6658058" y="707966"/>
             <a:ext cx="1079292" cy="839449"/>
           </a:xfrm>
           <a:prstGeom prst="roundRect">
@@ -4138,7 +4145,7 @@
         </p:nvCxnSpPr>
         <p:spPr>
           <a:xfrm rot="5400000" flipH="1" flipV="1">
-            <a:off x="4551701" y="1499436"/>
+            <a:off x="6133978" y="1376142"/>
             <a:ext cx="772530" cy="275629"/>
           </a:xfrm>
           <a:prstGeom prst="bentConnector2">
@@ -4177,7 +4184,7 @@
         </p:nvSpPr>
         <p:spPr>
           <a:xfrm>
-            <a:off x="11527275" y="4292809"/>
+            <a:off x="11709243" y="4148182"/>
             <a:ext cx="336932" cy="356761"/>
           </a:xfrm>
           <a:prstGeom prst="ellipse">
@@ -4215,7 +4222,7 @@
         </p:nvSpPr>
         <p:spPr>
           <a:xfrm>
-            <a:off x="3498854" y="2062167"/>
+            <a:off x="5081131" y="1938873"/>
             <a:ext cx="455574" cy="369332"/>
           </a:xfrm>
           <a:prstGeom prst="rect">
@@ -4244,7 +4251,7 @@
         </p:nvSpPr>
         <p:spPr>
           <a:xfrm>
-            <a:off x="4572364" y="1543283"/>
+            <a:off x="6154641" y="1419989"/>
             <a:ext cx="455574" cy="369332"/>
           </a:xfrm>
           <a:prstGeom prst="rect">
@@ -4273,7 +4280,7 @@
         </p:nvSpPr>
         <p:spPr>
           <a:xfrm>
-            <a:off x="5217967" y="2121947"/>
+            <a:off x="6800244" y="1998653"/>
             <a:ext cx="557803" cy="368328"/>
           </a:xfrm>
           <a:prstGeom prst="rect">
@@ -4302,7 +4309,7 @@
         </p:nvSpPr>
         <p:spPr>
           <a:xfrm>
-            <a:off x="2536153" y="1537232"/>
+            <a:off x="4118430" y="1413938"/>
             <a:ext cx="557803" cy="368328"/>
           </a:xfrm>
           <a:prstGeom prst="rect">
@@ -4334,12 +4341,12 @@
         </p:nvCxnSpPr>
         <p:spPr>
           <a:xfrm rot="16200000" flipH="1">
-            <a:off x="6013286" y="-1389646"/>
-            <a:ext cx="3461549" cy="7903360"/>
+            <a:off x="6906075" y="-823451"/>
+            <a:ext cx="3440216" cy="6503051"/>
           </a:xfrm>
           <a:prstGeom prst="bentConnector3">
             <a:avLst>
-              <a:gd name="adj1" fmla="val -6604"/>
+              <a:gd name="adj1" fmla="val -6645"/>
             </a:avLst>
           </a:prstGeom>
           <a:ln w="9525" cap="flat" cmpd="sng" algn="ctr">
@@ -4378,8 +4385,8 @@
         </p:nvCxnSpPr>
         <p:spPr>
           <a:xfrm>
-            <a:off x="6155073" y="1250985"/>
-            <a:ext cx="5540668" cy="3041824"/>
+            <a:off x="7737350" y="1127691"/>
+            <a:ext cx="4140359" cy="3020491"/>
           </a:xfrm>
           <a:prstGeom prst="bentConnector2">
             <a:avLst/>
@@ -4409,10 +4416,1598 @@
           </a:fontRef>
         </p:style>
       </p:cxnSp>
+      <p:sp>
+        <p:nvSpPr>
+          <p:cNvPr id="46" name="Diamond 45"/>
+          <p:cNvSpPr/>
+          <p:nvPr/>
+        </p:nvSpPr>
+        <p:spPr>
+          <a:xfrm>
+            <a:off x="6723913" y="4061868"/>
+            <a:ext cx="764498" cy="536776"/>
+          </a:xfrm>
+          <a:prstGeom prst="diamond">
+            <a:avLst/>
+          </a:prstGeom>
+        </p:spPr>
+        <p:style>
+          <a:lnRef idx="2">
+            <a:schemeClr val="accent1">
+              <a:shade val="50000"/>
+            </a:schemeClr>
+          </a:lnRef>
+          <a:fillRef idx="1">
+            <a:schemeClr val="accent1"/>
+          </a:fillRef>
+          <a:effectRef idx="0">
+            <a:schemeClr val="accent1"/>
+          </a:effectRef>
+          <a:fontRef idx="minor">
+            <a:schemeClr val="lt1"/>
+          </a:fontRef>
+        </p:style>
+        <p:txBody>
+          <a:bodyPr rtlCol="0" anchor="ctr"/>
+          <a:lstStyle/>
+          <a:p>
+            <a:pPr algn="ctr"/>
+            <a:r>
+              <a:rPr lang="zh-CN" altLang="en-US" sz="1400" dirty="0"/>
+              <a:t>新建</a:t>
+            </a:r>
+            <a:r>
+              <a:rPr lang="en-US" altLang="zh-CN" sz="1400" dirty="0"/>
+              <a:t>?</a:t>
+            </a:r>
+            <a:endParaRPr lang="en-US" sz="1400" dirty="0"/>
+          </a:p>
+        </p:txBody>
+      </p:sp>
+      <p:cxnSp>
+        <p:nvCxnSpPr>
+          <p:cNvPr id="49" name="Straight Arrow Connector 48"/>
+          <p:cNvCxnSpPr>
+            <a:stCxn id="26" idx="3"/>
+            <a:endCxn id="46" idx="1"/>
+          </p:cNvCxnSpPr>
+          <p:nvPr/>
+        </p:nvCxnSpPr>
+        <p:spPr>
+          <a:xfrm flipV="1">
+            <a:off x="6232541" y="4330256"/>
+            <a:ext cx="491372" cy="1"/>
+          </a:xfrm>
+          <a:prstGeom prst="straightConnector1">
+            <a:avLst/>
+          </a:prstGeom>
+          <a:ln>
+            <a:tailEnd type="triangle"/>
+          </a:ln>
+        </p:spPr>
+        <p:style>
+          <a:lnRef idx="1">
+            <a:schemeClr val="accent1"/>
+          </a:lnRef>
+          <a:fillRef idx="0">
+            <a:schemeClr val="accent1"/>
+          </a:fillRef>
+          <a:effectRef idx="0">
+            <a:schemeClr val="accent1"/>
+          </a:effectRef>
+          <a:fontRef idx="minor">
+            <a:schemeClr val="tx1"/>
+          </a:fontRef>
+        </p:style>
+      </p:cxnSp>
+      <p:sp>
+        <p:nvSpPr>
+          <p:cNvPr id="58" name="Rectangle: Rounded Corners 57"/>
+          <p:cNvSpPr/>
+          <p:nvPr/>
+        </p:nvSpPr>
+        <p:spPr>
+          <a:xfrm>
+            <a:off x="7550054" y="4989922"/>
+            <a:ext cx="1079292" cy="839449"/>
+          </a:xfrm>
+          <a:prstGeom prst="roundRect">
+            <a:avLst/>
+          </a:prstGeom>
+        </p:spPr>
+        <p:style>
+          <a:lnRef idx="2">
+            <a:schemeClr val="accent1">
+              <a:shade val="50000"/>
+            </a:schemeClr>
+          </a:lnRef>
+          <a:fillRef idx="1">
+            <a:schemeClr val="accent1"/>
+          </a:fillRef>
+          <a:effectRef idx="0">
+            <a:schemeClr val="accent1"/>
+          </a:effectRef>
+          <a:fontRef idx="minor">
+            <a:schemeClr val="lt1"/>
+          </a:fontRef>
+        </p:style>
+        <p:txBody>
+          <a:bodyPr rtlCol="0" anchor="ctr"/>
+          <a:lstStyle/>
+          <a:p>
+            <a:pPr algn="ctr"/>
+            <a:r>
+              <a:rPr lang="zh-CN" altLang="en-US" dirty="0"/>
+              <a:t>查询</a:t>
+            </a:r>
+            <a:endParaRPr lang="en-US" altLang="zh-CN" dirty="0"/>
+          </a:p>
+          <a:p>
+            <a:pPr algn="ctr"/>
+            <a:r>
+              <a:rPr lang="zh-CN" altLang="en-US" dirty="0"/>
+              <a:t>设备</a:t>
+            </a:r>
+            <a:endParaRPr lang="en-US" dirty="0"/>
+          </a:p>
+        </p:txBody>
+      </p:sp>
+      <p:sp>
+        <p:nvSpPr>
+          <p:cNvPr id="59" name="Rectangle: Rounded Corners 58"/>
+          <p:cNvSpPr/>
+          <p:nvPr/>
+        </p:nvSpPr>
+        <p:spPr>
+          <a:xfrm>
+            <a:off x="9541257" y="4989922"/>
+            <a:ext cx="1079292" cy="839449"/>
+          </a:xfrm>
+          <a:prstGeom prst="roundRect">
+            <a:avLst/>
+          </a:prstGeom>
+        </p:spPr>
+        <p:style>
+          <a:lnRef idx="2">
+            <a:schemeClr val="accent1">
+              <a:shade val="50000"/>
+            </a:schemeClr>
+          </a:lnRef>
+          <a:fillRef idx="1">
+            <a:schemeClr val="accent1"/>
+          </a:fillRef>
+          <a:effectRef idx="0">
+            <a:schemeClr val="accent1"/>
+          </a:effectRef>
+          <a:fontRef idx="minor">
+            <a:schemeClr val="lt1"/>
+          </a:fontRef>
+        </p:style>
+        <p:txBody>
+          <a:bodyPr rtlCol="0" anchor="ctr"/>
+          <a:lstStyle/>
+          <a:p>
+            <a:pPr algn="ctr"/>
+            <a:r>
+              <a:rPr lang="zh-CN" altLang="en-US" dirty="0"/>
+              <a:t>关联</a:t>
+            </a:r>
+            <a:endParaRPr lang="en-US" altLang="zh-CN" dirty="0"/>
+          </a:p>
+          <a:p>
+            <a:pPr algn="ctr"/>
+            <a:r>
+              <a:rPr lang="zh-CN" altLang="en-US" dirty="0"/>
+              <a:t>设备</a:t>
+            </a:r>
+            <a:endParaRPr lang="en-US" dirty="0"/>
+          </a:p>
+        </p:txBody>
+      </p:sp>
+      <p:cxnSp>
+        <p:nvCxnSpPr>
+          <p:cNvPr id="60" name="Straight Arrow Connector 59"/>
+          <p:cNvCxnSpPr>
+            <a:stCxn id="58" idx="3"/>
+            <a:endCxn id="59" idx="1"/>
+          </p:cNvCxnSpPr>
+          <p:nvPr/>
+        </p:nvCxnSpPr>
+        <p:spPr>
+          <a:xfrm>
+            <a:off x="8629346" y="5409647"/>
+            <a:ext cx="911911" cy="0"/>
+          </a:xfrm>
+          <a:prstGeom prst="straightConnector1">
+            <a:avLst/>
+          </a:prstGeom>
+          <a:ln>
+            <a:tailEnd type="triangle"/>
+          </a:ln>
+        </p:spPr>
+        <p:style>
+          <a:lnRef idx="1">
+            <a:schemeClr val="accent1"/>
+          </a:lnRef>
+          <a:fillRef idx="0">
+            <a:schemeClr val="accent1"/>
+          </a:fillRef>
+          <a:effectRef idx="0">
+            <a:schemeClr val="accent1"/>
+          </a:effectRef>
+          <a:fontRef idx="minor">
+            <a:schemeClr val="tx1"/>
+          </a:fontRef>
+        </p:style>
+      </p:cxnSp>
+      <p:cxnSp>
+        <p:nvCxnSpPr>
+          <p:cNvPr id="61" name="Straight Arrow Connector 60"/>
+          <p:cNvCxnSpPr>
+            <a:stCxn id="59" idx="3"/>
+          </p:cNvCxnSpPr>
+          <p:nvPr/>
+        </p:nvCxnSpPr>
+        <p:spPr>
+          <a:xfrm flipV="1">
+            <a:off x="10620549" y="4336316"/>
+            <a:ext cx="787372" cy="1073331"/>
+          </a:xfrm>
+          <a:prstGeom prst="bentConnector2">
+            <a:avLst/>
+          </a:prstGeom>
+          <a:ln>
+            <a:tailEnd type="triangle"/>
+          </a:ln>
+        </p:spPr>
+        <p:style>
+          <a:lnRef idx="1">
+            <a:schemeClr val="accent1"/>
+          </a:lnRef>
+          <a:fillRef idx="0">
+            <a:schemeClr val="accent1"/>
+          </a:fillRef>
+          <a:effectRef idx="0">
+            <a:schemeClr val="accent1"/>
+          </a:effectRef>
+          <a:fontRef idx="minor">
+            <a:schemeClr val="tx1"/>
+          </a:fontRef>
+        </p:style>
+      </p:cxnSp>
+      <p:cxnSp>
+        <p:nvCxnSpPr>
+          <p:cNvPr id="67" name="Straight Arrow Connector 66"/>
+          <p:cNvCxnSpPr>
+            <a:stCxn id="46" idx="2"/>
+            <a:endCxn id="58" idx="1"/>
+          </p:cNvCxnSpPr>
+          <p:nvPr/>
+        </p:nvCxnSpPr>
+        <p:spPr>
+          <a:xfrm rot="16200000" flipH="1">
+            <a:off x="6922607" y="4782199"/>
+            <a:ext cx="811003" cy="443892"/>
+          </a:xfrm>
+          <a:prstGeom prst="bentConnector2">
+            <a:avLst/>
+          </a:prstGeom>
+          <a:ln>
+            <a:tailEnd type="triangle"/>
+          </a:ln>
+        </p:spPr>
+        <p:style>
+          <a:lnRef idx="1">
+            <a:schemeClr val="accent1"/>
+          </a:lnRef>
+          <a:fillRef idx="0">
+            <a:schemeClr val="accent1"/>
+          </a:fillRef>
+          <a:effectRef idx="0">
+            <a:schemeClr val="accent1"/>
+          </a:effectRef>
+          <a:fontRef idx="minor">
+            <a:schemeClr val="tx1"/>
+          </a:fontRef>
+        </p:style>
+      </p:cxnSp>
+      <p:sp>
+        <p:nvSpPr>
+          <p:cNvPr id="55" name="Rectangle 54"/>
+          <p:cNvSpPr/>
+          <p:nvPr/>
+        </p:nvSpPr>
+        <p:spPr>
+          <a:xfrm>
+            <a:off x="8150516" y="4013606"/>
+            <a:ext cx="485518" cy="369332"/>
+          </a:xfrm>
+          <a:prstGeom prst="rect">
+            <a:avLst/>
+          </a:prstGeom>
+        </p:spPr>
+        <p:txBody>
+          <a:bodyPr wrap="none">
+            <a:spAutoFit/>
+          </a:bodyPr>
+          <a:lstStyle/>
+          <a:p>
+            <a:r>
+              <a:rPr lang="en-US" altLang="zh-CN" dirty="0"/>
+              <a:t>Yes</a:t>
+            </a:r>
+            <a:endParaRPr lang="en-US" dirty="0"/>
+          </a:p>
+        </p:txBody>
+      </p:sp>
+      <p:sp>
+        <p:nvSpPr>
+          <p:cNvPr id="72" name="Rectangle 71"/>
+          <p:cNvSpPr/>
+          <p:nvPr/>
+        </p:nvSpPr>
+        <p:spPr>
+          <a:xfrm>
+            <a:off x="6428657" y="4558886"/>
+            <a:ext cx="1107996" cy="646331"/>
+          </a:xfrm>
+          <a:prstGeom prst="rect">
+            <a:avLst/>
+          </a:prstGeom>
+        </p:spPr>
+        <p:txBody>
+          <a:bodyPr wrap="none">
+            <a:spAutoFit/>
+          </a:bodyPr>
+          <a:lstStyle/>
+          <a:p>
+            <a:pPr algn="ctr"/>
+            <a:r>
+              <a:rPr lang="en-US" altLang="zh-CN" dirty="0"/>
+              <a:t>No</a:t>
+            </a:r>
+          </a:p>
+          <a:p>
+            <a:pPr algn="ctr"/>
+            <a:r>
+              <a:rPr lang="zh-CN" altLang="en-US" dirty="0"/>
+              <a:t>关联档案</a:t>
+            </a:r>
+            <a:endParaRPr lang="en-US" dirty="0"/>
+          </a:p>
+        </p:txBody>
+      </p:sp>
+      <p:sp>
+        <p:nvSpPr>
+          <p:cNvPr id="50" name="Rectangle: Rounded Corners 49"/>
+          <p:cNvSpPr/>
+          <p:nvPr/>
+        </p:nvSpPr>
+        <p:spPr>
+          <a:xfrm>
+            <a:off x="1053846" y="3906838"/>
+            <a:ext cx="1079292" cy="839449"/>
+          </a:xfrm>
+          <a:prstGeom prst="roundRect">
+            <a:avLst/>
+          </a:prstGeom>
+        </p:spPr>
+        <p:style>
+          <a:lnRef idx="2">
+            <a:schemeClr val="accent1">
+              <a:shade val="50000"/>
+            </a:schemeClr>
+          </a:lnRef>
+          <a:fillRef idx="1">
+            <a:schemeClr val="accent1"/>
+          </a:fillRef>
+          <a:effectRef idx="0">
+            <a:schemeClr val="accent1"/>
+          </a:effectRef>
+          <a:fontRef idx="minor">
+            <a:schemeClr val="lt1"/>
+          </a:fontRef>
+        </p:style>
+        <p:txBody>
+          <a:bodyPr rtlCol="0" anchor="ctr"/>
+          <a:lstStyle/>
+          <a:p>
+            <a:pPr algn="ctr"/>
+            <a:r>
+              <a:rPr lang="zh-CN" altLang="en-US" dirty="0"/>
+              <a:t>发行</a:t>
+            </a:r>
+            <a:endParaRPr lang="en-US" altLang="zh-CN" dirty="0"/>
+          </a:p>
+          <a:p>
+            <a:pPr algn="ctr"/>
+            <a:r>
+              <a:rPr lang="zh-CN" altLang="en-US" dirty="0"/>
+              <a:t>二维码</a:t>
+            </a:r>
+            <a:endParaRPr lang="en-US" dirty="0"/>
+          </a:p>
+        </p:txBody>
+      </p:sp>
+      <p:sp>
+        <p:nvSpPr>
+          <p:cNvPr id="51" name="Rectangle: Rounded Corners 50"/>
+          <p:cNvSpPr/>
+          <p:nvPr/>
+        </p:nvSpPr>
+        <p:spPr>
+          <a:xfrm>
+            <a:off x="1062773" y="1895845"/>
+            <a:ext cx="1079292" cy="839449"/>
+          </a:xfrm>
+          <a:prstGeom prst="roundRect">
+            <a:avLst/>
+          </a:prstGeom>
+        </p:spPr>
+        <p:style>
+          <a:lnRef idx="2">
+            <a:schemeClr val="accent1">
+              <a:shade val="50000"/>
+            </a:schemeClr>
+          </a:lnRef>
+          <a:fillRef idx="1">
+            <a:schemeClr val="accent1"/>
+          </a:fillRef>
+          <a:effectRef idx="0">
+            <a:schemeClr val="accent1"/>
+          </a:effectRef>
+          <a:fontRef idx="minor">
+            <a:schemeClr val="lt1"/>
+          </a:fontRef>
+        </p:style>
+        <p:txBody>
+          <a:bodyPr rtlCol="0" anchor="ctr"/>
+          <a:lstStyle/>
+          <a:p>
+            <a:pPr algn="ctr"/>
+            <a:r>
+              <a:rPr lang="zh-CN" altLang="en-US" dirty="0"/>
+              <a:t>贴码</a:t>
+            </a:r>
+            <a:endParaRPr lang="en-US" dirty="0"/>
+          </a:p>
+        </p:txBody>
+      </p:sp>
+      <p:cxnSp>
+        <p:nvCxnSpPr>
+          <p:cNvPr id="52" name="Straight Arrow Connector 51"/>
+          <p:cNvCxnSpPr>
+            <a:stCxn id="50" idx="0"/>
+            <a:endCxn id="51" idx="2"/>
+          </p:cNvCxnSpPr>
+          <p:nvPr/>
+        </p:nvCxnSpPr>
+        <p:spPr>
+          <a:xfrm flipV="1">
+            <a:off x="1593492" y="2735294"/>
+            <a:ext cx="8927" cy="1171544"/>
+          </a:xfrm>
+          <a:prstGeom prst="straightConnector1">
+            <a:avLst/>
+          </a:prstGeom>
+          <a:ln>
+            <a:tailEnd type="triangle"/>
+          </a:ln>
+        </p:spPr>
+        <p:style>
+          <a:lnRef idx="1">
+            <a:schemeClr val="accent1"/>
+          </a:lnRef>
+          <a:fillRef idx="0">
+            <a:schemeClr val="accent1"/>
+          </a:fillRef>
+          <a:effectRef idx="0">
+            <a:schemeClr val="accent1"/>
+          </a:effectRef>
+          <a:fontRef idx="minor">
+            <a:schemeClr val="tx1"/>
+          </a:fontRef>
+        </p:style>
+      </p:cxnSp>
+      <p:cxnSp>
+        <p:nvCxnSpPr>
+          <p:cNvPr id="53" name="Straight Arrow Connector 52"/>
+          <p:cNvCxnSpPr>
+            <a:stCxn id="51" idx="3"/>
+            <a:endCxn id="2" idx="1"/>
+          </p:cNvCxnSpPr>
+          <p:nvPr/>
+        </p:nvCxnSpPr>
+        <p:spPr>
+          <a:xfrm flipV="1">
+            <a:off x="2142065" y="2311197"/>
+            <a:ext cx="447028" cy="4373"/>
+          </a:xfrm>
+          <a:prstGeom prst="straightConnector1">
+            <a:avLst/>
+          </a:prstGeom>
+          <a:ln>
+            <a:tailEnd type="triangle"/>
+          </a:ln>
+        </p:spPr>
+        <p:style>
+          <a:lnRef idx="1">
+            <a:schemeClr val="accent1"/>
+          </a:lnRef>
+          <a:fillRef idx="0">
+            <a:schemeClr val="accent1"/>
+          </a:fillRef>
+          <a:effectRef idx="0">
+            <a:schemeClr val="accent1"/>
+          </a:effectRef>
+          <a:fontRef idx="minor">
+            <a:schemeClr val="tx1"/>
+          </a:fontRef>
+        </p:style>
+      </p:cxnSp>
+      <p:cxnSp>
+        <p:nvCxnSpPr>
+          <p:cNvPr id="56" name="Straight Arrow Connector 55"/>
+          <p:cNvCxnSpPr/>
+          <p:nvPr/>
+        </p:nvCxnSpPr>
+        <p:spPr>
+          <a:xfrm>
+            <a:off x="560194" y="4336316"/>
+            <a:ext cx="493652" cy="0"/>
+          </a:xfrm>
+          <a:prstGeom prst="straightConnector1">
+            <a:avLst/>
+          </a:prstGeom>
+          <a:ln>
+            <a:tailEnd type="triangle"/>
+          </a:ln>
+        </p:spPr>
+        <p:style>
+          <a:lnRef idx="1">
+            <a:schemeClr val="accent1"/>
+          </a:lnRef>
+          <a:fillRef idx="0">
+            <a:schemeClr val="accent1"/>
+          </a:fillRef>
+          <a:effectRef idx="0">
+            <a:schemeClr val="accent1"/>
+          </a:effectRef>
+          <a:fontRef idx="minor">
+            <a:schemeClr val="tx1"/>
+          </a:fontRef>
+        </p:style>
+      </p:cxnSp>
+      <p:sp>
+        <p:nvSpPr>
+          <p:cNvPr id="16" name="Rectangle 15"/>
+          <p:cNvSpPr/>
+          <p:nvPr/>
+        </p:nvSpPr>
+        <p:spPr>
+          <a:xfrm>
+            <a:off x="521651" y="4882051"/>
+            <a:ext cx="1941557" cy="369332"/>
+          </a:xfrm>
+          <a:prstGeom prst="rect">
+            <a:avLst/>
+          </a:prstGeom>
+        </p:spPr>
+        <p:txBody>
+          <a:bodyPr wrap="none">
+            <a:spAutoFit/>
+          </a:bodyPr>
+          <a:lstStyle/>
+          <a:p>
+            <a:pPr algn="ctr"/>
+            <a:r>
+              <a:rPr lang="en-US" altLang="zh-CN" dirty="0"/>
+              <a:t>(</a:t>
+            </a:r>
+            <a:r>
+              <a:rPr lang="zh-CN" altLang="en-US" dirty="0"/>
+              <a:t>二维码管理模块</a:t>
+            </a:r>
+            <a:r>
+              <a:rPr lang="en-US" altLang="zh-CN" dirty="0"/>
+              <a:t>)</a:t>
+            </a:r>
+            <a:endParaRPr lang="en-US" dirty="0"/>
+          </a:p>
+        </p:txBody>
+      </p:sp>
     </p:spTree>
     <p:extLst>
       <p:ext uri="{BB962C8B-B14F-4D97-AF65-F5344CB8AC3E}">
         <p14:creationId xmlns:p14="http://schemas.microsoft.com/office/powerpoint/2010/main" val="1137540604"/>
+      </p:ext>
+    </p:extLst>
+  </p:cSld>
+  <p:clrMapOvr>
+    <a:masterClrMapping/>
+  </p:clrMapOvr>
+</p:sld>
+</file>
+
+<file path=ppt/slides/slide10.xml><?xml version="1.0" encoding="utf-8"?>
+<p:sld xmlns:a="http://schemas.openxmlformats.org/drawingml/2006/main" xmlns:r="http://schemas.openxmlformats.org/officeDocument/2006/relationships" xmlns:p="http://schemas.openxmlformats.org/presentationml/2006/main">
+  <p:cSld>
+    <p:spTree>
+      <p:nvGrpSpPr>
+        <p:cNvPr id="1" name=""/>
+        <p:cNvGrpSpPr/>
+        <p:nvPr/>
+      </p:nvGrpSpPr>
+      <p:grpSpPr>
+        <a:xfrm>
+          <a:off x="0" y="0"/>
+          <a:ext cx="0" cy="0"/>
+          <a:chOff x="0" y="0"/>
+          <a:chExt cx="0" cy="0"/>
+        </a:xfrm>
+      </p:grpSpPr>
+      <p:sp>
+        <p:nvSpPr>
+          <p:cNvPr id="3" name="Rectangle 2"/>
+          <p:cNvSpPr/>
+          <p:nvPr/>
+        </p:nvSpPr>
+        <p:spPr>
+          <a:xfrm>
+            <a:off x="0" y="219254"/>
+            <a:ext cx="3879588" cy="461665"/>
+          </a:xfrm>
+          <a:prstGeom prst="rect">
+            <a:avLst/>
+          </a:prstGeom>
+        </p:spPr>
+        <p:txBody>
+          <a:bodyPr wrap="none">
+            <a:spAutoFit/>
+          </a:bodyPr>
+          <a:lstStyle/>
+          <a:p>
+            <a:r>
+              <a:rPr lang="en-US" altLang="zh-CN" sz="2400" b="1" dirty="0"/>
+              <a:t>FE</a:t>
+            </a:r>
+            <a:r>
+              <a:rPr lang="zh-CN" altLang="en-US" sz="2400" b="1" dirty="0"/>
+              <a:t>申请开通更多医院的权限</a:t>
+            </a:r>
+            <a:endParaRPr lang="en-US" sz="2400" b="1" dirty="0"/>
+          </a:p>
+        </p:txBody>
+      </p:sp>
+      <p:cxnSp>
+        <p:nvCxnSpPr>
+          <p:cNvPr id="6" name="Straight Connector 5"/>
+          <p:cNvCxnSpPr/>
+          <p:nvPr/>
+        </p:nvCxnSpPr>
+        <p:spPr>
+          <a:xfrm>
+            <a:off x="282027" y="2650109"/>
+            <a:ext cx="11782205" cy="0"/>
+          </a:xfrm>
+          <a:prstGeom prst="line">
+            <a:avLst/>
+          </a:prstGeom>
+          <a:ln w="9525" cap="flat" cmpd="sng" algn="ctr">
+            <a:solidFill>
+              <a:schemeClr val="dk1"/>
+            </a:solidFill>
+            <a:prstDash val="dash"/>
+            <a:round/>
+            <a:headEnd type="none" w="med" len="med"/>
+            <a:tailEnd type="none" w="med" len="med"/>
+          </a:ln>
+        </p:spPr>
+        <p:style>
+          <a:lnRef idx="0">
+            <a:scrgbClr r="0" g="0" b="0"/>
+          </a:lnRef>
+          <a:fillRef idx="0">
+            <a:scrgbClr r="0" g="0" b="0"/>
+          </a:fillRef>
+          <a:effectRef idx="0">
+            <a:scrgbClr r="0" g="0" b="0"/>
+          </a:effectRef>
+          <a:fontRef idx="minor">
+            <a:schemeClr val="tx1"/>
+          </a:fontRef>
+        </p:style>
+      </p:cxnSp>
+      <p:sp>
+        <p:nvSpPr>
+          <p:cNvPr id="9" name="Rectangle 8"/>
+          <p:cNvSpPr/>
+          <p:nvPr/>
+        </p:nvSpPr>
+        <p:spPr>
+          <a:xfrm>
+            <a:off x="234533" y="1576159"/>
+            <a:ext cx="854374" cy="369332"/>
+          </a:xfrm>
+          <a:prstGeom prst="rect">
+            <a:avLst/>
+          </a:prstGeom>
+        </p:spPr>
+        <p:txBody>
+          <a:bodyPr wrap="square">
+            <a:spAutoFit/>
+          </a:bodyPr>
+          <a:lstStyle/>
+          <a:p>
+            <a:r>
+              <a:rPr lang="en-US" altLang="zh-CN" dirty="0"/>
+              <a:t>FE</a:t>
+            </a:r>
+            <a:endParaRPr lang="en-US" dirty="0"/>
+          </a:p>
+        </p:txBody>
+      </p:sp>
+      <p:sp>
+        <p:nvSpPr>
+          <p:cNvPr id="18" name="Rectangle 17"/>
+          <p:cNvSpPr/>
+          <p:nvPr/>
+        </p:nvSpPr>
+        <p:spPr>
+          <a:xfrm>
+            <a:off x="282027" y="3799269"/>
+            <a:ext cx="854374" cy="646331"/>
+          </a:xfrm>
+          <a:prstGeom prst="rect">
+            <a:avLst/>
+          </a:prstGeom>
+        </p:spPr>
+        <p:txBody>
+          <a:bodyPr wrap="square">
+            <a:spAutoFit/>
+          </a:bodyPr>
+          <a:lstStyle/>
+          <a:p>
+            <a:r>
+              <a:rPr lang="en-US" altLang="zh-CN" dirty="0"/>
+              <a:t>GE</a:t>
+            </a:r>
+          </a:p>
+          <a:p>
+            <a:r>
+              <a:rPr lang="zh-CN" altLang="en-US" dirty="0"/>
+              <a:t>后台</a:t>
+            </a:r>
+            <a:endParaRPr lang="en-US" dirty="0"/>
+          </a:p>
+        </p:txBody>
+      </p:sp>
+      <p:cxnSp>
+        <p:nvCxnSpPr>
+          <p:cNvPr id="79" name="Straight Arrow Connector 78"/>
+          <p:cNvCxnSpPr>
+            <a:stCxn id="39" idx="3"/>
+            <a:endCxn id="36" idx="1"/>
+          </p:cNvCxnSpPr>
+          <p:nvPr/>
+        </p:nvCxnSpPr>
+        <p:spPr>
+          <a:xfrm>
+            <a:off x="2570370" y="1790809"/>
+            <a:ext cx="404932" cy="0"/>
+          </a:xfrm>
+          <a:prstGeom prst="straightConnector1">
+            <a:avLst/>
+          </a:prstGeom>
+          <a:ln>
+            <a:tailEnd type="triangle"/>
+          </a:ln>
+        </p:spPr>
+        <p:style>
+          <a:lnRef idx="1">
+            <a:schemeClr val="accent1"/>
+          </a:lnRef>
+          <a:fillRef idx="0">
+            <a:schemeClr val="accent1"/>
+          </a:fillRef>
+          <a:effectRef idx="0">
+            <a:schemeClr val="accent1"/>
+          </a:effectRef>
+          <a:fontRef idx="minor">
+            <a:schemeClr val="tx1"/>
+          </a:fontRef>
+        </p:style>
+      </p:cxnSp>
+      <p:cxnSp>
+        <p:nvCxnSpPr>
+          <p:cNvPr id="72" name="Connector: Elbow 71"/>
+          <p:cNvCxnSpPr>
+            <a:stCxn id="53" idx="1"/>
+            <a:endCxn id="39" idx="2"/>
+          </p:cNvCxnSpPr>
+          <p:nvPr/>
+        </p:nvCxnSpPr>
+        <p:spPr>
+          <a:xfrm rot="10800000">
+            <a:off x="2017489" y="2210534"/>
+            <a:ext cx="1009066" cy="3163147"/>
+          </a:xfrm>
+          <a:prstGeom prst="bentConnector2">
+            <a:avLst/>
+          </a:prstGeom>
+          <a:ln>
+            <a:tailEnd type="triangle"/>
+          </a:ln>
+        </p:spPr>
+        <p:style>
+          <a:lnRef idx="1">
+            <a:schemeClr val="accent1"/>
+          </a:lnRef>
+          <a:fillRef idx="0">
+            <a:schemeClr val="accent1"/>
+          </a:fillRef>
+          <a:effectRef idx="0">
+            <a:schemeClr val="accent1"/>
+          </a:effectRef>
+          <a:fontRef idx="minor">
+            <a:schemeClr val="tx1"/>
+          </a:fontRef>
+        </p:style>
+      </p:cxnSp>
+      <p:sp>
+        <p:nvSpPr>
+          <p:cNvPr id="36" name="Rectangle: Rounded Corners 35"/>
+          <p:cNvSpPr/>
+          <p:nvPr/>
+        </p:nvSpPr>
+        <p:spPr>
+          <a:xfrm>
+            <a:off x="2975302" y="1371084"/>
+            <a:ext cx="868599" cy="839449"/>
+          </a:xfrm>
+          <a:prstGeom prst="roundRect">
+            <a:avLst/>
+          </a:prstGeom>
+        </p:spPr>
+        <p:style>
+          <a:lnRef idx="2">
+            <a:schemeClr val="accent1">
+              <a:shade val="50000"/>
+            </a:schemeClr>
+          </a:lnRef>
+          <a:fillRef idx="1">
+            <a:schemeClr val="accent1"/>
+          </a:fillRef>
+          <a:effectRef idx="0">
+            <a:schemeClr val="accent1"/>
+          </a:effectRef>
+          <a:fontRef idx="minor">
+            <a:schemeClr val="lt1"/>
+          </a:fontRef>
+        </p:style>
+        <p:txBody>
+          <a:bodyPr rtlCol="0" anchor="ctr"/>
+          <a:lstStyle/>
+          <a:p>
+            <a:pPr algn="ctr"/>
+            <a:r>
+              <a:rPr lang="zh-CN" altLang="en-US" dirty="0"/>
+              <a:t>提交申请</a:t>
+            </a:r>
+            <a:endParaRPr lang="en-US" dirty="0"/>
+          </a:p>
+        </p:txBody>
+      </p:sp>
+      <p:sp>
+        <p:nvSpPr>
+          <p:cNvPr id="39" name="Rectangle: Rounded Corners 38"/>
+          <p:cNvSpPr/>
+          <p:nvPr/>
+        </p:nvSpPr>
+        <p:spPr>
+          <a:xfrm>
+            <a:off x="1464607" y="1371084"/>
+            <a:ext cx="1105763" cy="839449"/>
+          </a:xfrm>
+          <a:prstGeom prst="roundRect">
+            <a:avLst/>
+          </a:prstGeom>
+        </p:spPr>
+        <p:style>
+          <a:lnRef idx="2">
+            <a:schemeClr val="accent1">
+              <a:shade val="50000"/>
+            </a:schemeClr>
+          </a:lnRef>
+          <a:fillRef idx="1">
+            <a:schemeClr val="accent1"/>
+          </a:fillRef>
+          <a:effectRef idx="0">
+            <a:schemeClr val="accent1"/>
+          </a:effectRef>
+          <a:fontRef idx="minor">
+            <a:schemeClr val="lt1"/>
+          </a:fontRef>
+        </p:style>
+        <p:txBody>
+          <a:bodyPr rtlCol="0" anchor="ctr"/>
+          <a:lstStyle/>
+          <a:p>
+            <a:pPr algn="ctr"/>
+            <a:r>
+              <a:rPr lang="zh-CN" altLang="en-US" dirty="0"/>
+              <a:t>填写</a:t>
+            </a:r>
+            <a:endParaRPr lang="en-US" altLang="zh-CN" dirty="0"/>
+          </a:p>
+          <a:p>
+            <a:pPr algn="ctr"/>
+            <a:r>
+              <a:rPr lang="zh-CN" altLang="en-US" dirty="0"/>
+              <a:t>申请表</a:t>
+            </a:r>
+            <a:endParaRPr lang="en-US" dirty="0"/>
+          </a:p>
+        </p:txBody>
+      </p:sp>
+      <p:sp>
+        <p:nvSpPr>
+          <p:cNvPr id="55" name="Oval 54"/>
+          <p:cNvSpPr/>
+          <p:nvPr/>
+        </p:nvSpPr>
+        <p:spPr>
+          <a:xfrm>
+            <a:off x="9224796" y="3909781"/>
+            <a:ext cx="308474" cy="309367"/>
+          </a:xfrm>
+          <a:prstGeom prst="ellipse">
+            <a:avLst/>
+          </a:prstGeom>
+        </p:spPr>
+        <p:style>
+          <a:lnRef idx="3">
+            <a:schemeClr val="lt1"/>
+          </a:lnRef>
+          <a:fillRef idx="1">
+            <a:schemeClr val="dk1"/>
+          </a:fillRef>
+          <a:effectRef idx="1">
+            <a:schemeClr val="dk1"/>
+          </a:effectRef>
+          <a:fontRef idx="minor">
+            <a:schemeClr val="lt1"/>
+          </a:fontRef>
+        </p:style>
+        <p:txBody>
+          <a:bodyPr rtlCol="0" anchor="ctr"/>
+          <a:lstStyle/>
+          <a:p>
+            <a:pPr algn="ctr"/>
+            <a:endParaRPr lang="en-US"/>
+          </a:p>
+        </p:txBody>
+      </p:sp>
+      <p:sp>
+        <p:nvSpPr>
+          <p:cNvPr id="59" name="Rectangle: Rounded Corners 58"/>
+          <p:cNvSpPr/>
+          <p:nvPr/>
+        </p:nvSpPr>
+        <p:spPr>
+          <a:xfrm>
+            <a:off x="3614620" y="3606151"/>
+            <a:ext cx="1298887" cy="839449"/>
+          </a:xfrm>
+          <a:prstGeom prst="roundRect">
+            <a:avLst/>
+          </a:prstGeom>
+        </p:spPr>
+        <p:style>
+          <a:lnRef idx="2">
+            <a:schemeClr val="accent1">
+              <a:shade val="50000"/>
+            </a:schemeClr>
+          </a:lnRef>
+          <a:fillRef idx="1">
+            <a:schemeClr val="accent1"/>
+          </a:fillRef>
+          <a:effectRef idx="0">
+            <a:schemeClr val="accent1"/>
+          </a:effectRef>
+          <a:fontRef idx="minor">
+            <a:schemeClr val="lt1"/>
+          </a:fontRef>
+        </p:style>
+        <p:txBody>
+          <a:bodyPr rtlCol="0" anchor="ctr"/>
+          <a:lstStyle/>
+          <a:p>
+            <a:pPr algn="ctr"/>
+            <a:r>
+              <a:rPr lang="zh-CN" altLang="en-US" dirty="0"/>
+              <a:t>审核、核实申请信息</a:t>
+            </a:r>
+            <a:endParaRPr lang="en-US" dirty="0"/>
+          </a:p>
+        </p:txBody>
+      </p:sp>
+      <p:sp>
+        <p:nvSpPr>
+          <p:cNvPr id="60" name="Rectangle: Rounded Corners 59"/>
+          <p:cNvSpPr/>
+          <p:nvPr/>
+        </p:nvSpPr>
+        <p:spPr>
+          <a:xfrm>
+            <a:off x="7163734" y="3608594"/>
+            <a:ext cx="1491153" cy="839449"/>
+          </a:xfrm>
+          <a:prstGeom prst="roundRect">
+            <a:avLst/>
+          </a:prstGeom>
+        </p:spPr>
+        <p:style>
+          <a:lnRef idx="2">
+            <a:schemeClr val="accent1">
+              <a:shade val="50000"/>
+            </a:schemeClr>
+          </a:lnRef>
+          <a:fillRef idx="1">
+            <a:schemeClr val="accent1"/>
+          </a:fillRef>
+          <a:effectRef idx="0">
+            <a:schemeClr val="accent1"/>
+          </a:effectRef>
+          <a:fontRef idx="minor">
+            <a:schemeClr val="lt1"/>
+          </a:fontRef>
+        </p:style>
+        <p:txBody>
+          <a:bodyPr rtlCol="0" anchor="ctr"/>
+          <a:lstStyle/>
+          <a:p>
+            <a:pPr algn="ctr"/>
+            <a:r>
+              <a:rPr lang="zh-CN" altLang="en-US" dirty="0"/>
+              <a:t>开通</a:t>
+            </a:r>
+            <a:endParaRPr lang="en-US" altLang="zh-CN" dirty="0"/>
+          </a:p>
+          <a:p>
+            <a:pPr algn="ctr"/>
+            <a:r>
+              <a:rPr lang="zh-CN" altLang="en-US" dirty="0"/>
+              <a:t>医院权限</a:t>
+            </a:r>
+            <a:endParaRPr lang="en-US" altLang="zh-CN" dirty="0"/>
+          </a:p>
+          <a:p>
+            <a:pPr algn="ctr"/>
+            <a:r>
+              <a:rPr lang="zh-CN" altLang="en-US" dirty="0"/>
+              <a:t>给</a:t>
+            </a:r>
+            <a:r>
+              <a:rPr lang="en-US" altLang="zh-CN" dirty="0"/>
+              <a:t>FE</a:t>
+            </a:r>
+            <a:endParaRPr lang="en-US" dirty="0"/>
+          </a:p>
+        </p:txBody>
+      </p:sp>
+      <p:cxnSp>
+        <p:nvCxnSpPr>
+          <p:cNvPr id="61" name="Connector: Elbow 60"/>
+          <p:cNvCxnSpPr>
+            <a:stCxn id="59" idx="3"/>
+            <a:endCxn id="34" idx="1"/>
+          </p:cNvCxnSpPr>
+          <p:nvPr/>
+        </p:nvCxnSpPr>
+        <p:spPr>
+          <a:xfrm>
+            <a:off x="4913507" y="4025876"/>
+            <a:ext cx="514231" cy="4155"/>
+          </a:xfrm>
+          <a:prstGeom prst="bentConnector3">
+            <a:avLst>
+              <a:gd name="adj1" fmla="val 50000"/>
+            </a:avLst>
+          </a:prstGeom>
+          <a:ln>
+            <a:tailEnd type="triangle"/>
+          </a:ln>
+        </p:spPr>
+        <p:style>
+          <a:lnRef idx="1">
+            <a:schemeClr val="accent1"/>
+          </a:lnRef>
+          <a:fillRef idx="0">
+            <a:schemeClr val="accent1"/>
+          </a:fillRef>
+          <a:effectRef idx="0">
+            <a:schemeClr val="accent1"/>
+          </a:effectRef>
+          <a:fontRef idx="minor">
+            <a:schemeClr val="tx1"/>
+          </a:fontRef>
+        </p:style>
+      </p:cxnSp>
+      <p:sp>
+        <p:nvSpPr>
+          <p:cNvPr id="87" name="Rectangle: Rounded Corners 86"/>
+          <p:cNvSpPr/>
+          <p:nvPr/>
+        </p:nvSpPr>
+        <p:spPr>
+          <a:xfrm>
+            <a:off x="9618306" y="1371084"/>
+            <a:ext cx="1530279" cy="839449"/>
+          </a:xfrm>
+          <a:prstGeom prst="roundRect">
+            <a:avLst/>
+          </a:prstGeom>
+        </p:spPr>
+        <p:style>
+          <a:lnRef idx="2">
+            <a:schemeClr val="accent1">
+              <a:shade val="50000"/>
+            </a:schemeClr>
+          </a:lnRef>
+          <a:fillRef idx="1">
+            <a:schemeClr val="accent1"/>
+          </a:fillRef>
+          <a:effectRef idx="0">
+            <a:schemeClr val="accent1"/>
+          </a:effectRef>
+          <a:fontRef idx="minor">
+            <a:schemeClr val="lt1"/>
+          </a:fontRef>
+        </p:style>
+        <p:txBody>
+          <a:bodyPr rtlCol="0" anchor="ctr"/>
+          <a:lstStyle/>
+          <a:p>
+            <a:pPr algn="ctr"/>
+            <a:r>
+              <a:rPr lang="zh-CN" altLang="en-US" dirty="0"/>
+              <a:t>查看申请状态</a:t>
+            </a:r>
+            <a:endParaRPr lang="en-US" dirty="0"/>
+          </a:p>
+        </p:txBody>
+      </p:sp>
+      <p:cxnSp>
+        <p:nvCxnSpPr>
+          <p:cNvPr id="70" name="Connector: Elbow 69"/>
+          <p:cNvCxnSpPr>
+            <a:stCxn id="87" idx="3"/>
+            <a:endCxn id="122" idx="2"/>
+          </p:cNvCxnSpPr>
+          <p:nvPr/>
+        </p:nvCxnSpPr>
+        <p:spPr>
+          <a:xfrm>
+            <a:off x="11148585" y="1790809"/>
+            <a:ext cx="368103" cy="5199"/>
+          </a:xfrm>
+          <a:prstGeom prst="bentConnector3">
+            <a:avLst>
+              <a:gd name="adj1" fmla="val 50000"/>
+            </a:avLst>
+          </a:prstGeom>
+          <a:ln>
+            <a:tailEnd type="triangle"/>
+          </a:ln>
+        </p:spPr>
+        <p:style>
+          <a:lnRef idx="1">
+            <a:schemeClr val="accent1"/>
+          </a:lnRef>
+          <a:fillRef idx="0">
+            <a:schemeClr val="accent1"/>
+          </a:fillRef>
+          <a:effectRef idx="0">
+            <a:schemeClr val="accent1"/>
+          </a:effectRef>
+          <a:fontRef idx="minor">
+            <a:schemeClr val="tx1"/>
+          </a:fontRef>
+        </p:style>
+      </p:cxnSp>
+      <p:cxnSp>
+        <p:nvCxnSpPr>
+          <p:cNvPr id="24" name="Connector: Elbow 23"/>
+          <p:cNvCxnSpPr>
+            <a:stCxn id="36" idx="3"/>
+            <a:endCxn id="59" idx="0"/>
+          </p:cNvCxnSpPr>
+          <p:nvPr/>
+        </p:nvCxnSpPr>
+        <p:spPr>
+          <a:xfrm>
+            <a:off x="3843901" y="1790809"/>
+            <a:ext cx="420163" cy="1815342"/>
+          </a:xfrm>
+          <a:prstGeom prst="bentConnector2">
+            <a:avLst/>
+          </a:prstGeom>
+          <a:ln>
+            <a:tailEnd type="triangle"/>
+          </a:ln>
+        </p:spPr>
+        <p:style>
+          <a:lnRef idx="1">
+            <a:schemeClr val="accent1"/>
+          </a:lnRef>
+          <a:fillRef idx="0">
+            <a:schemeClr val="accent1"/>
+          </a:fillRef>
+          <a:effectRef idx="0">
+            <a:schemeClr val="accent1"/>
+          </a:effectRef>
+          <a:fontRef idx="minor">
+            <a:schemeClr val="tx1"/>
+          </a:fontRef>
+        </p:style>
+      </p:cxnSp>
+      <p:sp>
+        <p:nvSpPr>
+          <p:cNvPr id="34" name="Diamond 33"/>
+          <p:cNvSpPr/>
+          <p:nvPr/>
+        </p:nvSpPr>
+        <p:spPr>
+          <a:xfrm>
+            <a:off x="5427738" y="3592170"/>
+            <a:ext cx="1028461" cy="875722"/>
+          </a:xfrm>
+          <a:prstGeom prst="diamond">
+            <a:avLst/>
+          </a:prstGeom>
+        </p:spPr>
+        <p:style>
+          <a:lnRef idx="2">
+            <a:schemeClr val="accent1">
+              <a:shade val="50000"/>
+            </a:schemeClr>
+          </a:lnRef>
+          <a:fillRef idx="1">
+            <a:schemeClr val="accent1"/>
+          </a:fillRef>
+          <a:effectRef idx="0">
+            <a:schemeClr val="accent1"/>
+          </a:effectRef>
+          <a:fontRef idx="minor">
+            <a:schemeClr val="lt1"/>
+          </a:fontRef>
+        </p:style>
+        <p:txBody>
+          <a:bodyPr lIns="0" tIns="0" rIns="0" bIns="0" rtlCol="0" anchor="ctr"/>
+          <a:lstStyle/>
+          <a:p>
+            <a:pPr algn="ctr"/>
+            <a:r>
+              <a:rPr lang="zh-CN" altLang="en-US" sz="1400" dirty="0">
+                <a:solidFill>
+                  <a:schemeClr val="bg1"/>
+                </a:solidFill>
+              </a:rPr>
+              <a:t>审核通过</a:t>
+            </a:r>
+            <a:r>
+              <a:rPr lang="en-US" altLang="zh-CN" sz="1400" dirty="0">
+                <a:solidFill>
+                  <a:schemeClr val="bg1"/>
+                </a:solidFill>
+              </a:rPr>
+              <a:t>?</a:t>
+            </a:r>
+            <a:endParaRPr lang="en-US" sz="1400" dirty="0">
+              <a:solidFill>
+                <a:schemeClr val="bg1"/>
+              </a:solidFill>
+            </a:endParaRPr>
+          </a:p>
+        </p:txBody>
+      </p:sp>
+      <p:cxnSp>
+        <p:nvCxnSpPr>
+          <p:cNvPr id="37" name="Connector: Elbow 36"/>
+          <p:cNvCxnSpPr>
+            <a:stCxn id="34" idx="3"/>
+            <a:endCxn id="60" idx="1"/>
+          </p:cNvCxnSpPr>
+          <p:nvPr/>
+        </p:nvCxnSpPr>
+        <p:spPr>
+          <a:xfrm flipV="1">
+            <a:off x="6456199" y="4028319"/>
+            <a:ext cx="707535" cy="1712"/>
+          </a:xfrm>
+          <a:prstGeom prst="bentConnector3">
+            <a:avLst>
+              <a:gd name="adj1" fmla="val 50000"/>
+            </a:avLst>
+          </a:prstGeom>
+          <a:ln>
+            <a:tailEnd type="triangle"/>
+          </a:ln>
+        </p:spPr>
+        <p:style>
+          <a:lnRef idx="1">
+            <a:schemeClr val="accent1"/>
+          </a:lnRef>
+          <a:fillRef idx="0">
+            <a:schemeClr val="accent1"/>
+          </a:fillRef>
+          <a:effectRef idx="0">
+            <a:schemeClr val="accent1"/>
+          </a:effectRef>
+          <a:fontRef idx="minor">
+            <a:schemeClr val="tx1"/>
+          </a:fontRef>
+        </p:style>
+      </p:cxnSp>
+      <p:sp>
+        <p:nvSpPr>
+          <p:cNvPr id="20" name="Rectangle 19"/>
+          <p:cNvSpPr/>
+          <p:nvPr/>
+        </p:nvSpPr>
+        <p:spPr>
+          <a:xfrm>
+            <a:off x="6521378" y="3725115"/>
+            <a:ext cx="512641" cy="369332"/>
+          </a:xfrm>
+          <a:prstGeom prst="rect">
+            <a:avLst/>
+          </a:prstGeom>
+        </p:spPr>
+        <p:txBody>
+          <a:bodyPr wrap="none">
+            <a:spAutoFit/>
+          </a:bodyPr>
+          <a:lstStyle/>
+          <a:p>
+            <a:r>
+              <a:rPr lang="en-US" altLang="zh-CN" dirty="0"/>
+              <a:t>YES</a:t>
+            </a:r>
+            <a:endParaRPr lang="en-US" dirty="0"/>
+          </a:p>
+        </p:txBody>
+      </p:sp>
+      <p:cxnSp>
+        <p:nvCxnSpPr>
+          <p:cNvPr id="52" name="Connector: Elbow 51"/>
+          <p:cNvCxnSpPr>
+            <a:stCxn id="34" idx="2"/>
+            <a:endCxn id="53" idx="3"/>
+          </p:cNvCxnSpPr>
+          <p:nvPr/>
+        </p:nvCxnSpPr>
+        <p:spPr>
+          <a:xfrm rot="5400000">
+            <a:off x="4776945" y="4208656"/>
+            <a:ext cx="905788" cy="1424261"/>
+          </a:xfrm>
+          <a:prstGeom prst="bentConnector2">
+            <a:avLst/>
+          </a:prstGeom>
+          <a:ln>
+            <a:tailEnd type="triangle"/>
+          </a:ln>
+        </p:spPr>
+        <p:style>
+          <a:lnRef idx="1">
+            <a:schemeClr val="accent1"/>
+          </a:lnRef>
+          <a:fillRef idx="0">
+            <a:schemeClr val="accent1"/>
+          </a:fillRef>
+          <a:effectRef idx="0">
+            <a:schemeClr val="accent1"/>
+          </a:effectRef>
+          <a:fontRef idx="minor">
+            <a:schemeClr val="tx1"/>
+          </a:fontRef>
+        </p:style>
+      </p:cxnSp>
+      <p:sp>
+        <p:nvSpPr>
+          <p:cNvPr id="53" name="Rectangle: Rounded Corners 52"/>
+          <p:cNvSpPr/>
+          <p:nvPr/>
+        </p:nvSpPr>
+        <p:spPr>
+          <a:xfrm>
+            <a:off x="3026555" y="4953955"/>
+            <a:ext cx="1491153" cy="839449"/>
+          </a:xfrm>
+          <a:prstGeom prst="roundRect">
+            <a:avLst/>
+          </a:prstGeom>
+        </p:spPr>
+        <p:style>
+          <a:lnRef idx="1">
+            <a:schemeClr val="accent2"/>
+          </a:lnRef>
+          <a:fillRef idx="2">
+            <a:schemeClr val="accent2"/>
+          </a:fillRef>
+          <a:effectRef idx="1">
+            <a:schemeClr val="accent2"/>
+          </a:effectRef>
+          <a:fontRef idx="minor">
+            <a:schemeClr val="dk1"/>
+          </a:fontRef>
+        </p:style>
+        <p:txBody>
+          <a:bodyPr rtlCol="0" anchor="ctr"/>
+          <a:lstStyle/>
+          <a:p>
+            <a:pPr algn="ctr"/>
+            <a:r>
+              <a:rPr lang="zh-CN" altLang="en-US" dirty="0">
+                <a:solidFill>
+                  <a:schemeClr val="dk1"/>
+                </a:solidFill>
+              </a:rPr>
+              <a:t>推送消息和不通过原因</a:t>
+            </a:r>
+            <a:endParaRPr lang="en-US" dirty="0">
+              <a:solidFill>
+                <a:schemeClr val="dk1"/>
+              </a:solidFill>
+            </a:endParaRPr>
+          </a:p>
+        </p:txBody>
+      </p:sp>
+      <p:sp>
+        <p:nvSpPr>
+          <p:cNvPr id="58" name="Rectangle 57"/>
+          <p:cNvSpPr/>
+          <p:nvPr/>
+        </p:nvSpPr>
+        <p:spPr>
+          <a:xfrm>
+            <a:off x="5490706" y="4493088"/>
+            <a:ext cx="455574" cy="369332"/>
+          </a:xfrm>
+          <a:prstGeom prst="rect">
+            <a:avLst/>
+          </a:prstGeom>
+        </p:spPr>
+        <p:txBody>
+          <a:bodyPr wrap="none">
+            <a:spAutoFit/>
+          </a:bodyPr>
+          <a:lstStyle/>
+          <a:p>
+            <a:r>
+              <a:rPr lang="en-US" altLang="zh-CN" dirty="0"/>
+              <a:t>No</a:t>
+            </a:r>
+            <a:endParaRPr lang="en-US" dirty="0"/>
+          </a:p>
+        </p:txBody>
+      </p:sp>
+      <p:cxnSp>
+        <p:nvCxnSpPr>
+          <p:cNvPr id="89" name="Straight Arrow Connector 88"/>
+          <p:cNvCxnSpPr>
+            <a:endCxn id="39" idx="1"/>
+          </p:cNvCxnSpPr>
+          <p:nvPr/>
+        </p:nvCxnSpPr>
+        <p:spPr>
+          <a:xfrm>
+            <a:off x="970955" y="1790809"/>
+            <a:ext cx="493652" cy="0"/>
+          </a:xfrm>
+          <a:prstGeom prst="straightConnector1">
+            <a:avLst/>
+          </a:prstGeom>
+          <a:ln>
+            <a:tailEnd type="triangle"/>
+          </a:ln>
+        </p:spPr>
+        <p:style>
+          <a:lnRef idx="1">
+            <a:schemeClr val="accent1"/>
+          </a:lnRef>
+          <a:fillRef idx="0">
+            <a:schemeClr val="accent1"/>
+          </a:fillRef>
+          <a:effectRef idx="0">
+            <a:schemeClr val="accent1"/>
+          </a:effectRef>
+          <a:fontRef idx="minor">
+            <a:schemeClr val="tx1"/>
+          </a:fontRef>
+        </p:style>
+      </p:cxnSp>
+      <p:cxnSp>
+        <p:nvCxnSpPr>
+          <p:cNvPr id="94" name="Connector: Elbow 93"/>
+          <p:cNvCxnSpPr>
+            <a:stCxn id="60" idx="3"/>
+          </p:cNvCxnSpPr>
+          <p:nvPr/>
+        </p:nvCxnSpPr>
+        <p:spPr>
+          <a:xfrm flipV="1">
+            <a:off x="8654887" y="4025876"/>
+            <a:ext cx="569909" cy="2443"/>
+          </a:xfrm>
+          <a:prstGeom prst="bentConnector3">
+            <a:avLst>
+              <a:gd name="adj1" fmla="val 50000"/>
+            </a:avLst>
+          </a:prstGeom>
+          <a:ln>
+            <a:tailEnd type="triangle"/>
+          </a:ln>
+        </p:spPr>
+        <p:style>
+          <a:lnRef idx="1">
+            <a:schemeClr val="accent1"/>
+          </a:lnRef>
+          <a:fillRef idx="0">
+            <a:schemeClr val="accent1"/>
+          </a:fillRef>
+          <a:effectRef idx="0">
+            <a:schemeClr val="accent1"/>
+          </a:effectRef>
+          <a:fontRef idx="minor">
+            <a:schemeClr val="tx1"/>
+          </a:fontRef>
+        </p:style>
+      </p:cxnSp>
+      <p:sp>
+        <p:nvSpPr>
+          <p:cNvPr id="122" name="Oval 121"/>
+          <p:cNvSpPr/>
+          <p:nvPr/>
+        </p:nvSpPr>
+        <p:spPr>
+          <a:xfrm>
+            <a:off x="11516688" y="1641324"/>
+            <a:ext cx="308474" cy="309367"/>
+          </a:xfrm>
+          <a:prstGeom prst="ellipse">
+            <a:avLst/>
+          </a:prstGeom>
+        </p:spPr>
+        <p:style>
+          <a:lnRef idx="3">
+            <a:schemeClr val="lt1"/>
+          </a:lnRef>
+          <a:fillRef idx="1">
+            <a:schemeClr val="dk1"/>
+          </a:fillRef>
+          <a:effectRef idx="1">
+            <a:schemeClr val="dk1"/>
+          </a:effectRef>
+          <a:fontRef idx="minor">
+            <a:schemeClr val="lt1"/>
+          </a:fontRef>
+        </p:style>
+        <p:txBody>
+          <a:bodyPr rtlCol="0" anchor="ctr"/>
+          <a:lstStyle/>
+          <a:p>
+            <a:pPr algn="ctr"/>
+            <a:endParaRPr lang="en-US"/>
+          </a:p>
+        </p:txBody>
+      </p:sp>
+    </p:spTree>
+    <p:extLst>
+      <p:ext uri="{BB962C8B-B14F-4D97-AF65-F5344CB8AC3E}">
+        <p14:creationId xmlns:p14="http://schemas.microsoft.com/office/powerpoint/2010/main" val="1763131220"/>
       </p:ext>
     </p:extLst>
   </p:cSld>
@@ -4560,7 +6155,7 @@
         </p:nvSpPr>
         <p:spPr>
           <a:xfrm>
-            <a:off x="136488" y="2204546"/>
+            <a:off x="150074" y="2074593"/>
             <a:ext cx="854374" cy="369332"/>
           </a:xfrm>
           <a:prstGeom prst="rect">
@@ -4740,8 +6335,8 @@
         </p:nvSpPr>
         <p:spPr>
           <a:xfrm>
-            <a:off x="136488" y="4826895"/>
-            <a:ext cx="854374" cy="646331"/>
+            <a:off x="263970" y="4474448"/>
+            <a:ext cx="854374" cy="369332"/>
           </a:xfrm>
           <a:prstGeom prst="rect">
             <a:avLst/>
@@ -4756,14 +6351,6 @@
             <a:r>
               <a:rPr lang="zh-CN" altLang="en-US" dirty="0"/>
               <a:t>派工</a:t>
-            </a:r>
-            <a:r>
-              <a:rPr lang="en-US" altLang="zh-CN" dirty="0"/>
-              <a:t>/</a:t>
-            </a:r>
-            <a:r>
-              <a:rPr lang="zh-CN" altLang="en-US" dirty="0"/>
-              <a:t>领单</a:t>
             </a:r>
             <a:endParaRPr lang="en-US" dirty="0"/>
           </a:p>
@@ -5407,7 +6994,7 @@
             <a:pPr algn="ctr"/>
             <a:r>
               <a:rPr lang="zh-CN" altLang="en-US" dirty="0"/>
-              <a:t>停留在领单，待领单</a:t>
+              <a:t>进入领单环节，待领单</a:t>
             </a:r>
             <a:endParaRPr lang="en-US" dirty="0"/>
           </a:p>
@@ -5513,7 +7100,11 @@
             </a:r>
             <a:r>
               <a:rPr lang="zh-CN" altLang="en-US" dirty="0"/>
-              <a:t>自动派单</a:t>
+              <a:t>自动派</a:t>
+            </a:r>
+            <a:r>
+              <a:rPr lang="zh-CN" altLang="en-US" dirty="0"/>
+              <a:t>工</a:t>
             </a:r>
             <a:endParaRPr lang="en-US" dirty="0"/>
           </a:p>
@@ -5776,6 +7367,39 @@
           </a:p>
         </p:txBody>
       </p:sp>
+      <p:cxnSp>
+        <p:nvCxnSpPr>
+          <p:cNvPr id="34" name="Straight Arrow Connector 33"/>
+          <p:cNvCxnSpPr/>
+          <p:nvPr/>
+        </p:nvCxnSpPr>
+        <p:spPr>
+          <a:xfrm>
+            <a:off x="513164" y="2435915"/>
+            <a:ext cx="493652" cy="0"/>
+          </a:xfrm>
+          <a:prstGeom prst="straightConnector1">
+            <a:avLst/>
+          </a:prstGeom>
+          <a:ln>
+            <a:tailEnd type="triangle"/>
+          </a:ln>
+        </p:spPr>
+        <p:style>
+          <a:lnRef idx="1">
+            <a:schemeClr val="accent1"/>
+          </a:lnRef>
+          <a:fillRef idx="0">
+            <a:schemeClr val="accent1"/>
+          </a:fillRef>
+          <a:effectRef idx="0">
+            <a:schemeClr val="accent1"/>
+          </a:effectRef>
+          <a:fontRef idx="minor">
+            <a:schemeClr val="tx1"/>
+          </a:fontRef>
+        </p:style>
+      </p:cxnSp>
     </p:spTree>
     <p:extLst>
       <p:ext uri="{BB962C8B-B14F-4D97-AF65-F5344CB8AC3E}">
@@ -5815,7 +7439,7 @@
         <p:spPr>
           <a:xfrm>
             <a:off x="0" y="219254"/>
-            <a:ext cx="2350323" cy="461665"/>
+            <a:ext cx="2714141" cy="461665"/>
           </a:xfrm>
           <a:prstGeom prst="rect">
             <a:avLst/>
@@ -5829,22 +7453,62 @@
           <a:p>
             <a:r>
               <a:rPr lang="zh-CN" altLang="en-US" sz="2400" b="1" dirty="0"/>
-              <a:t>派工的三种模式</a:t>
+              <a:t>维修流程</a:t>
+            </a:r>
+            <a:r>
+              <a:rPr lang="en-US" altLang="zh-CN" sz="2400" b="1" dirty="0"/>
+              <a:t> Overview</a:t>
             </a:r>
             <a:endParaRPr lang="en-US" sz="2400" b="1" dirty="0"/>
           </a:p>
         </p:txBody>
       </p:sp>
-      <p:sp>
-        <p:nvSpPr>
-          <p:cNvPr id="39" name="Rectangle: Rounded Corners 38"/>
+      <p:cxnSp>
+        <p:nvCxnSpPr>
+          <p:cNvPr id="14" name="Straight Arrow Connector 13"/>
+          <p:cNvCxnSpPr>
+            <a:stCxn id="15" idx="3"/>
+            <a:endCxn id="17" idx="1"/>
+          </p:cNvCxnSpPr>
+          <p:nvPr/>
+        </p:nvCxnSpPr>
+        <p:spPr>
+          <a:xfrm>
+            <a:off x="1387553" y="2669232"/>
+            <a:ext cx="530304" cy="6490"/>
+          </a:xfrm>
+          <a:prstGeom prst="straightConnector1">
+            <a:avLst/>
+          </a:prstGeom>
+          <a:ln>
+            <a:tailEnd type="triangle"/>
+          </a:ln>
+        </p:spPr>
+        <p:style>
+          <a:lnRef idx="1">
+            <a:schemeClr val="accent1"/>
+          </a:lnRef>
+          <a:fillRef idx="0">
+            <a:schemeClr val="accent1"/>
+          </a:fillRef>
+          <a:effectRef idx="0">
+            <a:schemeClr val="accent1"/>
+          </a:effectRef>
+          <a:fontRef idx="minor">
+            <a:schemeClr val="tx1"/>
+          </a:fontRef>
+        </p:style>
+      </p:cxnSp>
+      <p:sp>
+        <p:nvSpPr>
+          <p:cNvPr id="15" name="Rectangle: Rounded Corners 14"/>
           <p:cNvSpPr/>
           <p:nvPr/>
         </p:nvSpPr>
         <p:spPr>
           <a:xfrm>
-            <a:off x="1082801" y="2855112"/>
-            <a:ext cx="1867465" cy="839449"/>
+            <a:off x="469660" y="2249507"/>
+            <a:ext cx="917893" cy="839449"/>
           </a:xfrm>
           <a:prstGeom prst="roundRect">
             <a:avLst/>
@@ -5872,19 +7536,8 @@
           <a:p>
             <a:pPr algn="ctr"/>
             <a:r>
-              <a:rPr lang="en-US" dirty="0"/>
-              <a:t>Per </a:t>
-            </a:r>
-            <a:r>
-              <a:rPr lang="en-US" altLang="zh-CN" dirty="0"/>
-              <a:t>Hospital</a:t>
-            </a:r>
-          </a:p>
-          <a:p>
-            <a:pPr algn="ctr"/>
-            <a:r>
-              <a:rPr lang="zh-CN" altLang="en-US" dirty="0"/>
-              <a:t>设置派工模式</a:t>
+              <a:rPr lang="zh-CN" altLang="en-US" dirty="0"/>
+              <a:t>扫码报修</a:t>
             </a:r>
             <a:endParaRPr lang="en-US" dirty="0"/>
           </a:p>
@@ -5892,122 +7545,14 @@
       </p:sp>
       <p:sp>
         <p:nvSpPr>
-          <p:cNvPr id="76" name="Rectangle: Rounded Corners 75"/>
+          <p:cNvPr id="17" name="Rectangle: Rounded Corners 16"/>
           <p:cNvSpPr/>
           <p:nvPr/>
         </p:nvSpPr>
         <p:spPr>
           <a:xfrm>
-            <a:off x="3678598" y="2847095"/>
-            <a:ext cx="1867465" cy="839449"/>
-          </a:xfrm>
-          <a:prstGeom prst="roundRect">
-            <a:avLst/>
-          </a:prstGeom>
-        </p:spPr>
-        <p:style>
-          <a:lnRef idx="1">
-            <a:schemeClr val="accent3"/>
-          </a:lnRef>
-          <a:fillRef idx="2">
-            <a:schemeClr val="accent3"/>
-          </a:fillRef>
-          <a:effectRef idx="1">
-            <a:schemeClr val="accent3"/>
-          </a:effectRef>
-          <a:fontRef idx="minor">
-            <a:schemeClr val="dk1"/>
-          </a:fontRef>
-        </p:style>
-        <p:txBody>
-          <a:bodyPr rtlCol="0" anchor="ctr"/>
-          <a:lstStyle/>
-          <a:p>
-            <a:pPr algn="ctr"/>
-            <a:r>
-              <a:rPr lang="en-US" dirty="0"/>
-              <a:t>Per </a:t>
-            </a:r>
-            <a:r>
-              <a:rPr lang="zh-CN" altLang="en-US" dirty="0"/>
-              <a:t>科室</a:t>
-            </a:r>
-            <a:endParaRPr lang="en-US" altLang="zh-CN" dirty="0"/>
-          </a:p>
-          <a:p>
-            <a:pPr algn="ctr"/>
-            <a:r>
-              <a:rPr lang="zh-CN" altLang="en-US" dirty="0"/>
-              <a:t>设置派工模式</a:t>
-            </a:r>
-            <a:endParaRPr lang="en-US" dirty="0"/>
-          </a:p>
-        </p:txBody>
-      </p:sp>
-      <p:sp>
-        <p:nvSpPr>
-          <p:cNvPr id="78" name="Rectangle: Rounded Corners 77"/>
-          <p:cNvSpPr/>
-          <p:nvPr/>
-        </p:nvSpPr>
-        <p:spPr>
-          <a:xfrm>
-            <a:off x="6409306" y="2847094"/>
-            <a:ext cx="1867465" cy="839449"/>
-          </a:xfrm>
-          <a:prstGeom prst="roundRect">
-            <a:avLst/>
-          </a:prstGeom>
-        </p:spPr>
-        <p:style>
-          <a:lnRef idx="1">
-            <a:schemeClr val="accent3"/>
-          </a:lnRef>
-          <a:fillRef idx="2">
-            <a:schemeClr val="accent3"/>
-          </a:fillRef>
-          <a:effectRef idx="1">
-            <a:schemeClr val="accent3"/>
-          </a:effectRef>
-          <a:fontRef idx="minor">
-            <a:schemeClr val="dk1"/>
-          </a:fontRef>
-        </p:style>
-        <p:txBody>
-          <a:bodyPr rtlCol="0" anchor="ctr"/>
-          <a:lstStyle/>
-          <a:p>
-            <a:pPr algn="ctr"/>
-            <a:r>
-              <a:rPr lang="en-US" dirty="0"/>
-              <a:t>Per</a:t>
-            </a:r>
-            <a:r>
-              <a:rPr lang="zh-CN" altLang="en-US" dirty="0"/>
-              <a:t>设备类型</a:t>
-            </a:r>
-            <a:endParaRPr lang="en-US" altLang="zh-CN" dirty="0"/>
-          </a:p>
-          <a:p>
-            <a:pPr algn="ctr"/>
-            <a:r>
-              <a:rPr lang="zh-CN" altLang="en-US" dirty="0"/>
-              <a:t>设置派工模式</a:t>
-            </a:r>
-            <a:endParaRPr lang="en-US" dirty="0"/>
-          </a:p>
-        </p:txBody>
-      </p:sp>
-      <p:sp>
-        <p:nvSpPr>
-          <p:cNvPr id="80" name="Rectangle: Rounded Corners 79"/>
-          <p:cNvSpPr/>
-          <p:nvPr/>
-        </p:nvSpPr>
-        <p:spPr>
-          <a:xfrm>
-            <a:off x="9140014" y="2847094"/>
-            <a:ext cx="1867465" cy="839449"/>
+            <a:off x="1917857" y="2255997"/>
+            <a:ext cx="917893" cy="839449"/>
           </a:xfrm>
           <a:prstGeom prst="roundRect">
             <a:avLst/>
@@ -6035,55 +7580,951 @@
           <a:p>
             <a:pPr algn="ctr"/>
             <a:r>
-              <a:rPr lang="en-US" dirty="0"/>
-              <a:t>Per</a:t>
-            </a:r>
-            <a:r>
-              <a:rPr lang="zh-CN" altLang="en-US" dirty="0"/>
-              <a:t>设备</a:t>
-            </a:r>
-            <a:endParaRPr lang="en-US" altLang="zh-CN" dirty="0"/>
-          </a:p>
+              <a:rPr lang="zh-CN" altLang="en-US" dirty="0"/>
+              <a:t>专人派工</a:t>
+            </a:r>
+            <a:endParaRPr lang="en-US" dirty="0"/>
+          </a:p>
+        </p:txBody>
+      </p:sp>
+      <p:sp>
+        <p:nvSpPr>
+          <p:cNvPr id="19" name="Rectangle: Rounded Corners 18"/>
+          <p:cNvSpPr/>
+          <p:nvPr/>
+        </p:nvSpPr>
+        <p:spPr>
+          <a:xfrm>
+            <a:off x="3650864" y="2263027"/>
+            <a:ext cx="914784" cy="839449"/>
+          </a:xfrm>
+          <a:prstGeom prst="roundRect">
+            <a:avLst/>
+          </a:prstGeom>
+        </p:spPr>
+        <p:style>
+          <a:lnRef idx="2">
+            <a:schemeClr val="accent1">
+              <a:shade val="50000"/>
+            </a:schemeClr>
+          </a:lnRef>
+          <a:fillRef idx="1">
+            <a:schemeClr val="accent1"/>
+          </a:fillRef>
+          <a:effectRef idx="0">
+            <a:schemeClr val="accent1"/>
+          </a:effectRef>
+          <a:fontRef idx="minor">
+            <a:schemeClr val="lt1"/>
+          </a:fontRef>
+        </p:style>
+        <p:txBody>
+          <a:bodyPr rtlCol="0" anchor="ctr"/>
+          <a:lstStyle/>
           <a:p>
             <a:pPr algn="ctr"/>
             <a:r>
               <a:rPr lang="zh-CN" altLang="en-US" dirty="0"/>
-              <a:t>设置派工模式</a:t>
+              <a:t>领单</a:t>
             </a:r>
             <a:endParaRPr lang="en-US" dirty="0"/>
           </a:p>
         </p:txBody>
       </p:sp>
-      <p:sp>
-        <p:nvSpPr>
-          <p:cNvPr id="58" name="Rectangle 57"/>
+      <p:cxnSp>
+        <p:nvCxnSpPr>
+          <p:cNvPr id="20" name="Straight Arrow Connector 19"/>
+          <p:cNvCxnSpPr>
+            <a:stCxn id="17" idx="3"/>
+            <a:endCxn id="19" idx="1"/>
+          </p:cNvCxnSpPr>
+          <p:nvPr/>
+        </p:nvCxnSpPr>
+        <p:spPr>
+          <a:xfrm>
+            <a:off x="2835750" y="2675722"/>
+            <a:ext cx="815114" cy="7030"/>
+          </a:xfrm>
+          <a:prstGeom prst="straightConnector1">
+            <a:avLst/>
+          </a:prstGeom>
+          <a:ln>
+            <a:tailEnd type="triangle"/>
+          </a:ln>
+        </p:spPr>
+        <p:style>
+          <a:lnRef idx="1">
+            <a:schemeClr val="accent1"/>
+          </a:lnRef>
+          <a:fillRef idx="0">
+            <a:schemeClr val="accent1"/>
+          </a:fillRef>
+          <a:effectRef idx="0">
+            <a:schemeClr val="accent1"/>
+          </a:effectRef>
+          <a:fontRef idx="minor">
+            <a:schemeClr val="tx1"/>
+          </a:fontRef>
+        </p:style>
+      </p:cxnSp>
+      <p:grpSp>
+        <p:nvGrpSpPr>
+          <p:cNvPr id="31" name="Group 30"/>
+          <p:cNvGrpSpPr/>
+          <p:nvPr/>
+        </p:nvGrpSpPr>
+        <p:grpSpPr>
+          <a:xfrm>
+            <a:off x="838428" y="1283279"/>
+            <a:ext cx="3076749" cy="1026130"/>
+            <a:chOff x="1201676" y="1344341"/>
+            <a:chExt cx="3076749" cy="1026130"/>
+          </a:xfrm>
+        </p:grpSpPr>
+        <p:sp>
+          <p:nvSpPr>
+            <p:cNvPr id="51" name="Freeform: Shape 50"/>
+            <p:cNvSpPr/>
+            <p:nvPr/>
+          </p:nvSpPr>
+          <p:spPr>
+            <a:xfrm rot="10514687" flipV="1">
+              <a:off x="1201676" y="1693244"/>
+              <a:ext cx="3076749" cy="677227"/>
+            </a:xfrm>
+            <a:custGeom>
+              <a:avLst/>
+              <a:gdLst>
+                <a:gd name="connsiteX0" fmla="*/ 0 w 1960880"/>
+                <a:gd name="connsiteY0" fmla="*/ 398217 h 398217"/>
+                <a:gd name="connsiteX1" fmla="*/ 741680 w 1960880"/>
+                <a:gd name="connsiteY1" fmla="*/ 1977 h 398217"/>
+                <a:gd name="connsiteX2" fmla="*/ 1960880 w 1960880"/>
+                <a:gd name="connsiteY2" fmla="*/ 245817 h 398217"/>
+              </a:gdLst>
+              <a:ahLst/>
+              <a:cxnLst>
+                <a:cxn ang="0">
+                  <a:pos x="connsiteX0" y="connsiteY0"/>
+                </a:cxn>
+                <a:cxn ang="0">
+                  <a:pos x="connsiteX1" y="connsiteY1"/>
+                </a:cxn>
+                <a:cxn ang="0">
+                  <a:pos x="connsiteX2" y="connsiteY2"/>
+                </a:cxn>
+              </a:cxnLst>
+              <a:rect l="l" t="t" r="r" b="b"/>
+              <a:pathLst>
+                <a:path w="1960880" h="398217">
+                  <a:moveTo>
+                    <a:pt x="0" y="398217"/>
+                  </a:moveTo>
+                  <a:cubicBezTo>
+                    <a:pt x="207433" y="212797"/>
+                    <a:pt x="414867" y="27377"/>
+                    <a:pt x="741680" y="1977"/>
+                  </a:cubicBezTo>
+                  <a:cubicBezTo>
+                    <a:pt x="1068493" y="-23423"/>
+                    <a:pt x="1678093" y="203484"/>
+                    <a:pt x="1960880" y="245817"/>
+                  </a:cubicBezTo>
+                </a:path>
+              </a:pathLst>
+            </a:custGeom>
+            <a:ln w="9525" cap="flat" cmpd="sng" algn="ctr">
+              <a:solidFill>
+                <a:schemeClr val="accent1"/>
+              </a:solidFill>
+              <a:prstDash val="solid"/>
+              <a:round/>
+              <a:headEnd type="stealth" w="med" len="med"/>
+              <a:tailEnd type="none" w="med" len="med"/>
+            </a:ln>
+          </p:spPr>
+          <p:style>
+            <a:lnRef idx="0">
+              <a:scrgbClr r="0" g="0" b="0"/>
+            </a:lnRef>
+            <a:fillRef idx="0">
+              <a:scrgbClr r="0" g="0" b="0"/>
+            </a:fillRef>
+            <a:effectRef idx="0">
+              <a:scrgbClr r="0" g="0" b="0"/>
+            </a:effectRef>
+            <a:fontRef idx="minor">
+              <a:schemeClr val="tx1"/>
+            </a:fontRef>
+          </p:style>
+          <p:txBody>
+            <a:bodyPr rtlCol="0" anchor="ctr"/>
+            <a:lstStyle/>
+            <a:p>
+              <a:pPr algn="ctr"/>
+              <a:endParaRPr lang="en-US" dirty="0"/>
+            </a:p>
+          </p:txBody>
+        </p:sp>
+        <p:sp>
+          <p:nvSpPr>
+            <p:cNvPr id="41" name="Rectangle 40"/>
+            <p:cNvSpPr/>
+            <p:nvPr/>
+          </p:nvSpPr>
+          <p:spPr>
+            <a:xfrm>
+              <a:off x="2018306" y="1344341"/>
+              <a:ext cx="1960793" cy="369332"/>
+            </a:xfrm>
+            <a:prstGeom prst="rect">
+              <a:avLst/>
+            </a:prstGeom>
+          </p:spPr>
+          <p:txBody>
+            <a:bodyPr wrap="none">
+              <a:spAutoFit/>
+            </a:bodyPr>
+            <a:lstStyle/>
+            <a:p>
+              <a:r>
+                <a:rPr lang="zh-CN" altLang="en-US" dirty="0"/>
+                <a:t>自动派工 </a:t>
+              </a:r>
+              <a:r>
+                <a:rPr lang="en-US" altLang="zh-CN" dirty="0"/>
+                <a:t>Or </a:t>
+              </a:r>
+              <a:r>
+                <a:rPr lang="zh-CN" altLang="en-US" dirty="0"/>
+                <a:t>抢单</a:t>
+              </a:r>
+              <a:endParaRPr lang="en-US" dirty="0"/>
+            </a:p>
+          </p:txBody>
+        </p:sp>
+      </p:grpSp>
+      <p:sp>
+        <p:nvSpPr>
+          <p:cNvPr id="54" name="Rectangle: Rounded Corners 53"/>
           <p:cNvSpPr/>
           <p:nvPr/>
         </p:nvSpPr>
         <p:spPr>
           <a:xfrm>
-            <a:off x="3119507" y="2974430"/>
-            <a:ext cx="389850" cy="584775"/>
-          </a:xfrm>
-          <a:prstGeom prst="rect">
-            <a:avLst/>
-          </a:prstGeom>
-        </p:spPr>
-        <p:txBody>
-          <a:bodyPr wrap="none">
-            <a:spAutoFit/>
-          </a:bodyPr>
-          <a:lstStyle/>
-          <a:p>
-            <a:r>
-              <a:rPr lang="en-US" altLang="zh-CN" sz="3200" b="1" dirty="0">
-                <a:solidFill>
-                  <a:srgbClr val="FF0000"/>
-                </a:solidFill>
-              </a:rPr>
-              <a:t>&lt;</a:t>
-            </a:r>
-            <a:endParaRPr lang="en-US" b="1" dirty="0">
+            <a:off x="5380762" y="2263027"/>
+            <a:ext cx="914400" cy="839449"/>
+          </a:xfrm>
+          <a:prstGeom prst="roundRect">
+            <a:avLst/>
+          </a:prstGeom>
+        </p:spPr>
+        <p:style>
+          <a:lnRef idx="1">
+            <a:schemeClr val="accent3"/>
+          </a:lnRef>
+          <a:fillRef idx="2">
+            <a:schemeClr val="accent3"/>
+          </a:fillRef>
+          <a:effectRef idx="1">
+            <a:schemeClr val="accent3"/>
+          </a:effectRef>
+          <a:fontRef idx="minor">
+            <a:schemeClr val="dk1"/>
+          </a:fontRef>
+        </p:style>
+        <p:txBody>
+          <a:bodyPr rtlCol="0" anchor="ctr"/>
+          <a:lstStyle/>
+          <a:p>
+            <a:pPr algn="ctr"/>
+            <a:r>
+              <a:rPr lang="zh-CN" altLang="en-US" dirty="0"/>
+              <a:t>签到</a:t>
+            </a:r>
+            <a:endParaRPr lang="en-US" dirty="0"/>
+          </a:p>
+        </p:txBody>
+      </p:sp>
+      <p:sp>
+        <p:nvSpPr>
+          <p:cNvPr id="55" name="Rectangle: Rounded Corners 54"/>
+          <p:cNvSpPr/>
+          <p:nvPr/>
+        </p:nvSpPr>
+        <p:spPr>
+          <a:xfrm>
+            <a:off x="7110276" y="2263027"/>
+            <a:ext cx="914400" cy="839449"/>
+          </a:xfrm>
+          <a:prstGeom prst="roundRect">
+            <a:avLst/>
+          </a:prstGeom>
+        </p:spPr>
+        <p:style>
+          <a:lnRef idx="2">
+            <a:schemeClr val="accent1">
+              <a:shade val="50000"/>
+            </a:schemeClr>
+          </a:lnRef>
+          <a:fillRef idx="1">
+            <a:schemeClr val="accent1"/>
+          </a:fillRef>
+          <a:effectRef idx="0">
+            <a:schemeClr val="accent1"/>
+          </a:effectRef>
+          <a:fontRef idx="minor">
+            <a:schemeClr val="lt1"/>
+          </a:fontRef>
+        </p:style>
+        <p:txBody>
+          <a:bodyPr rtlCol="0" anchor="ctr"/>
+          <a:lstStyle/>
+          <a:p>
+            <a:pPr algn="ctr"/>
+            <a:r>
+              <a:rPr lang="zh-CN" altLang="en-US" dirty="0"/>
+              <a:t>维修</a:t>
+            </a:r>
+            <a:endParaRPr lang="en-US" dirty="0"/>
+          </a:p>
+        </p:txBody>
+      </p:sp>
+      <p:sp>
+        <p:nvSpPr>
+          <p:cNvPr id="56" name="Rectangle: Rounded Corners 55"/>
+          <p:cNvSpPr/>
+          <p:nvPr/>
+        </p:nvSpPr>
+        <p:spPr>
+          <a:xfrm>
+            <a:off x="10569304" y="2263027"/>
+            <a:ext cx="914400" cy="839449"/>
+          </a:xfrm>
+          <a:prstGeom prst="roundRect">
+            <a:avLst/>
+          </a:prstGeom>
+        </p:spPr>
+        <p:style>
+          <a:lnRef idx="2">
+            <a:schemeClr val="accent1">
+              <a:shade val="50000"/>
+            </a:schemeClr>
+          </a:lnRef>
+          <a:fillRef idx="1">
+            <a:schemeClr val="accent1"/>
+          </a:fillRef>
+          <a:effectRef idx="0">
+            <a:schemeClr val="accent1"/>
+          </a:effectRef>
+          <a:fontRef idx="minor">
+            <a:schemeClr val="lt1"/>
+          </a:fontRef>
+        </p:style>
+        <p:txBody>
+          <a:bodyPr rtlCol="0" anchor="ctr"/>
+          <a:lstStyle/>
+          <a:p>
+            <a:pPr algn="ctr"/>
+            <a:r>
+              <a:rPr lang="zh-CN" altLang="en-US" dirty="0"/>
+              <a:t>反馈</a:t>
+            </a:r>
+            <a:endParaRPr lang="en-US" dirty="0"/>
+          </a:p>
+        </p:txBody>
+      </p:sp>
+      <p:grpSp>
+        <p:nvGrpSpPr>
+          <p:cNvPr id="32" name="Group 31"/>
+          <p:cNvGrpSpPr/>
+          <p:nvPr/>
+        </p:nvGrpSpPr>
+        <p:grpSpPr>
+          <a:xfrm>
+            <a:off x="4430965" y="1279492"/>
+            <a:ext cx="2963206" cy="1061959"/>
+            <a:chOff x="5450272" y="1266105"/>
+            <a:chExt cx="2963206" cy="1061959"/>
+          </a:xfrm>
+        </p:grpSpPr>
+        <p:sp>
+          <p:nvSpPr>
+            <p:cNvPr id="60" name="Freeform: Shape 59"/>
+            <p:cNvSpPr/>
+            <p:nvPr/>
+          </p:nvSpPr>
+          <p:spPr>
+            <a:xfrm rot="10514687" flipV="1">
+              <a:off x="5450272" y="1650837"/>
+              <a:ext cx="2834286" cy="677227"/>
+            </a:xfrm>
+            <a:custGeom>
+              <a:avLst/>
+              <a:gdLst>
+                <a:gd name="connsiteX0" fmla="*/ 0 w 1960880"/>
+                <a:gd name="connsiteY0" fmla="*/ 398217 h 398217"/>
+                <a:gd name="connsiteX1" fmla="*/ 741680 w 1960880"/>
+                <a:gd name="connsiteY1" fmla="*/ 1977 h 398217"/>
+                <a:gd name="connsiteX2" fmla="*/ 1960880 w 1960880"/>
+                <a:gd name="connsiteY2" fmla="*/ 245817 h 398217"/>
+              </a:gdLst>
+              <a:ahLst/>
+              <a:cxnLst>
+                <a:cxn ang="0">
+                  <a:pos x="connsiteX0" y="connsiteY0"/>
+                </a:cxn>
+                <a:cxn ang="0">
+                  <a:pos x="connsiteX1" y="connsiteY1"/>
+                </a:cxn>
+                <a:cxn ang="0">
+                  <a:pos x="connsiteX2" y="connsiteY2"/>
+                </a:cxn>
+              </a:cxnLst>
+              <a:rect l="l" t="t" r="r" b="b"/>
+              <a:pathLst>
+                <a:path w="1960880" h="398217">
+                  <a:moveTo>
+                    <a:pt x="0" y="398217"/>
+                  </a:moveTo>
+                  <a:cubicBezTo>
+                    <a:pt x="207433" y="212797"/>
+                    <a:pt x="414867" y="27377"/>
+                    <a:pt x="741680" y="1977"/>
+                  </a:cubicBezTo>
+                  <a:cubicBezTo>
+                    <a:pt x="1068493" y="-23423"/>
+                    <a:pt x="1678093" y="203484"/>
+                    <a:pt x="1960880" y="245817"/>
+                  </a:cubicBezTo>
+                </a:path>
+              </a:pathLst>
+            </a:custGeom>
+            <a:ln w="9525" cap="flat" cmpd="sng" algn="ctr">
+              <a:solidFill>
+                <a:schemeClr val="accent1"/>
+              </a:solidFill>
+              <a:prstDash val="solid"/>
+              <a:round/>
+              <a:headEnd type="stealth" w="med" len="med"/>
+              <a:tailEnd type="none" w="med" len="med"/>
+            </a:ln>
+          </p:spPr>
+          <p:style>
+            <a:lnRef idx="0">
+              <a:scrgbClr r="0" g="0" b="0"/>
+            </a:lnRef>
+            <a:fillRef idx="0">
+              <a:scrgbClr r="0" g="0" b="0"/>
+            </a:fillRef>
+            <a:effectRef idx="0">
+              <a:scrgbClr r="0" g="0" b="0"/>
+            </a:effectRef>
+            <a:fontRef idx="minor">
+              <a:schemeClr val="tx1"/>
+            </a:fontRef>
+          </p:style>
+          <p:txBody>
+            <a:bodyPr rtlCol="0" anchor="ctr"/>
+            <a:lstStyle/>
+            <a:p>
+              <a:pPr algn="ctr"/>
+              <a:endParaRPr lang="en-US"/>
+            </a:p>
+          </p:txBody>
+        </p:sp>
+        <p:sp>
+          <p:nvSpPr>
+            <p:cNvPr id="2" name="Rectangle 1"/>
+            <p:cNvSpPr/>
+            <p:nvPr/>
+          </p:nvSpPr>
+          <p:spPr>
+            <a:xfrm>
+              <a:off x="5569558" y="1266105"/>
+              <a:ext cx="2843920" cy="369332"/>
+            </a:xfrm>
+            <a:prstGeom prst="rect">
+              <a:avLst/>
+            </a:prstGeom>
+          </p:spPr>
+          <p:txBody>
+            <a:bodyPr wrap="none">
+              <a:spAutoFit/>
+            </a:bodyPr>
+            <a:lstStyle/>
+            <a:p>
+              <a:r>
+                <a:rPr lang="en-US" altLang="zh-CN" dirty="0"/>
+                <a:t>Remote Fix</a:t>
+              </a:r>
+              <a:r>
+                <a:rPr lang="zh-CN" altLang="en-US" dirty="0"/>
+                <a:t>或电话沟通解决</a:t>
+              </a:r>
+              <a:endParaRPr lang="en-US" dirty="0"/>
+            </a:p>
+          </p:txBody>
+        </p:sp>
+      </p:grpSp>
+      <p:cxnSp>
+        <p:nvCxnSpPr>
+          <p:cNvPr id="18" name="Straight Arrow Connector 17"/>
+          <p:cNvCxnSpPr>
+            <a:stCxn id="54" idx="3"/>
+            <a:endCxn id="55" idx="1"/>
+          </p:cNvCxnSpPr>
+          <p:nvPr/>
+        </p:nvCxnSpPr>
+        <p:spPr>
+          <a:xfrm>
+            <a:off x="6295162" y="2682752"/>
+            <a:ext cx="815114" cy="0"/>
+          </a:xfrm>
+          <a:prstGeom prst="straightConnector1">
+            <a:avLst/>
+          </a:prstGeom>
+          <a:ln>
+            <a:tailEnd type="triangle"/>
+          </a:ln>
+        </p:spPr>
+        <p:style>
+          <a:lnRef idx="1">
+            <a:schemeClr val="accent1"/>
+          </a:lnRef>
+          <a:fillRef idx="0">
+            <a:schemeClr val="accent1"/>
+          </a:fillRef>
+          <a:effectRef idx="0">
+            <a:schemeClr val="accent1"/>
+          </a:effectRef>
+          <a:fontRef idx="minor">
+            <a:schemeClr val="tx1"/>
+          </a:fontRef>
+        </p:style>
+      </p:cxnSp>
+      <p:cxnSp>
+        <p:nvCxnSpPr>
+          <p:cNvPr id="21" name="Straight Arrow Connector 20"/>
+          <p:cNvCxnSpPr>
+            <a:stCxn id="55" idx="3"/>
+            <a:endCxn id="58" idx="1"/>
+          </p:cNvCxnSpPr>
+          <p:nvPr/>
+        </p:nvCxnSpPr>
+        <p:spPr>
+          <a:xfrm>
+            <a:off x="8024676" y="2682752"/>
+            <a:ext cx="815114" cy="0"/>
+          </a:xfrm>
+          <a:prstGeom prst="straightConnector1">
+            <a:avLst/>
+          </a:prstGeom>
+          <a:ln>
+            <a:tailEnd type="triangle"/>
+          </a:ln>
+        </p:spPr>
+        <p:style>
+          <a:lnRef idx="1">
+            <a:schemeClr val="accent1"/>
+          </a:lnRef>
+          <a:fillRef idx="0">
+            <a:schemeClr val="accent1"/>
+          </a:fillRef>
+          <a:effectRef idx="0">
+            <a:schemeClr val="accent1"/>
+          </a:effectRef>
+          <a:fontRef idx="minor">
+            <a:schemeClr val="tx1"/>
+          </a:fontRef>
+        </p:style>
+      </p:cxnSp>
+      <p:cxnSp>
+        <p:nvCxnSpPr>
+          <p:cNvPr id="57" name="Straight Arrow Connector 56"/>
+          <p:cNvCxnSpPr>
+            <a:stCxn id="19" idx="3"/>
+            <a:endCxn id="54" idx="1"/>
+          </p:cNvCxnSpPr>
+          <p:nvPr/>
+        </p:nvCxnSpPr>
+        <p:spPr>
+          <a:xfrm>
+            <a:off x="4565648" y="2682752"/>
+            <a:ext cx="815114" cy="0"/>
+          </a:xfrm>
+          <a:prstGeom prst="straightConnector1">
+            <a:avLst/>
+          </a:prstGeom>
+          <a:ln>
+            <a:tailEnd type="triangle"/>
+          </a:ln>
+        </p:spPr>
+        <p:style>
+          <a:lnRef idx="1">
+            <a:schemeClr val="accent1"/>
+          </a:lnRef>
+          <a:fillRef idx="0">
+            <a:schemeClr val="accent1"/>
+          </a:fillRef>
+          <a:effectRef idx="0">
+            <a:schemeClr val="accent1"/>
+          </a:effectRef>
+          <a:fontRef idx="minor">
+            <a:schemeClr val="tx1"/>
+          </a:fontRef>
+        </p:style>
+      </p:cxnSp>
+      <p:grpSp>
+        <p:nvGrpSpPr>
+          <p:cNvPr id="75" name="Group 74"/>
+          <p:cNvGrpSpPr/>
+          <p:nvPr/>
+        </p:nvGrpSpPr>
+        <p:grpSpPr>
+          <a:xfrm>
+            <a:off x="4084158" y="2847612"/>
+            <a:ext cx="1941557" cy="769297"/>
+            <a:chOff x="4704605" y="2816690"/>
+            <a:chExt cx="1941557" cy="769297"/>
+          </a:xfrm>
+        </p:grpSpPr>
+        <p:sp>
+          <p:nvSpPr>
+            <p:cNvPr id="13" name="Rectangle 12"/>
+            <p:cNvSpPr/>
+            <p:nvPr/>
+          </p:nvSpPr>
+          <p:spPr>
+            <a:xfrm>
+              <a:off x="4704605" y="2939656"/>
+              <a:ext cx="1941557" cy="646331"/>
+            </a:xfrm>
+            <a:prstGeom prst="rect">
+              <a:avLst/>
+            </a:prstGeom>
+          </p:spPr>
+          <p:txBody>
+            <a:bodyPr wrap="none">
+              <a:spAutoFit/>
+            </a:bodyPr>
+            <a:lstStyle/>
+            <a:p>
+              <a:pPr algn="ctr"/>
+              <a:r>
+                <a:rPr lang="zh-CN" altLang="en-US" dirty="0"/>
+                <a:t>转单</a:t>
+              </a:r>
+              <a:endParaRPr lang="en-US" altLang="zh-CN" dirty="0"/>
+            </a:p>
+            <a:p>
+              <a:pPr algn="ctr"/>
+              <a:r>
+                <a:rPr lang="en-US" altLang="zh-CN" dirty="0"/>
+                <a:t>(</a:t>
+              </a:r>
+              <a:r>
+                <a:rPr lang="zh-CN" altLang="en-US" dirty="0"/>
+                <a:t>手动或超时自动</a:t>
+              </a:r>
+              <a:r>
+                <a:rPr lang="en-US" altLang="zh-CN" dirty="0"/>
+                <a:t>)</a:t>
+              </a:r>
+              <a:endParaRPr lang="en-US" dirty="0"/>
+            </a:p>
+          </p:txBody>
+        </p:sp>
+        <p:sp>
+          <p:nvSpPr>
+            <p:cNvPr id="23" name="Freeform: Shape 22"/>
+            <p:cNvSpPr/>
+            <p:nvPr/>
+          </p:nvSpPr>
+          <p:spPr>
+            <a:xfrm rot="18182914">
+              <a:off x="5047238" y="2884026"/>
+              <a:ext cx="451384" cy="316712"/>
+            </a:xfrm>
+            <a:custGeom>
+              <a:avLst/>
+              <a:gdLst>
+                <a:gd name="connsiteX0" fmla="*/ 46417 w 770570"/>
+                <a:gd name="connsiteY0" fmla="*/ 0 h 652920"/>
+                <a:gd name="connsiteX1" fmla="*/ 67199 w 770570"/>
+                <a:gd name="connsiteY1" fmla="*/ 561109 h 652920"/>
+                <a:gd name="connsiteX2" fmla="*/ 690654 w 770570"/>
+                <a:gd name="connsiteY2" fmla="*/ 602673 h 652920"/>
+                <a:gd name="connsiteX3" fmla="*/ 763390 w 770570"/>
+                <a:gd name="connsiteY3" fmla="*/ 62346 h 652920"/>
+              </a:gdLst>
+              <a:ahLst/>
+              <a:cxnLst>
+                <a:cxn ang="0">
+                  <a:pos x="connsiteX0" y="connsiteY0"/>
+                </a:cxn>
+                <a:cxn ang="0">
+                  <a:pos x="connsiteX1" y="connsiteY1"/>
+                </a:cxn>
+                <a:cxn ang="0">
+                  <a:pos x="connsiteX2" y="connsiteY2"/>
+                </a:cxn>
+                <a:cxn ang="0">
+                  <a:pos x="connsiteX3" y="connsiteY3"/>
+                </a:cxn>
+              </a:cxnLst>
+              <a:rect l="l" t="t" r="r" b="b"/>
+              <a:pathLst>
+                <a:path w="770570" h="652920">
+                  <a:moveTo>
+                    <a:pt x="46417" y="0"/>
+                  </a:moveTo>
+                  <a:cubicBezTo>
+                    <a:pt x="3121" y="230332"/>
+                    <a:pt x="-40174" y="460664"/>
+                    <a:pt x="67199" y="561109"/>
+                  </a:cubicBezTo>
+                  <a:cubicBezTo>
+                    <a:pt x="174572" y="661554"/>
+                    <a:pt x="574622" y="685800"/>
+                    <a:pt x="690654" y="602673"/>
+                  </a:cubicBezTo>
+                  <a:cubicBezTo>
+                    <a:pt x="806686" y="519546"/>
+                    <a:pt x="761658" y="145473"/>
+                    <a:pt x="763390" y="62346"/>
+                  </a:cubicBezTo>
+                </a:path>
+              </a:pathLst>
+            </a:custGeom>
+            <a:noFill/>
+            <a:ln>
+              <a:headEnd type="triangle"/>
+            </a:ln>
+          </p:spPr>
+          <p:style>
+            <a:lnRef idx="2">
+              <a:schemeClr val="accent1">
+                <a:shade val="50000"/>
+              </a:schemeClr>
+            </a:lnRef>
+            <a:fillRef idx="1">
+              <a:schemeClr val="accent1"/>
+            </a:fillRef>
+            <a:effectRef idx="0">
+              <a:schemeClr val="accent1"/>
+            </a:effectRef>
+            <a:fontRef idx="minor">
+              <a:schemeClr val="lt1"/>
+            </a:fontRef>
+          </p:style>
+          <p:txBody>
+            <a:bodyPr rtlCol="0" anchor="ctr"/>
+            <a:lstStyle/>
+            <a:p>
+              <a:pPr algn="ctr"/>
+              <a:endParaRPr lang="en-US"/>
+            </a:p>
+          </p:txBody>
+        </p:sp>
+      </p:grpSp>
+      <p:sp>
+        <p:nvSpPr>
+          <p:cNvPr id="39" name="Oval 38"/>
+          <p:cNvSpPr/>
+          <p:nvPr/>
+        </p:nvSpPr>
+        <p:spPr>
+          <a:xfrm>
+            <a:off x="11735147" y="2490851"/>
+            <a:ext cx="336932" cy="356761"/>
+          </a:xfrm>
+          <a:prstGeom prst="ellipse">
+            <a:avLst/>
+          </a:prstGeom>
+        </p:spPr>
+        <p:style>
+          <a:lnRef idx="3">
+            <a:schemeClr val="lt1"/>
+          </a:lnRef>
+          <a:fillRef idx="1">
+            <a:schemeClr val="dk1"/>
+          </a:fillRef>
+          <a:effectRef idx="1">
+            <a:schemeClr val="dk1"/>
+          </a:effectRef>
+          <a:fontRef idx="minor">
+            <a:schemeClr val="lt1"/>
+          </a:fontRef>
+        </p:style>
+        <p:txBody>
+          <a:bodyPr rtlCol="0" anchor="ctr"/>
+          <a:lstStyle/>
+          <a:p>
+            <a:pPr algn="ctr"/>
+            <a:endParaRPr lang="en-US"/>
+          </a:p>
+        </p:txBody>
+      </p:sp>
+      <p:cxnSp>
+        <p:nvCxnSpPr>
+          <p:cNvPr id="42" name="Straight Arrow Connector 41"/>
+          <p:cNvCxnSpPr>
+            <a:stCxn id="56" idx="3"/>
+            <a:endCxn id="39" idx="2"/>
+          </p:cNvCxnSpPr>
+          <p:nvPr/>
+        </p:nvCxnSpPr>
+        <p:spPr>
+          <a:xfrm flipV="1">
+            <a:off x="11483704" y="2669232"/>
+            <a:ext cx="251443" cy="13520"/>
+          </a:xfrm>
+          <a:prstGeom prst="straightConnector1">
+            <a:avLst/>
+          </a:prstGeom>
+          <a:ln>
+            <a:tailEnd type="triangle"/>
+          </a:ln>
+        </p:spPr>
+        <p:style>
+          <a:lnRef idx="1">
+            <a:schemeClr val="accent1"/>
+          </a:lnRef>
+          <a:fillRef idx="0">
+            <a:schemeClr val="accent1"/>
+          </a:fillRef>
+          <a:effectRef idx="0">
+            <a:schemeClr val="accent1"/>
+          </a:effectRef>
+          <a:fontRef idx="minor">
+            <a:schemeClr val="tx1"/>
+          </a:fontRef>
+        </p:style>
+      </p:cxnSp>
+      <p:sp>
+        <p:nvSpPr>
+          <p:cNvPr id="58" name="Rectangle: Rounded Corners 57"/>
+          <p:cNvSpPr/>
+          <p:nvPr/>
+        </p:nvSpPr>
+        <p:spPr>
+          <a:xfrm>
+            <a:off x="8839790" y="2263027"/>
+            <a:ext cx="914400" cy="839449"/>
+          </a:xfrm>
+          <a:prstGeom prst="roundRect">
+            <a:avLst/>
+          </a:prstGeom>
+        </p:spPr>
+        <p:style>
+          <a:lnRef idx="2">
+            <a:schemeClr val="accent1">
+              <a:shade val="50000"/>
+            </a:schemeClr>
+          </a:lnRef>
+          <a:fillRef idx="1">
+            <a:schemeClr val="accent1"/>
+          </a:fillRef>
+          <a:effectRef idx="0">
+            <a:schemeClr val="accent1"/>
+          </a:effectRef>
+          <a:fontRef idx="minor">
+            <a:schemeClr val="lt1"/>
+          </a:fontRef>
+        </p:style>
+        <p:txBody>
+          <a:bodyPr rtlCol="0" anchor="ctr"/>
+          <a:lstStyle/>
+          <a:p>
+            <a:pPr algn="ctr"/>
+            <a:r>
+              <a:rPr lang="zh-CN" altLang="en-US" dirty="0"/>
+              <a:t>关单</a:t>
+            </a:r>
+            <a:endParaRPr lang="en-US" dirty="0"/>
+          </a:p>
+        </p:txBody>
+      </p:sp>
+      <p:cxnSp>
+        <p:nvCxnSpPr>
+          <p:cNvPr id="69" name="Straight Arrow Connector 68"/>
+          <p:cNvCxnSpPr>
+            <a:stCxn id="58" idx="3"/>
+            <a:endCxn id="56" idx="1"/>
+          </p:cNvCxnSpPr>
+          <p:nvPr/>
+        </p:nvCxnSpPr>
+        <p:spPr>
+          <a:xfrm>
+            <a:off x="9754190" y="2682752"/>
+            <a:ext cx="815114" cy="0"/>
+          </a:xfrm>
+          <a:prstGeom prst="straightConnector1">
+            <a:avLst/>
+          </a:prstGeom>
+          <a:ln>
+            <a:tailEnd type="triangle"/>
+          </a:ln>
+        </p:spPr>
+        <p:style>
+          <a:lnRef idx="1">
+            <a:schemeClr val="accent1"/>
+          </a:lnRef>
+          <a:fillRef idx="0">
+            <a:schemeClr val="accent1"/>
+          </a:fillRef>
+          <a:effectRef idx="0">
+            <a:schemeClr val="accent1"/>
+          </a:effectRef>
+          <a:fontRef idx="minor">
+            <a:schemeClr val="tx1"/>
+          </a:fontRef>
+        </p:style>
+      </p:cxnSp>
+      <p:sp>
+        <p:nvSpPr>
+          <p:cNvPr id="80" name="Right Brace 79"/>
+          <p:cNvSpPr/>
+          <p:nvPr/>
+        </p:nvSpPr>
+        <p:spPr>
+          <a:xfrm rot="5400000">
+            <a:off x="5749814" y="1827327"/>
+            <a:ext cx="268601" cy="3551718"/>
+          </a:xfrm>
+          <a:prstGeom prst="rightBrace">
+            <a:avLst>
+              <a:gd name="adj1" fmla="val 36538"/>
+              <a:gd name="adj2" fmla="val 51414"/>
+            </a:avLst>
+          </a:prstGeom>
+          <a:ln>
+            <a:solidFill>
+              <a:schemeClr val="accent4"/>
+            </a:solidFill>
+          </a:ln>
+        </p:spPr>
+        <p:style>
+          <a:lnRef idx="1">
+            <a:schemeClr val="accent1"/>
+          </a:lnRef>
+          <a:fillRef idx="0">
+            <a:schemeClr val="accent1"/>
+          </a:fillRef>
+          <a:effectRef idx="0">
+            <a:schemeClr val="accent1"/>
+          </a:effectRef>
+          <a:fontRef idx="minor">
+            <a:schemeClr val="tx1"/>
+          </a:fontRef>
+        </p:style>
+        <p:txBody>
+          <a:bodyPr rtlCol="0" anchor="ctr"/>
+          <a:lstStyle/>
+          <a:p>
+            <a:pPr algn="ctr"/>
+            <a:endParaRPr lang="en-US">
               <a:solidFill>
                 <a:srgbClr val="FF0000"/>
               </a:solidFill>
@@ -6091,121 +8532,598 @@
           </a:p>
         </p:txBody>
       </p:sp>
-      <p:sp>
-        <p:nvSpPr>
-          <p:cNvPr id="81" name="Rectangle 80"/>
-          <p:cNvSpPr/>
-          <p:nvPr/>
-        </p:nvSpPr>
-        <p:spPr>
-          <a:xfrm>
-            <a:off x="5782759" y="3024389"/>
-            <a:ext cx="389850" cy="584775"/>
-          </a:xfrm>
-          <a:prstGeom prst="rect">
-            <a:avLst/>
-          </a:prstGeom>
-        </p:spPr>
-        <p:txBody>
-          <a:bodyPr wrap="none">
-            <a:spAutoFit/>
-          </a:bodyPr>
-          <a:lstStyle/>
-          <a:p>
-            <a:r>
-              <a:rPr lang="en-US" altLang="zh-CN" sz="3200" b="1" dirty="0">
+      <p:grpSp>
+        <p:nvGrpSpPr>
+          <p:cNvPr id="81" name="Group 80"/>
+          <p:cNvGrpSpPr/>
+          <p:nvPr/>
+        </p:nvGrpSpPr>
+        <p:grpSpPr>
+          <a:xfrm rot="11303702">
+            <a:off x="2406601" y="3488390"/>
+            <a:ext cx="5062413" cy="779780"/>
+            <a:chOff x="3987568" y="1641726"/>
+            <a:chExt cx="4296671" cy="779780"/>
+          </a:xfrm>
+        </p:grpSpPr>
+        <p:sp>
+          <p:nvSpPr>
+            <p:cNvPr id="82" name="Freeform: Shape 81"/>
+            <p:cNvSpPr/>
+            <p:nvPr/>
+          </p:nvSpPr>
+          <p:spPr>
+            <a:xfrm rot="10755129" flipV="1">
+              <a:off x="5636513" y="1641726"/>
+              <a:ext cx="2647726" cy="677227"/>
+            </a:xfrm>
+            <a:custGeom>
+              <a:avLst/>
+              <a:gdLst>
+                <a:gd name="connsiteX0" fmla="*/ 0 w 1960880"/>
+                <a:gd name="connsiteY0" fmla="*/ 398217 h 398217"/>
+                <a:gd name="connsiteX1" fmla="*/ 741680 w 1960880"/>
+                <a:gd name="connsiteY1" fmla="*/ 1977 h 398217"/>
+                <a:gd name="connsiteX2" fmla="*/ 1960880 w 1960880"/>
+                <a:gd name="connsiteY2" fmla="*/ 245817 h 398217"/>
+              </a:gdLst>
+              <a:ahLst/>
+              <a:cxnLst>
+                <a:cxn ang="0">
+                  <a:pos x="connsiteX0" y="connsiteY0"/>
+                </a:cxn>
+                <a:cxn ang="0">
+                  <a:pos x="connsiteX1" y="connsiteY1"/>
+                </a:cxn>
+                <a:cxn ang="0">
+                  <a:pos x="connsiteX2" y="connsiteY2"/>
+                </a:cxn>
+              </a:cxnLst>
+              <a:rect l="l" t="t" r="r" b="b"/>
+              <a:pathLst>
+                <a:path w="1960880" h="398217">
+                  <a:moveTo>
+                    <a:pt x="0" y="398217"/>
+                  </a:moveTo>
+                  <a:cubicBezTo>
+                    <a:pt x="207433" y="212797"/>
+                    <a:pt x="414867" y="27377"/>
+                    <a:pt x="741680" y="1977"/>
+                  </a:cubicBezTo>
+                  <a:cubicBezTo>
+                    <a:pt x="1068493" y="-23423"/>
+                    <a:pt x="1678093" y="203484"/>
+                    <a:pt x="1960880" y="245817"/>
+                  </a:cubicBezTo>
+                </a:path>
+              </a:pathLst>
+            </a:custGeom>
+            <a:ln w="9525" cap="flat" cmpd="sng" algn="ctr">
+              <a:solidFill>
+                <a:srgbClr val="FFC000"/>
+              </a:solidFill>
+              <a:prstDash val="solid"/>
+              <a:round/>
+              <a:headEnd type="stealth" w="med" len="med"/>
+              <a:tailEnd type="none" w="med" len="med"/>
+            </a:ln>
+          </p:spPr>
+          <p:style>
+            <a:lnRef idx="0">
+              <a:scrgbClr r="0" g="0" b="0"/>
+            </a:lnRef>
+            <a:fillRef idx="0">
+              <a:scrgbClr r="0" g="0" b="0"/>
+            </a:fillRef>
+            <a:effectRef idx="0">
+              <a:scrgbClr r="0" g="0" b="0"/>
+            </a:effectRef>
+            <a:fontRef idx="minor">
+              <a:schemeClr val="tx1"/>
+            </a:fontRef>
+          </p:style>
+          <p:txBody>
+            <a:bodyPr rtlCol="0" anchor="ctr"/>
+            <a:lstStyle/>
+            <a:p>
+              <a:pPr algn="ctr"/>
+              <a:endParaRPr lang="en-US">
                 <a:solidFill>
                   <a:srgbClr val="FF0000"/>
                 </a:solidFill>
-              </a:rPr>
-              <a:t>&lt;</a:t>
-            </a:r>
-            <a:endParaRPr lang="en-US" b="1" dirty="0">
+              </a:endParaRPr>
+            </a:p>
+          </p:txBody>
+        </p:sp>
+        <p:sp>
+          <p:nvSpPr>
+            <p:cNvPr id="83" name="Rectangle 82"/>
+            <p:cNvSpPr/>
+            <p:nvPr/>
+          </p:nvSpPr>
+          <p:spPr>
+            <a:xfrm rot="10296298">
+              <a:off x="3987568" y="1775175"/>
+              <a:ext cx="1647876" cy="646331"/>
+            </a:xfrm>
+            <a:prstGeom prst="rect">
+              <a:avLst/>
+            </a:prstGeom>
+            <a:ln>
+              <a:noFill/>
+            </a:ln>
+          </p:spPr>
+          <p:txBody>
+            <a:bodyPr wrap="none">
+              <a:spAutoFit/>
+            </a:bodyPr>
+            <a:lstStyle/>
+            <a:p>
+              <a:r>
+                <a:rPr lang="zh-CN" altLang="en-US" dirty="0">
+                  <a:solidFill>
+                    <a:srgbClr val="FFC000"/>
+                  </a:solidFill>
+                </a:rPr>
+                <a:t>退单</a:t>
+              </a:r>
+              <a:endParaRPr lang="en-US" altLang="zh-CN" dirty="0">
+                <a:solidFill>
+                  <a:srgbClr val="FFC000"/>
+                </a:solidFill>
+              </a:endParaRPr>
+            </a:p>
+            <a:p>
+              <a:r>
+                <a:rPr lang="en-US" altLang="zh-CN" dirty="0">
+                  <a:solidFill>
+                    <a:srgbClr val="FFC000"/>
+                  </a:solidFill>
+                </a:rPr>
+                <a:t>(</a:t>
+              </a:r>
+              <a:r>
+                <a:rPr lang="zh-CN" altLang="en-US" dirty="0">
+                  <a:solidFill>
+                    <a:srgbClr val="FFC000"/>
+                  </a:solidFill>
+                </a:rPr>
+                <a:t>手动或超时自动</a:t>
+              </a:r>
+              <a:r>
+                <a:rPr lang="en-US" altLang="zh-CN" dirty="0">
+                  <a:solidFill>
+                    <a:srgbClr val="FFC000"/>
+                  </a:solidFill>
+                </a:rPr>
+                <a:t>)</a:t>
+              </a:r>
+              <a:endParaRPr lang="en-US" dirty="0">
+                <a:solidFill>
+                  <a:srgbClr val="FFC000"/>
+                </a:solidFill>
+              </a:endParaRPr>
+            </a:p>
+          </p:txBody>
+        </p:sp>
+      </p:grpSp>
+      <p:sp>
+        <p:nvSpPr>
+          <p:cNvPr id="84" name="Right Brace 83"/>
+          <p:cNvSpPr/>
+          <p:nvPr/>
+        </p:nvSpPr>
+        <p:spPr>
+          <a:xfrm rot="5400000">
+            <a:off x="4740462" y="1451313"/>
+            <a:ext cx="461608" cy="6106818"/>
+          </a:xfrm>
+          <a:prstGeom prst="rightBrace">
+            <a:avLst>
+              <a:gd name="adj1" fmla="val 36538"/>
+              <a:gd name="adj2" fmla="val 51414"/>
+            </a:avLst>
+          </a:prstGeom>
+          <a:ln>
+            <a:solidFill>
+              <a:srgbClr val="FF0000"/>
+            </a:solidFill>
+          </a:ln>
+        </p:spPr>
+        <p:style>
+          <a:lnRef idx="1">
+            <a:schemeClr val="accent1"/>
+          </a:lnRef>
+          <a:fillRef idx="0">
+            <a:schemeClr val="accent1"/>
+          </a:fillRef>
+          <a:effectRef idx="0">
+            <a:schemeClr val="accent1"/>
+          </a:effectRef>
+          <a:fontRef idx="minor">
+            <a:schemeClr val="tx1"/>
+          </a:fontRef>
+        </p:style>
+        <p:txBody>
+          <a:bodyPr rtlCol="0" anchor="ctr"/>
+          <a:lstStyle/>
+          <a:p>
+            <a:pPr algn="ctr"/>
+            <a:endParaRPr lang="en-US"/>
+          </a:p>
+        </p:txBody>
+      </p:sp>
+      <p:grpSp>
+        <p:nvGrpSpPr>
+          <p:cNvPr id="85" name="Group 84"/>
+          <p:cNvGrpSpPr/>
+          <p:nvPr/>
+        </p:nvGrpSpPr>
+        <p:grpSpPr>
+          <a:xfrm rot="10072291" flipH="1">
+            <a:off x="3671787" y="3778583"/>
+            <a:ext cx="8374252" cy="1854993"/>
+            <a:chOff x="4917962" y="1612602"/>
+            <a:chExt cx="3365020" cy="677227"/>
+          </a:xfrm>
+        </p:grpSpPr>
+        <p:sp>
+          <p:nvSpPr>
+            <p:cNvPr id="86" name="Freeform: Shape 85"/>
+            <p:cNvSpPr/>
+            <p:nvPr/>
+          </p:nvSpPr>
+          <p:spPr>
+            <a:xfrm rot="10882253" flipV="1">
+              <a:off x="5635256" y="1612602"/>
+              <a:ext cx="2647726" cy="677227"/>
+            </a:xfrm>
+            <a:custGeom>
+              <a:avLst/>
+              <a:gdLst>
+                <a:gd name="connsiteX0" fmla="*/ 0 w 1960880"/>
+                <a:gd name="connsiteY0" fmla="*/ 398217 h 398217"/>
+                <a:gd name="connsiteX1" fmla="*/ 741680 w 1960880"/>
+                <a:gd name="connsiteY1" fmla="*/ 1977 h 398217"/>
+                <a:gd name="connsiteX2" fmla="*/ 1960880 w 1960880"/>
+                <a:gd name="connsiteY2" fmla="*/ 245817 h 398217"/>
+              </a:gdLst>
+              <a:ahLst/>
+              <a:cxnLst>
+                <a:cxn ang="0">
+                  <a:pos x="connsiteX0" y="connsiteY0"/>
+                </a:cxn>
+                <a:cxn ang="0">
+                  <a:pos x="connsiteX1" y="connsiteY1"/>
+                </a:cxn>
+                <a:cxn ang="0">
+                  <a:pos x="connsiteX2" y="connsiteY2"/>
+                </a:cxn>
+              </a:cxnLst>
+              <a:rect l="l" t="t" r="r" b="b"/>
+              <a:pathLst>
+                <a:path w="1960880" h="398217">
+                  <a:moveTo>
+                    <a:pt x="0" y="398217"/>
+                  </a:moveTo>
+                  <a:cubicBezTo>
+                    <a:pt x="207433" y="212797"/>
+                    <a:pt x="414867" y="27377"/>
+                    <a:pt x="741680" y="1977"/>
+                  </a:cubicBezTo>
+                  <a:cubicBezTo>
+                    <a:pt x="1068493" y="-23423"/>
+                    <a:pt x="1678093" y="203484"/>
+                    <a:pt x="1960880" y="245817"/>
+                  </a:cubicBezTo>
+                </a:path>
+              </a:pathLst>
+            </a:custGeom>
+            <a:ln w="9525" cap="flat" cmpd="sng" algn="ctr">
               <a:solidFill>
                 <a:srgbClr val="FF0000"/>
               </a:solidFill>
-            </a:endParaRPr>
-          </a:p>
-        </p:txBody>
-      </p:sp>
-      <p:sp>
-        <p:nvSpPr>
-          <p:cNvPr id="82" name="Rectangle 81"/>
-          <p:cNvSpPr/>
-          <p:nvPr/>
-        </p:nvSpPr>
-        <p:spPr>
-          <a:xfrm>
-            <a:off x="8513467" y="2982448"/>
-            <a:ext cx="389850" cy="584775"/>
-          </a:xfrm>
-          <a:prstGeom prst="rect">
-            <a:avLst/>
-          </a:prstGeom>
-        </p:spPr>
-        <p:txBody>
-          <a:bodyPr wrap="none">
-            <a:spAutoFit/>
-          </a:bodyPr>
-          <a:lstStyle/>
-          <a:p>
-            <a:r>
-              <a:rPr lang="en-US" altLang="zh-CN" sz="3200" b="1" dirty="0">
+              <a:prstDash val="solid"/>
+              <a:round/>
+              <a:headEnd type="stealth" w="med" len="med"/>
+              <a:tailEnd type="none" w="med" len="med"/>
+            </a:ln>
+          </p:spPr>
+          <p:style>
+            <a:lnRef idx="0">
+              <a:scrgbClr r="0" g="0" b="0"/>
+            </a:lnRef>
+            <a:fillRef idx="0">
+              <a:scrgbClr r="0" g="0" b="0"/>
+            </a:fillRef>
+            <a:effectRef idx="0">
+              <a:scrgbClr r="0" g="0" b="0"/>
+            </a:effectRef>
+            <a:fontRef idx="minor">
+              <a:schemeClr val="tx1"/>
+            </a:fontRef>
+          </p:style>
+          <p:txBody>
+            <a:bodyPr rtlCol="0" anchor="ctr"/>
+            <a:lstStyle/>
+            <a:p>
+              <a:pPr algn="ctr"/>
+              <a:endParaRPr lang="en-US">
                 <a:solidFill>
                   <a:srgbClr val="FF0000"/>
                 </a:solidFill>
-              </a:rPr>
-              <a:t>&lt;</a:t>
-            </a:r>
-            <a:endParaRPr lang="en-US" b="1" dirty="0">
-              <a:solidFill>
-                <a:srgbClr val="FF0000"/>
-              </a:solidFill>
-            </a:endParaRPr>
-          </a:p>
-        </p:txBody>
-      </p:sp>
-      <p:sp>
-        <p:nvSpPr>
-          <p:cNvPr id="64" name="Arrow: Right 63"/>
+              </a:endParaRPr>
+            </a:p>
+          </p:txBody>
+        </p:sp>
+        <p:sp>
+          <p:nvSpPr>
+            <p:cNvPr id="87" name="Rectangle 86"/>
+            <p:cNvSpPr/>
+            <p:nvPr/>
+          </p:nvSpPr>
+          <p:spPr>
+            <a:xfrm rot="10072291">
+              <a:off x="4917962" y="1888384"/>
+              <a:ext cx="965685" cy="235965"/>
+            </a:xfrm>
+            <a:prstGeom prst="rect">
+              <a:avLst/>
+            </a:prstGeom>
+            <a:ln>
+              <a:noFill/>
+            </a:ln>
+          </p:spPr>
+          <p:txBody>
+            <a:bodyPr wrap="none">
+              <a:spAutoFit/>
+            </a:bodyPr>
+            <a:lstStyle/>
+            <a:p>
+              <a:pPr algn="ctr"/>
+              <a:r>
+                <a:rPr lang="zh-CN" altLang="en-US" dirty="0">
+                  <a:solidFill>
+                    <a:srgbClr val="FF0000"/>
+                  </a:solidFill>
+                </a:rPr>
+                <a:t>取消</a:t>
+              </a:r>
+              <a:endParaRPr lang="en-US" altLang="zh-CN" dirty="0">
+                <a:solidFill>
+                  <a:srgbClr val="FF0000"/>
+                </a:solidFill>
+              </a:endParaRPr>
+            </a:p>
+            <a:p>
+              <a:pPr algn="ctr"/>
+              <a:r>
+                <a:rPr lang="en-US" dirty="0">
+                  <a:solidFill>
+                    <a:srgbClr val="FF0000"/>
+                  </a:solidFill>
+                </a:rPr>
+                <a:t>(</a:t>
+              </a:r>
+              <a:r>
+                <a:rPr lang="zh-CN" altLang="en-US" dirty="0">
+                  <a:solidFill>
+                    <a:srgbClr val="FF0000"/>
+                  </a:solidFill>
+                </a:rPr>
+                <a:t>仅报修人可取消工单</a:t>
+              </a:r>
+              <a:r>
+                <a:rPr lang="en-US" dirty="0">
+                  <a:solidFill>
+                    <a:srgbClr val="FF0000"/>
+                  </a:solidFill>
+                </a:rPr>
+                <a:t>)</a:t>
+              </a:r>
+            </a:p>
+          </p:txBody>
+        </p:sp>
+      </p:grpSp>
+      <p:cxnSp>
+        <p:nvCxnSpPr>
+          <p:cNvPr id="89" name="Straight Connector 88"/>
+          <p:cNvCxnSpPr/>
+          <p:nvPr/>
+        </p:nvCxnSpPr>
+        <p:spPr>
+          <a:xfrm flipV="1">
+            <a:off x="1782163" y="2797767"/>
+            <a:ext cx="0" cy="1946274"/>
+          </a:xfrm>
+          <a:prstGeom prst="line">
+            <a:avLst/>
+          </a:prstGeom>
+          <a:ln>
+            <a:solidFill>
+              <a:schemeClr val="bg2">
+                <a:lumMod val="75000"/>
+              </a:schemeClr>
+            </a:solidFill>
+            <a:prstDash val="dash"/>
+          </a:ln>
+        </p:spPr>
+        <p:style>
+          <a:lnRef idx="1">
+            <a:schemeClr val="accent1"/>
+          </a:lnRef>
+          <a:fillRef idx="0">
+            <a:schemeClr val="accent1"/>
+          </a:fillRef>
+          <a:effectRef idx="0">
+            <a:schemeClr val="accent1"/>
+          </a:effectRef>
+          <a:fontRef idx="minor">
+            <a:schemeClr val="tx1"/>
+          </a:fontRef>
+        </p:style>
+      </p:cxnSp>
+      <p:cxnSp>
+        <p:nvCxnSpPr>
+          <p:cNvPr id="90" name="Straight Connector 89"/>
+          <p:cNvCxnSpPr/>
+          <p:nvPr/>
+        </p:nvCxnSpPr>
+        <p:spPr>
+          <a:xfrm flipV="1">
+            <a:off x="8166029" y="2814046"/>
+            <a:ext cx="0" cy="1946274"/>
+          </a:xfrm>
+          <a:prstGeom prst="line">
+            <a:avLst/>
+          </a:prstGeom>
+          <a:ln>
+            <a:solidFill>
+              <a:schemeClr val="bg2">
+                <a:lumMod val="75000"/>
+              </a:schemeClr>
+            </a:solidFill>
+            <a:prstDash val="dash"/>
+          </a:ln>
+        </p:spPr>
+        <p:style>
+          <a:lnRef idx="1">
+            <a:schemeClr val="accent1"/>
+          </a:lnRef>
+          <a:fillRef idx="0">
+            <a:schemeClr val="accent1"/>
+          </a:fillRef>
+          <a:effectRef idx="0">
+            <a:schemeClr val="accent1"/>
+          </a:effectRef>
+          <a:fontRef idx="minor">
+            <a:schemeClr val="tx1"/>
+          </a:fontRef>
+        </p:style>
+      </p:cxnSp>
+      <p:cxnSp>
+        <p:nvCxnSpPr>
+          <p:cNvPr id="91" name="Straight Arrow Connector 90"/>
+          <p:cNvCxnSpPr>
+            <a:endCxn id="15" idx="1"/>
+          </p:cNvCxnSpPr>
+          <p:nvPr/>
+        </p:nvCxnSpPr>
+        <p:spPr>
+          <a:xfrm>
+            <a:off x="86532" y="2669232"/>
+            <a:ext cx="383128" cy="0"/>
+          </a:xfrm>
+          <a:prstGeom prst="straightConnector1">
+            <a:avLst/>
+          </a:prstGeom>
+          <a:ln>
+            <a:tailEnd type="triangle"/>
+          </a:ln>
+        </p:spPr>
+        <p:style>
+          <a:lnRef idx="1">
+            <a:schemeClr val="accent1"/>
+          </a:lnRef>
+          <a:fillRef idx="0">
+            <a:schemeClr val="accent1"/>
+          </a:fillRef>
+          <a:effectRef idx="0">
+            <a:schemeClr val="accent1"/>
+          </a:effectRef>
+          <a:fontRef idx="minor">
+            <a:schemeClr val="tx1"/>
+          </a:fontRef>
+        </p:style>
+      </p:cxnSp>
+      <p:sp>
+        <p:nvSpPr>
+          <p:cNvPr id="93" name="Flowchart: Punched Tape 92"/>
           <p:cNvSpPr/>
           <p:nvPr/>
         </p:nvSpPr>
         <p:spPr>
           <a:xfrm>
-            <a:off x="2442487" y="3844149"/>
-            <a:ext cx="7070393" cy="276225"/>
-          </a:xfrm>
-          <a:prstGeom prst="rightArrow">
-            <a:avLst>
-              <a:gd name="adj1" fmla="val 35338"/>
-              <a:gd name="adj2" fmla="val 66039"/>
-            </a:avLst>
+            <a:off x="7659974" y="938915"/>
+            <a:ext cx="2015771" cy="842318"/>
+          </a:xfrm>
+          <a:prstGeom prst="flowChartPunchedTape">
+            <a:avLst/>
+          </a:prstGeom>
+        </p:spPr>
+        <p:style>
+          <a:lnRef idx="1">
+            <a:schemeClr val="accent6"/>
+          </a:lnRef>
+          <a:fillRef idx="2">
+            <a:schemeClr val="accent6"/>
+          </a:fillRef>
+          <a:effectRef idx="1">
+            <a:schemeClr val="accent6"/>
+          </a:effectRef>
+          <a:fontRef idx="minor">
+            <a:schemeClr val="dk1"/>
+          </a:fontRef>
+        </p:style>
+        <p:txBody>
+          <a:bodyPr rtlCol="0" anchor="ctr"/>
+          <a:lstStyle/>
+          <a:p>
+            <a:pPr algn="ctr"/>
+            <a:r>
+              <a:rPr lang="zh-CN" altLang="en-US" dirty="0"/>
+              <a:t>状态变动推送</a:t>
+            </a:r>
+            <a:r>
+              <a:rPr lang="en-US" altLang="zh-CN" dirty="0"/>
+              <a:t>: </a:t>
+            </a:r>
+            <a:r>
+              <a:rPr lang="zh-CN" altLang="en-US" dirty="0"/>
+              <a:t>流程相关者</a:t>
+            </a:r>
+            <a:r>
+              <a:rPr lang="en-US" altLang="zh-CN" dirty="0"/>
+              <a:t>&amp;</a:t>
+            </a:r>
+            <a:r>
+              <a:rPr lang="zh-CN" altLang="en-US" dirty="0"/>
+              <a:t>关注者</a:t>
+            </a:r>
+            <a:endParaRPr lang="en-US" dirty="0"/>
+          </a:p>
+        </p:txBody>
+      </p:sp>
+      <p:sp>
+        <p:nvSpPr>
+          <p:cNvPr id="94" name="Flowchart: Punched Tape 93"/>
+          <p:cNvSpPr/>
+          <p:nvPr/>
+        </p:nvSpPr>
+        <p:spPr>
+          <a:xfrm>
+            <a:off x="7831904" y="5517633"/>
+            <a:ext cx="2015771" cy="842318"/>
+          </a:xfrm>
+          <a:prstGeom prst="flowChartPunchedTape">
+            <a:avLst/>
           </a:prstGeom>
           <a:solidFill>
-            <a:schemeClr val="accent6">
-              <a:lumMod val="40000"/>
-              <a:lumOff val="60000"/>
-            </a:schemeClr>
+            <a:srgbClr val="FFFF00"/>
           </a:solidFill>
-          <a:ln>
-            <a:noFill/>
-          </a:ln>
-        </p:spPr>
-        <p:style>
-          <a:lnRef idx="2">
-            <a:schemeClr val="accent1">
-              <a:shade val="50000"/>
-            </a:schemeClr>
-          </a:lnRef>
-          <a:fillRef idx="1">
-            <a:schemeClr val="accent1"/>
-          </a:fillRef>
-          <a:effectRef idx="0">
-            <a:schemeClr val="accent1"/>
-          </a:effectRef>
-          <a:fontRef idx="minor">
-            <a:schemeClr val="lt1"/>
+        </p:spPr>
+        <p:style>
+          <a:lnRef idx="1">
+            <a:schemeClr val="accent6"/>
+          </a:lnRef>
+          <a:fillRef idx="2">
+            <a:schemeClr val="accent6"/>
+          </a:fillRef>
+          <a:effectRef idx="1">
+            <a:schemeClr val="accent6"/>
+          </a:effectRef>
+          <a:fontRef idx="minor">
+            <a:schemeClr val="dk1"/>
           </a:fontRef>
         </p:style>
         <p:txBody>
@@ -6213,164 +9131,26 @@
           <a:lstStyle/>
           <a:p>
             <a:pPr algn="ctr"/>
-            <a:endParaRPr lang="en-US"/>
-          </a:p>
-        </p:txBody>
-      </p:sp>
-      <p:sp>
-        <p:nvSpPr>
-          <p:cNvPr id="65" name="Rectangle 64"/>
-          <p:cNvSpPr/>
-          <p:nvPr/>
-        </p:nvSpPr>
-        <p:spPr>
-          <a:xfrm>
-            <a:off x="1115200" y="3797596"/>
-            <a:ext cx="1107996" cy="369332"/>
-          </a:xfrm>
-          <a:prstGeom prst="rect">
-            <a:avLst/>
-          </a:prstGeom>
-        </p:spPr>
-        <p:txBody>
-          <a:bodyPr wrap="none">
-            <a:spAutoFit/>
-          </a:bodyPr>
-          <a:lstStyle/>
-          <a:p>
-            <a:r>
-              <a:rPr lang="zh-CN" altLang="en-US" dirty="0"/>
-              <a:t>优先级低</a:t>
-            </a:r>
-            <a:endParaRPr lang="en-US" dirty="0"/>
-          </a:p>
-        </p:txBody>
-      </p:sp>
-      <p:sp>
-        <p:nvSpPr>
-          <p:cNvPr id="83" name="Rectangle 82"/>
-          <p:cNvSpPr/>
-          <p:nvPr/>
-        </p:nvSpPr>
-        <p:spPr>
-          <a:xfrm>
-            <a:off x="9668651" y="3797596"/>
-            <a:ext cx="1107996" cy="369332"/>
-          </a:xfrm>
-          <a:prstGeom prst="rect">
-            <a:avLst/>
-          </a:prstGeom>
-        </p:spPr>
-        <p:txBody>
-          <a:bodyPr wrap="none">
-            <a:spAutoFit/>
-          </a:bodyPr>
-          <a:lstStyle/>
-          <a:p>
-            <a:r>
-              <a:rPr lang="zh-CN" altLang="en-US" dirty="0"/>
-              <a:t>优先级高</a:t>
-            </a:r>
-            <a:endParaRPr lang="en-US" dirty="0"/>
-          </a:p>
-        </p:txBody>
-      </p:sp>
-      <p:sp>
-        <p:nvSpPr>
-          <p:cNvPr id="66" name="Rectangle 65"/>
-          <p:cNvSpPr/>
-          <p:nvPr/>
-        </p:nvSpPr>
-        <p:spPr>
-          <a:xfrm>
-            <a:off x="944743" y="1622300"/>
-            <a:ext cx="10601044" cy="1477328"/>
-          </a:xfrm>
-          <a:prstGeom prst="rect">
-            <a:avLst/>
-          </a:prstGeom>
-        </p:spPr>
-        <p:txBody>
-          <a:bodyPr wrap="none">
-            <a:spAutoFit/>
-          </a:bodyPr>
-          <a:lstStyle/>
-          <a:p>
-            <a:pPr marL="285750" indent="-285750">
-              <a:buFont typeface="Arial" panose="020B0604020202020204" pitchFamily="34" charset="0"/>
-              <a:buChar char="•"/>
-            </a:pPr>
-            <a:r>
-              <a:rPr lang="zh-CN" altLang="en-US" b="1" dirty="0"/>
-              <a:t>专人派工</a:t>
-            </a:r>
-            <a:r>
-              <a:rPr lang="zh-CN" altLang="en-US" dirty="0"/>
-              <a:t>：在医院范围内，指定一个人来手动派工</a:t>
-            </a:r>
-            <a:endParaRPr lang="en-US" altLang="zh-CN" dirty="0"/>
-          </a:p>
-          <a:p>
-            <a:pPr marL="285750" indent="-285750">
-              <a:buFont typeface="Arial" panose="020B0604020202020204" pitchFamily="34" charset="0"/>
-              <a:buChar char="•"/>
-            </a:pPr>
-            <a:r>
-              <a:rPr lang="zh-CN" altLang="en-US" b="1" dirty="0"/>
-              <a:t>抢单</a:t>
-            </a:r>
-            <a:r>
-              <a:rPr lang="zh-CN" altLang="en-US" dirty="0"/>
-              <a:t>：         在医院范围内，所有具有维修工程师角色的人员，都可以看到新单子，然后手动领单</a:t>
-            </a:r>
-            <a:endParaRPr lang="en-US" altLang="zh-CN" dirty="0"/>
-          </a:p>
-          <a:p>
-            <a:pPr marL="285750" indent="-285750">
-              <a:buFont typeface="Arial" panose="020B0604020202020204" pitchFamily="34" charset="0"/>
-              <a:buChar char="•"/>
-            </a:pPr>
-            <a:r>
-              <a:rPr lang="zh-CN" altLang="en-US" b="1" dirty="0"/>
-              <a:t>自动派工</a:t>
-            </a:r>
-            <a:r>
-              <a:rPr lang="zh-CN" altLang="en-US" dirty="0"/>
-              <a:t>：为设备指定内部责任人</a:t>
+            <a:r>
+              <a:rPr lang="zh-CN" altLang="en-US" dirty="0"/>
+              <a:t>超时推送</a:t>
             </a:r>
             <a:r>
               <a:rPr lang="en-US" altLang="zh-CN" dirty="0"/>
-              <a:t>A/B, </a:t>
-            </a:r>
-            <a:r>
-              <a:rPr lang="zh-CN" altLang="en-US" dirty="0"/>
-              <a:t>同时还可指定</a:t>
+              <a:t>: </a:t>
+            </a:r>
+            <a:r>
+              <a:rPr lang="zh-CN" altLang="en-US" dirty="0"/>
+              <a:t>流程相关者</a:t>
             </a:r>
             <a:r>
               <a:rPr lang="en-US" altLang="zh-CN" dirty="0"/>
-              <a:t>FE</a:t>
-            </a:r>
-            <a:r>
-              <a:rPr lang="zh-CN" altLang="en-US" dirty="0"/>
-              <a:t>。则新单子自动派发给</a:t>
-            </a:r>
-            <a:r>
-              <a:rPr lang="en-US" altLang="zh-CN" dirty="0"/>
-              <a:t>FE, </a:t>
-            </a:r>
-            <a:r>
-              <a:rPr lang="zh-CN" altLang="en-US" dirty="0"/>
-              <a:t>或者内部责任人</a:t>
-            </a:r>
-            <a:r>
-              <a:rPr lang="en-US" altLang="zh-CN" dirty="0"/>
-              <a:t>A/B</a:t>
-            </a:r>
-          </a:p>
-          <a:p>
-            <a:endParaRPr lang="en-US" dirty="0"/>
-          </a:p>
-          <a:p>
+              <a:t>&amp;</a:t>
+            </a:r>
+            <a:r>
+              <a:rPr lang="zh-CN" altLang="en-US" dirty="0"/>
+              <a:t>关注者</a:t>
+            </a:r>
             <a:endParaRPr lang="en-US" dirty="0"/>
           </a:p>
         </p:txBody>
@@ -6378,7 +9158,7 @@
     </p:spTree>
     <p:extLst>
       <p:ext uri="{BB962C8B-B14F-4D97-AF65-F5344CB8AC3E}">
-        <p14:creationId xmlns:p14="http://schemas.microsoft.com/office/powerpoint/2010/main" val="4097420373"/>
+        <p14:creationId xmlns:p14="http://schemas.microsoft.com/office/powerpoint/2010/main" val="1084183134"/>
       </p:ext>
     </p:extLst>
   </p:cSld>
@@ -6414,7 +9194,7 @@
         <p:spPr>
           <a:xfrm>
             <a:off x="0" y="219254"/>
-            <a:ext cx="4753224" cy="461665"/>
+            <a:ext cx="2350323" cy="461665"/>
           </a:xfrm>
           <a:prstGeom prst="rect">
             <a:avLst/>
@@ -6428,336 +9208,22 @@
           <a:p>
             <a:r>
               <a:rPr lang="zh-CN" altLang="en-US" sz="2400" b="1" dirty="0"/>
-              <a:t>专人派工 </a:t>
-            </a:r>
-            <a:r>
-              <a:rPr lang="en-US" altLang="zh-CN" sz="2400" b="1" dirty="0"/>
-              <a:t>&amp; </a:t>
-            </a:r>
-            <a:r>
-              <a:rPr lang="zh-CN" altLang="en-US" sz="2400" b="1" dirty="0"/>
-              <a:t>领单</a:t>
-            </a:r>
-            <a:r>
-              <a:rPr lang="en-US" altLang="zh-CN" sz="2400" b="1" dirty="0"/>
-              <a:t>(</a:t>
-            </a:r>
-            <a:r>
-              <a:rPr lang="zh-CN" altLang="en-US" sz="2400" b="1" dirty="0"/>
-              <a:t>内部维修工程师</a:t>
-            </a:r>
-            <a:r>
-              <a:rPr lang="en-US" altLang="zh-CN" sz="2400" b="1" dirty="0"/>
-              <a:t>)</a:t>
+              <a:t>派工的三种模式</a:t>
             </a:r>
             <a:endParaRPr lang="en-US" sz="2400" b="1" dirty="0"/>
           </a:p>
         </p:txBody>
       </p:sp>
-      <p:cxnSp>
-        <p:nvCxnSpPr>
-          <p:cNvPr id="6" name="Straight Connector 5"/>
-          <p:cNvCxnSpPr/>
-          <p:nvPr/>
-        </p:nvCxnSpPr>
-        <p:spPr>
-          <a:xfrm>
-            <a:off x="282027" y="2320325"/>
-            <a:ext cx="11782205" cy="0"/>
-          </a:xfrm>
-          <a:prstGeom prst="line">
-            <a:avLst/>
-          </a:prstGeom>
-          <a:ln w="9525" cap="flat" cmpd="sng" algn="ctr">
-            <a:solidFill>
-              <a:schemeClr val="dk1"/>
-            </a:solidFill>
-            <a:prstDash val="dash"/>
-            <a:round/>
-            <a:headEnd type="none" w="med" len="med"/>
-            <a:tailEnd type="none" w="med" len="med"/>
-          </a:ln>
-        </p:spPr>
-        <p:style>
-          <a:lnRef idx="0">
-            <a:scrgbClr r="0" g="0" b="0"/>
-          </a:lnRef>
-          <a:fillRef idx="0">
-            <a:scrgbClr r="0" g="0" b="0"/>
-          </a:fillRef>
-          <a:effectRef idx="0">
-            <a:scrgbClr r="0" g="0" b="0"/>
-          </a:effectRef>
-          <a:fontRef idx="minor">
-            <a:schemeClr val="tx1"/>
-          </a:fontRef>
-        </p:style>
-      </p:cxnSp>
-      <p:sp>
-        <p:nvSpPr>
-          <p:cNvPr id="9" name="Rectangle 8"/>
+      <p:sp>
+        <p:nvSpPr>
+          <p:cNvPr id="39" name="Rectangle: Rounded Corners 38"/>
           <p:cNvSpPr/>
           <p:nvPr/>
         </p:nvSpPr>
         <p:spPr>
           <a:xfrm>
-            <a:off x="137513" y="1041301"/>
-            <a:ext cx="854374" cy="923330"/>
-          </a:xfrm>
-          <a:prstGeom prst="rect">
-            <a:avLst/>
-          </a:prstGeom>
-        </p:spPr>
-        <p:txBody>
-          <a:bodyPr wrap="square">
-            <a:spAutoFit/>
-          </a:bodyPr>
-          <a:lstStyle/>
-          <a:p>
-            <a:r>
-              <a:rPr lang="en-US" altLang="zh-CN" dirty="0"/>
-              <a:t>PC</a:t>
-            </a:r>
-            <a:r>
-              <a:rPr lang="zh-CN" altLang="en-US" dirty="0"/>
-              <a:t>后台配置</a:t>
-            </a:r>
-            <a:endParaRPr lang="en-US" dirty="0"/>
-          </a:p>
-        </p:txBody>
-      </p:sp>
-      <p:sp>
-        <p:nvSpPr>
-          <p:cNvPr id="18" name="Rectangle 17"/>
-          <p:cNvSpPr/>
-          <p:nvPr/>
-        </p:nvSpPr>
-        <p:spPr>
-          <a:xfrm>
-            <a:off x="80103" y="3469486"/>
-            <a:ext cx="854374" cy="646331"/>
-          </a:xfrm>
-          <a:prstGeom prst="rect">
-            <a:avLst/>
-          </a:prstGeom>
-        </p:spPr>
-        <p:txBody>
-          <a:bodyPr wrap="square">
-            <a:spAutoFit/>
-          </a:bodyPr>
-          <a:lstStyle/>
-          <a:p>
-            <a:r>
-              <a:rPr lang="zh-CN" altLang="en-US" dirty="0"/>
-              <a:t>专人派工</a:t>
-            </a:r>
-            <a:endParaRPr lang="en-US" dirty="0"/>
-          </a:p>
-        </p:txBody>
-      </p:sp>
-      <p:cxnSp>
-        <p:nvCxnSpPr>
-          <p:cNvPr id="79" name="Straight Arrow Connector 78"/>
-          <p:cNvCxnSpPr>
-            <a:stCxn id="39" idx="3"/>
-            <a:endCxn id="36" idx="1"/>
-          </p:cNvCxnSpPr>
-          <p:nvPr/>
-        </p:nvCxnSpPr>
-        <p:spPr>
-          <a:xfrm>
-            <a:off x="3130148" y="1461026"/>
-            <a:ext cx="845156" cy="0"/>
-          </a:xfrm>
-          <a:prstGeom prst="straightConnector1">
-            <a:avLst/>
-          </a:prstGeom>
-          <a:ln>
-            <a:tailEnd type="triangle"/>
-          </a:ln>
-        </p:spPr>
-        <p:style>
-          <a:lnRef idx="1">
-            <a:schemeClr val="accent1"/>
-          </a:lnRef>
-          <a:fillRef idx="0">
-            <a:schemeClr val="accent1"/>
-          </a:fillRef>
-          <a:effectRef idx="0">
-            <a:schemeClr val="accent1"/>
-          </a:effectRef>
-          <a:fontRef idx="minor">
-            <a:schemeClr val="tx1"/>
-          </a:fontRef>
-        </p:style>
-      </p:cxnSp>
-      <p:cxnSp>
-        <p:nvCxnSpPr>
-          <p:cNvPr id="72" name="Connector: Elbow 71"/>
-          <p:cNvCxnSpPr>
-            <a:stCxn id="60" idx="3"/>
-            <a:endCxn id="88" idx="5"/>
-          </p:cNvCxnSpPr>
-          <p:nvPr/>
-        </p:nvCxnSpPr>
-        <p:spPr>
-          <a:xfrm flipV="1">
-            <a:off x="5061361" y="3726520"/>
-            <a:ext cx="2075840" cy="1"/>
-          </a:xfrm>
-          <a:prstGeom prst="bentConnector3">
-            <a:avLst>
-              <a:gd name="adj1" fmla="val 50000"/>
-            </a:avLst>
-          </a:prstGeom>
-          <a:ln>
-            <a:tailEnd type="triangle"/>
-          </a:ln>
-        </p:spPr>
-        <p:style>
-          <a:lnRef idx="1">
-            <a:schemeClr val="accent1"/>
-          </a:lnRef>
-          <a:fillRef idx="0">
-            <a:schemeClr val="accent1"/>
-          </a:fillRef>
-          <a:effectRef idx="0">
-            <a:schemeClr val="accent1"/>
-          </a:effectRef>
-          <a:fontRef idx="minor">
-            <a:schemeClr val="tx1"/>
-          </a:fontRef>
-        </p:style>
-      </p:cxnSp>
-      <p:sp>
-        <p:nvSpPr>
-          <p:cNvPr id="73" name="Flowchart: Punched Tape 72"/>
-          <p:cNvSpPr/>
-          <p:nvPr/>
-        </p:nvSpPr>
-        <p:spPr>
-          <a:xfrm>
-            <a:off x="5121430" y="2392402"/>
-            <a:ext cx="2015771" cy="842318"/>
-          </a:xfrm>
-          <a:prstGeom prst="flowChartPunchedTape">
-            <a:avLst/>
-          </a:prstGeom>
-        </p:spPr>
-        <p:style>
-          <a:lnRef idx="1">
-            <a:schemeClr val="accent6"/>
-          </a:lnRef>
-          <a:fillRef idx="2">
-            <a:schemeClr val="accent6"/>
-          </a:fillRef>
-          <a:effectRef idx="1">
-            <a:schemeClr val="accent6"/>
-          </a:effectRef>
-          <a:fontRef idx="minor">
-            <a:schemeClr val="dk1"/>
-          </a:fontRef>
-        </p:style>
-        <p:txBody>
-          <a:bodyPr rtlCol="0" anchor="ctr"/>
-          <a:lstStyle/>
-          <a:p>
-            <a:pPr algn="ctr"/>
-            <a:r>
-              <a:rPr lang="zh-CN" altLang="en-US" dirty="0"/>
-              <a:t>状态变动推送</a:t>
-            </a:r>
-            <a:r>
-              <a:rPr lang="en-US" altLang="zh-CN" dirty="0"/>
-              <a:t>: </a:t>
-            </a:r>
-            <a:r>
-              <a:rPr lang="zh-CN" altLang="en-US" dirty="0"/>
-              <a:t>流程相关者</a:t>
-            </a:r>
-            <a:r>
-              <a:rPr lang="en-US" altLang="zh-CN" dirty="0"/>
-              <a:t>&amp;</a:t>
-            </a:r>
-            <a:r>
-              <a:rPr lang="zh-CN" altLang="en-US" dirty="0"/>
-              <a:t>关注者</a:t>
-            </a:r>
-            <a:endParaRPr lang="en-US" dirty="0"/>
-          </a:p>
-        </p:txBody>
-      </p:sp>
-      <p:sp>
-        <p:nvSpPr>
-          <p:cNvPr id="99" name="Flowchart: Punched Tape 98"/>
-          <p:cNvSpPr/>
-          <p:nvPr/>
-        </p:nvSpPr>
-        <p:spPr>
-          <a:xfrm>
-            <a:off x="5121430" y="4528576"/>
-            <a:ext cx="2015771" cy="842318"/>
-          </a:xfrm>
-          <a:prstGeom prst="flowChartPunchedTape">
-            <a:avLst/>
-          </a:prstGeom>
-          <a:solidFill>
-            <a:srgbClr val="FFFF00"/>
-          </a:solidFill>
-        </p:spPr>
-        <p:style>
-          <a:lnRef idx="1">
-            <a:schemeClr val="accent6"/>
-          </a:lnRef>
-          <a:fillRef idx="2">
-            <a:schemeClr val="accent6"/>
-          </a:fillRef>
-          <a:effectRef idx="1">
-            <a:schemeClr val="accent6"/>
-          </a:effectRef>
-          <a:fontRef idx="minor">
-            <a:schemeClr val="dk1"/>
-          </a:fontRef>
-        </p:style>
-        <p:txBody>
-          <a:bodyPr rtlCol="0" anchor="ctr"/>
-          <a:lstStyle/>
-          <a:p>
-            <a:pPr algn="ctr"/>
-            <a:r>
-              <a:rPr lang="zh-CN" altLang="en-US" dirty="0"/>
-              <a:t>超时推送</a:t>
-            </a:r>
-            <a:r>
-              <a:rPr lang="en-US" altLang="zh-CN" dirty="0"/>
-              <a:t>: </a:t>
-            </a:r>
-            <a:r>
-              <a:rPr lang="zh-CN" altLang="en-US" dirty="0"/>
-              <a:t>流程相关者</a:t>
-            </a:r>
-            <a:r>
-              <a:rPr lang="en-US" altLang="zh-CN" dirty="0"/>
-              <a:t>&amp;</a:t>
-            </a:r>
-            <a:r>
-              <a:rPr lang="zh-CN" altLang="en-US" dirty="0"/>
-              <a:t>关注者</a:t>
-            </a:r>
-            <a:endParaRPr lang="en-US" dirty="0"/>
-          </a:p>
-        </p:txBody>
-      </p:sp>
-      <p:sp>
-        <p:nvSpPr>
-          <p:cNvPr id="36" name="Rectangle: Rounded Corners 35"/>
-          <p:cNvSpPr/>
-          <p:nvPr/>
-        </p:nvSpPr>
-        <p:spPr>
-          <a:xfrm>
-            <a:off x="3975304" y="1041301"/>
-            <a:ext cx="1581916" cy="839449"/>
+            <a:off x="753017" y="2180555"/>
+            <a:ext cx="1867465" cy="839449"/>
           </a:xfrm>
           <a:prstGeom prst="roundRect">
             <a:avLst/>
@@ -6786,27 +9252,126 @@
             <a:pPr algn="ctr"/>
             <a:r>
               <a:rPr lang="en-US" dirty="0"/>
+              <a:t>Per </a:t>
+            </a:r>
+            <a:r>
+              <a:rPr lang="en-US" altLang="zh-CN" dirty="0"/>
+              <a:t>Hospital</a:t>
+            </a:r>
+          </a:p>
+          <a:p>
+            <a:pPr algn="ctr"/>
+            <a:r>
+              <a:rPr lang="zh-CN" altLang="en-US" dirty="0"/>
+              <a:t>设置派工模式</a:t>
+            </a:r>
+            <a:endParaRPr lang="en-US" dirty="0"/>
+          </a:p>
+        </p:txBody>
+      </p:sp>
+      <p:sp>
+        <p:nvSpPr>
+          <p:cNvPr id="76" name="Rectangle: Rounded Corners 75"/>
+          <p:cNvSpPr/>
+          <p:nvPr/>
+        </p:nvSpPr>
+        <p:spPr>
+          <a:xfrm>
+            <a:off x="3348814" y="2172538"/>
+            <a:ext cx="1867465" cy="839449"/>
+          </a:xfrm>
+          <a:prstGeom prst="roundRect">
+            <a:avLst/>
+          </a:prstGeom>
+        </p:spPr>
+        <p:style>
+          <a:lnRef idx="1">
+            <a:schemeClr val="accent3"/>
+          </a:lnRef>
+          <a:fillRef idx="2">
+            <a:schemeClr val="accent3"/>
+          </a:fillRef>
+          <a:effectRef idx="1">
+            <a:schemeClr val="accent3"/>
+          </a:effectRef>
+          <a:fontRef idx="minor">
+            <a:schemeClr val="dk1"/>
+          </a:fontRef>
+        </p:style>
+        <p:txBody>
+          <a:bodyPr rtlCol="0" anchor="ctr"/>
+          <a:lstStyle/>
+          <a:p>
+            <a:pPr algn="ctr"/>
+            <a:r>
+              <a:rPr lang="en-US" dirty="0"/>
+              <a:t>Per </a:t>
+            </a:r>
+            <a:r>
+              <a:rPr lang="zh-CN" altLang="en-US" dirty="0"/>
+              <a:t>科室</a:t>
+            </a:r>
+            <a:endParaRPr lang="en-US" altLang="zh-CN" dirty="0"/>
+          </a:p>
+          <a:p>
+            <a:pPr algn="ctr"/>
+            <a:r>
+              <a:rPr lang="zh-CN" altLang="en-US" dirty="0"/>
+              <a:t>设置派工模式</a:t>
+            </a:r>
+            <a:endParaRPr lang="en-US" dirty="0"/>
+          </a:p>
+        </p:txBody>
+      </p:sp>
+      <p:sp>
+        <p:nvSpPr>
+          <p:cNvPr id="78" name="Rectangle: Rounded Corners 77"/>
+          <p:cNvSpPr/>
+          <p:nvPr/>
+        </p:nvSpPr>
+        <p:spPr>
+          <a:xfrm>
+            <a:off x="6079522" y="2172537"/>
+            <a:ext cx="1867465" cy="839449"/>
+          </a:xfrm>
+          <a:prstGeom prst="roundRect">
+            <a:avLst/>
+          </a:prstGeom>
+        </p:spPr>
+        <p:style>
+          <a:lnRef idx="1">
+            <a:schemeClr val="accent3"/>
+          </a:lnRef>
+          <a:fillRef idx="2">
+            <a:schemeClr val="accent3"/>
+          </a:fillRef>
+          <a:effectRef idx="1">
+            <a:schemeClr val="accent3"/>
+          </a:effectRef>
+          <a:fontRef idx="minor">
+            <a:schemeClr val="dk1"/>
+          </a:fontRef>
+        </p:style>
+        <p:txBody>
+          <a:bodyPr rtlCol="0" anchor="ctr"/>
+          <a:lstStyle/>
+          <a:p>
+            <a:pPr algn="ctr"/>
+            <a:r>
+              <a:rPr lang="en-US" dirty="0"/>
               <a:t>Per</a:t>
             </a:r>
             <a:r>
               <a:rPr lang="zh-CN" altLang="en-US" dirty="0"/>
-              <a:t>资产</a:t>
-            </a:r>
-            <a:r>
-              <a:rPr lang="en-US" altLang="zh-CN" dirty="0"/>
-              <a:t>Mark “</a:t>
-            </a:r>
-            <a:r>
-              <a:rPr lang="zh-CN" altLang="en-US" dirty="0"/>
-              <a:t>专人派工</a:t>
-            </a:r>
-            <a:r>
-              <a:rPr lang="en-US" altLang="zh-CN" dirty="0"/>
-              <a:t>”</a:t>
-            </a:r>
-            <a:r>
-              <a:rPr lang="zh-CN" altLang="en-US" dirty="0"/>
-              <a:t> 模式</a:t>
+              <a:t>设备类型</a:t>
+            </a:r>
+            <a:endParaRPr lang="en-US" altLang="zh-CN" dirty="0"/>
+          </a:p>
+          <a:p>
+            <a:pPr algn="ctr"/>
+            <a:r>
+              <a:rPr lang="zh-CN" altLang="en-US" dirty="0"/>
+              <a:t>设置派工模式</a:t>
             </a:r>
             <a:endParaRPr lang="en-US" dirty="0"/>
           </a:p>
@@ -6814,13 +9379,13 @@
       </p:sp>
       <p:sp>
         <p:nvSpPr>
-          <p:cNvPr id="39" name="Rectangle: Rounded Corners 38"/>
+          <p:cNvPr id="80" name="Rectangle: Rounded Corners 79"/>
           <p:cNvSpPr/>
           <p:nvPr/>
         </p:nvSpPr>
         <p:spPr>
           <a:xfrm>
-            <a:off x="1262683" y="1041301"/>
+            <a:off x="8810230" y="2172537"/>
             <a:ext cx="1867465" cy="839449"/>
           </a:xfrm>
           <a:prstGeom prst="roundRect">
@@ -6850,31 +9415,19 @@
             <a:pPr algn="ctr"/>
             <a:r>
               <a:rPr lang="en-US" dirty="0"/>
-              <a:t>Per </a:t>
-            </a:r>
-            <a:r>
-              <a:rPr lang="en-US" altLang="zh-CN" dirty="0"/>
-              <a:t>Hospital</a:t>
-            </a:r>
-            <a:r>
-              <a:rPr lang="zh-CN" altLang="en-US" dirty="0"/>
-              <a:t>设置</a:t>
-            </a:r>
-            <a:r>
-              <a:rPr lang="en-US" altLang="zh-CN" dirty="0"/>
-              <a:t>”</a:t>
-            </a:r>
-            <a:r>
-              <a:rPr lang="zh-CN" altLang="en-US" dirty="0"/>
-              <a:t>专人派工</a:t>
-            </a:r>
-            <a:r>
-              <a:rPr lang="en-US" altLang="zh-CN" dirty="0"/>
-              <a:t>”</a:t>
-            </a:r>
-            <a:r>
-              <a:rPr lang="zh-CN" altLang="en-US" dirty="0"/>
-              <a:t>模式</a:t>
+              <a:t>Per</a:t>
+            </a:r>
+            <a:r>
+              <a:rPr lang="zh-CN" altLang="en-US" dirty="0"/>
+              <a:t>设备</a:t>
+            </a:r>
+            <a:endParaRPr lang="en-US" altLang="zh-CN" dirty="0"/>
+          </a:p>
+          <a:p>
+            <a:pPr algn="ctr"/>
+            <a:r>
+              <a:rPr lang="zh-CN" altLang="en-US" dirty="0"/>
+              <a:t>设置派工模式</a:t>
             </a:r>
             <a:endParaRPr lang="en-US" dirty="0"/>
           </a:p>
@@ -6882,94 +9435,141 @@
       </p:sp>
       <p:sp>
         <p:nvSpPr>
-          <p:cNvPr id="55" name="Oval 54"/>
+          <p:cNvPr id="58" name="Rectangle 57"/>
           <p:cNvSpPr/>
           <p:nvPr/>
         </p:nvSpPr>
         <p:spPr>
           <a:xfrm>
-            <a:off x="6352538" y="1282644"/>
-            <a:ext cx="336932" cy="356761"/>
-          </a:xfrm>
-          <a:prstGeom prst="ellipse">
-            <a:avLst/>
-          </a:prstGeom>
-        </p:spPr>
-        <p:style>
-          <a:lnRef idx="3">
-            <a:schemeClr val="lt1"/>
-          </a:lnRef>
-          <a:fillRef idx="1">
-            <a:schemeClr val="dk1"/>
-          </a:fillRef>
-          <a:effectRef idx="1">
-            <a:schemeClr val="dk1"/>
-          </a:effectRef>
-          <a:fontRef idx="minor">
-            <a:schemeClr val="lt1"/>
-          </a:fontRef>
-        </p:style>
-        <p:txBody>
-          <a:bodyPr rtlCol="0" anchor="ctr"/>
-          <a:lstStyle/>
-          <a:p>
-            <a:pPr algn="ctr"/>
-            <a:endParaRPr lang="en-US"/>
-          </a:p>
-        </p:txBody>
-      </p:sp>
-      <p:cxnSp>
-        <p:nvCxnSpPr>
-          <p:cNvPr id="56" name="Connector: Elbow 55"/>
-          <p:cNvCxnSpPr>
-            <a:stCxn id="36" idx="3"/>
-            <a:endCxn id="55" idx="2"/>
-          </p:cNvCxnSpPr>
-          <p:nvPr/>
-        </p:nvCxnSpPr>
-        <p:spPr>
-          <a:xfrm flipV="1">
-            <a:off x="5557220" y="1461025"/>
-            <a:ext cx="795318" cy="1"/>
-          </a:xfrm>
-          <a:prstGeom prst="bentConnector3">
+            <a:off x="2789723" y="2299873"/>
+            <a:ext cx="389850" cy="584775"/>
+          </a:xfrm>
+          <a:prstGeom prst="rect">
+            <a:avLst/>
+          </a:prstGeom>
+        </p:spPr>
+        <p:txBody>
+          <a:bodyPr wrap="none">
+            <a:spAutoFit/>
+          </a:bodyPr>
+          <a:lstStyle/>
+          <a:p>
+            <a:r>
+              <a:rPr lang="en-US" altLang="zh-CN" sz="3200" b="1" dirty="0">
+                <a:solidFill>
+                  <a:srgbClr val="FF0000"/>
+                </a:solidFill>
+              </a:rPr>
+              <a:t>&lt;</a:t>
+            </a:r>
+            <a:endParaRPr lang="en-US" b="1" dirty="0">
+              <a:solidFill>
+                <a:srgbClr val="FF0000"/>
+              </a:solidFill>
+            </a:endParaRPr>
+          </a:p>
+        </p:txBody>
+      </p:sp>
+      <p:sp>
+        <p:nvSpPr>
+          <p:cNvPr id="81" name="Rectangle 80"/>
+          <p:cNvSpPr/>
+          <p:nvPr/>
+        </p:nvSpPr>
+        <p:spPr>
+          <a:xfrm>
+            <a:off x="5452975" y="2349832"/>
+            <a:ext cx="389850" cy="584775"/>
+          </a:xfrm>
+          <a:prstGeom prst="rect">
+            <a:avLst/>
+          </a:prstGeom>
+        </p:spPr>
+        <p:txBody>
+          <a:bodyPr wrap="none">
+            <a:spAutoFit/>
+          </a:bodyPr>
+          <a:lstStyle/>
+          <a:p>
+            <a:r>
+              <a:rPr lang="en-US" altLang="zh-CN" sz="3200" b="1" dirty="0">
+                <a:solidFill>
+                  <a:srgbClr val="FF0000"/>
+                </a:solidFill>
+              </a:rPr>
+              <a:t>&lt;</a:t>
+            </a:r>
+            <a:endParaRPr lang="en-US" b="1" dirty="0">
+              <a:solidFill>
+                <a:srgbClr val="FF0000"/>
+              </a:solidFill>
+            </a:endParaRPr>
+          </a:p>
+        </p:txBody>
+      </p:sp>
+      <p:sp>
+        <p:nvSpPr>
+          <p:cNvPr id="82" name="Rectangle 81"/>
+          <p:cNvSpPr/>
+          <p:nvPr/>
+        </p:nvSpPr>
+        <p:spPr>
+          <a:xfrm>
+            <a:off x="8183683" y="2307891"/>
+            <a:ext cx="389850" cy="584775"/>
+          </a:xfrm>
+          <a:prstGeom prst="rect">
+            <a:avLst/>
+          </a:prstGeom>
+        </p:spPr>
+        <p:txBody>
+          <a:bodyPr wrap="none">
+            <a:spAutoFit/>
+          </a:bodyPr>
+          <a:lstStyle/>
+          <a:p>
+            <a:r>
+              <a:rPr lang="en-US" altLang="zh-CN" sz="3200" b="1" dirty="0">
+                <a:solidFill>
+                  <a:srgbClr val="FF0000"/>
+                </a:solidFill>
+              </a:rPr>
+              <a:t>&lt;</a:t>
+            </a:r>
+            <a:endParaRPr lang="en-US" b="1" dirty="0">
+              <a:solidFill>
+                <a:srgbClr val="FF0000"/>
+              </a:solidFill>
+            </a:endParaRPr>
+          </a:p>
+        </p:txBody>
+      </p:sp>
+      <p:sp>
+        <p:nvSpPr>
+          <p:cNvPr id="64" name="Arrow: Right 63"/>
+          <p:cNvSpPr/>
+          <p:nvPr/>
+        </p:nvSpPr>
+        <p:spPr>
+          <a:xfrm>
+            <a:off x="2112703" y="3169592"/>
+            <a:ext cx="7070393" cy="276225"/>
+          </a:xfrm>
+          <a:prstGeom prst="rightArrow">
             <a:avLst>
-              <a:gd name="adj1" fmla="val 50000"/>
+              <a:gd name="adj1" fmla="val 35338"/>
+              <a:gd name="adj2" fmla="val 66039"/>
             </a:avLst>
           </a:prstGeom>
+          <a:solidFill>
+            <a:schemeClr val="accent6">
+              <a:lumMod val="40000"/>
+              <a:lumOff val="60000"/>
+            </a:schemeClr>
+          </a:solidFill>
           <a:ln>
-            <a:tailEnd type="triangle"/>
+            <a:noFill/>
           </a:ln>
-        </p:spPr>
-        <p:style>
-          <a:lnRef idx="1">
-            <a:schemeClr val="accent1"/>
-          </a:lnRef>
-          <a:fillRef idx="0">
-            <a:schemeClr val="accent1"/>
-          </a:fillRef>
-          <a:effectRef idx="0">
-            <a:schemeClr val="accent1"/>
-          </a:effectRef>
-          <a:fontRef idx="minor">
-            <a:schemeClr val="tx1"/>
-          </a:fontRef>
-        </p:style>
-      </p:cxnSp>
-      <p:sp>
-        <p:nvSpPr>
-          <p:cNvPr id="59" name="Rectangle: Rounded Corners 58"/>
-          <p:cNvSpPr/>
-          <p:nvPr/>
-        </p:nvSpPr>
-        <p:spPr>
-          <a:xfrm>
-            <a:off x="1205273" y="3306798"/>
-            <a:ext cx="1298887" cy="839449"/>
-          </a:xfrm>
-          <a:prstGeom prst="roundRect">
-            <a:avLst/>
-          </a:prstGeom>
         </p:spPr>
         <p:style>
           <a:lnRef idx="2">
@@ -6992,381 +9592,20 @@
           <a:lstStyle/>
           <a:p>
             <a:pPr algn="ctr"/>
-            <a:r>
-              <a:rPr lang="zh-CN" altLang="en-US" dirty="0"/>
-              <a:t>手动派工到工程师</a:t>
-            </a:r>
-            <a:endParaRPr lang="en-US" dirty="0"/>
-          </a:p>
-        </p:txBody>
-      </p:sp>
-      <p:sp>
-        <p:nvSpPr>
-          <p:cNvPr id="60" name="Rectangle: Rounded Corners 59"/>
+            <a:endParaRPr lang="en-US"/>
+          </a:p>
+        </p:txBody>
+      </p:sp>
+      <p:sp>
+        <p:nvSpPr>
+          <p:cNvPr id="65" name="Rectangle 64"/>
           <p:cNvSpPr/>
           <p:nvPr/>
         </p:nvSpPr>
         <p:spPr>
           <a:xfrm>
-            <a:off x="3749114" y="3306796"/>
-            <a:ext cx="1312247" cy="839449"/>
-          </a:xfrm>
-          <a:prstGeom prst="roundRect">
-            <a:avLst/>
-          </a:prstGeom>
-        </p:spPr>
-        <p:style>
-          <a:lnRef idx="2">
-            <a:schemeClr val="accent1">
-              <a:shade val="50000"/>
-            </a:schemeClr>
-          </a:lnRef>
-          <a:fillRef idx="1">
-            <a:schemeClr val="accent1"/>
-          </a:fillRef>
-          <a:effectRef idx="0">
-            <a:schemeClr val="accent1"/>
-          </a:effectRef>
-          <a:fontRef idx="minor">
-            <a:schemeClr val="lt1"/>
-          </a:fontRef>
-        </p:style>
-        <p:txBody>
-          <a:bodyPr rtlCol="0" anchor="ctr"/>
-          <a:lstStyle/>
-          <a:p>
-            <a:pPr algn="ctr"/>
-            <a:r>
-              <a:rPr lang="zh-CN" altLang="en-US" dirty="0"/>
-              <a:t>工程师</a:t>
-            </a:r>
-            <a:endParaRPr lang="en-US" altLang="zh-CN" dirty="0"/>
-          </a:p>
-          <a:p>
-            <a:pPr algn="ctr"/>
-            <a:r>
-              <a:rPr lang="zh-CN" altLang="en-US"/>
-              <a:t>领</a:t>
-            </a:r>
-            <a:r>
-              <a:rPr lang="zh-CN" altLang="en-US" dirty="0"/>
-              <a:t>单</a:t>
-            </a:r>
-            <a:endParaRPr lang="en-US" dirty="0"/>
-          </a:p>
-        </p:txBody>
-      </p:sp>
-      <p:cxnSp>
-        <p:nvCxnSpPr>
-          <p:cNvPr id="61" name="Connector: Elbow 60"/>
-          <p:cNvCxnSpPr>
-            <a:stCxn id="59" idx="3"/>
-            <a:endCxn id="60" idx="1"/>
-          </p:cNvCxnSpPr>
-          <p:nvPr/>
-        </p:nvCxnSpPr>
-        <p:spPr>
-          <a:xfrm flipV="1">
-            <a:off x="2504160" y="3726521"/>
-            <a:ext cx="1244954" cy="2"/>
-          </a:xfrm>
-          <a:prstGeom prst="bentConnector3">
-            <a:avLst>
-              <a:gd name="adj1" fmla="val 50000"/>
-            </a:avLst>
-          </a:prstGeom>
-          <a:ln>
-            <a:tailEnd type="triangle"/>
-          </a:ln>
-        </p:spPr>
-        <p:style>
-          <a:lnRef idx="1">
-            <a:schemeClr val="accent1"/>
-          </a:lnRef>
-          <a:fillRef idx="0">
-            <a:schemeClr val="accent1"/>
-          </a:fillRef>
-          <a:effectRef idx="0">
-            <a:schemeClr val="accent1"/>
-          </a:effectRef>
-          <a:fontRef idx="minor">
-            <a:schemeClr val="tx1"/>
-          </a:fontRef>
-        </p:style>
-      </p:cxnSp>
-      <p:sp>
-        <p:nvSpPr>
-          <p:cNvPr id="87" name="Rectangle: Rounded Corners 86"/>
-          <p:cNvSpPr/>
-          <p:nvPr/>
-        </p:nvSpPr>
-        <p:spPr>
-          <a:xfrm>
-            <a:off x="8649157" y="1061152"/>
-            <a:ext cx="1754017" cy="839449"/>
-          </a:xfrm>
-          <a:prstGeom prst="roundRect">
-            <a:avLst/>
-          </a:prstGeom>
-        </p:spPr>
-        <p:style>
-          <a:lnRef idx="2">
-            <a:schemeClr val="accent1">
-              <a:shade val="50000"/>
-            </a:schemeClr>
-          </a:lnRef>
-          <a:fillRef idx="1">
-            <a:schemeClr val="accent1"/>
-          </a:fillRef>
-          <a:effectRef idx="0">
-            <a:schemeClr val="accent1"/>
-          </a:effectRef>
-          <a:fontRef idx="minor">
-            <a:schemeClr val="lt1"/>
-          </a:fontRef>
-        </p:style>
-        <p:txBody>
-          <a:bodyPr rtlCol="0" anchor="ctr"/>
-          <a:lstStyle/>
-          <a:p>
-            <a:pPr algn="ctr"/>
-            <a:r>
-              <a:rPr lang="en-US" altLang="zh-CN" dirty="0"/>
-              <a:t>Per Hospital</a:t>
-            </a:r>
-          </a:p>
-          <a:p>
-            <a:pPr algn="ctr"/>
-            <a:r>
-              <a:rPr lang="zh-CN" altLang="en-US" dirty="0"/>
-              <a:t>设置派个人</a:t>
-            </a:r>
-            <a:endParaRPr lang="en-US" dirty="0"/>
-          </a:p>
-        </p:txBody>
-      </p:sp>
-      <p:sp>
-        <p:nvSpPr>
-          <p:cNvPr id="88" name="Parallelogram 87"/>
-          <p:cNvSpPr/>
-          <p:nvPr/>
-        </p:nvSpPr>
-        <p:spPr>
-          <a:xfrm>
-            <a:off x="7050935" y="3381457"/>
-            <a:ext cx="1218162" cy="690126"/>
-          </a:xfrm>
-          <a:prstGeom prst="parallelogram">
-            <a:avLst/>
-          </a:prstGeom>
-        </p:spPr>
-        <p:style>
-          <a:lnRef idx="1">
-            <a:schemeClr val="accent3"/>
-          </a:lnRef>
-          <a:fillRef idx="2">
-            <a:schemeClr val="accent3"/>
-          </a:fillRef>
-          <a:effectRef idx="1">
-            <a:schemeClr val="accent3"/>
-          </a:effectRef>
-          <a:fontRef idx="minor">
-            <a:schemeClr val="dk1"/>
-          </a:fontRef>
-        </p:style>
-        <p:txBody>
-          <a:bodyPr rtlCol="0" anchor="ctr"/>
-          <a:lstStyle/>
-          <a:p>
-            <a:pPr algn="ctr"/>
-            <a:r>
-              <a:rPr lang="zh-CN" altLang="en-US" dirty="0"/>
-              <a:t>后续</a:t>
-            </a:r>
-            <a:endParaRPr lang="en-US" altLang="zh-CN" dirty="0"/>
-          </a:p>
-          <a:p>
-            <a:pPr algn="ctr"/>
-            <a:r>
-              <a:rPr lang="zh-CN" altLang="en-US" dirty="0"/>
-              <a:t>流程</a:t>
-            </a:r>
-            <a:endParaRPr lang="en-US" dirty="0"/>
-          </a:p>
-        </p:txBody>
-      </p:sp>
-      <p:cxnSp>
-        <p:nvCxnSpPr>
-          <p:cNvPr id="25" name="Connector: Elbow 24"/>
-          <p:cNvCxnSpPr>
-            <a:stCxn id="60" idx="2"/>
-            <a:endCxn id="59" idx="2"/>
-          </p:cNvCxnSpPr>
-          <p:nvPr/>
-        </p:nvCxnSpPr>
-        <p:spPr>
-          <a:xfrm rot="5400000">
-            <a:off x="3129977" y="2870986"/>
-            <a:ext cx="2" cy="2550521"/>
-          </a:xfrm>
-          <a:prstGeom prst="bentConnector3">
-            <a:avLst>
-              <a:gd name="adj1" fmla="val 11430100000"/>
-            </a:avLst>
-          </a:prstGeom>
-          <a:ln w="9525" cap="flat" cmpd="sng" algn="ctr">
-            <a:solidFill>
-              <a:srgbClr val="FF0000"/>
-            </a:solidFill>
-            <a:prstDash val="dash"/>
-            <a:round/>
-            <a:headEnd type="none" w="med" len="med"/>
-            <a:tailEnd type="stealth" w="med" len="med"/>
-          </a:ln>
-        </p:spPr>
-        <p:style>
-          <a:lnRef idx="0">
-            <a:scrgbClr r="0" g="0" b="0"/>
-          </a:lnRef>
-          <a:fillRef idx="0">
-            <a:scrgbClr r="0" g="0" b="0"/>
-          </a:fillRef>
-          <a:effectRef idx="0">
-            <a:scrgbClr r="0" g="0" b="0"/>
-          </a:effectRef>
-          <a:fontRef idx="minor">
-            <a:schemeClr val="tx1"/>
-          </a:fontRef>
-        </p:style>
-      </p:cxnSp>
-      <p:cxnSp>
-        <p:nvCxnSpPr>
-          <p:cNvPr id="50" name="Connector: Elbow 49"/>
-          <p:cNvCxnSpPr>
-            <a:stCxn id="60" idx="0"/>
-            <a:endCxn id="73" idx="1"/>
-          </p:cNvCxnSpPr>
-          <p:nvPr/>
-        </p:nvCxnSpPr>
-        <p:spPr>
-          <a:xfrm rot="5400000" flipH="1" flipV="1">
-            <a:off x="4516717" y="2702083"/>
-            <a:ext cx="493235" cy="716192"/>
-          </a:xfrm>
-          <a:prstGeom prst="bentConnector2">
-            <a:avLst/>
-          </a:prstGeom>
-          <a:ln w="9525" cap="flat" cmpd="sng" algn="ctr">
-            <a:solidFill>
-              <a:schemeClr val="accent6"/>
-            </a:solidFill>
-            <a:prstDash val="dash"/>
-            <a:round/>
-            <a:headEnd type="none" w="med" len="med"/>
-            <a:tailEnd type="arrow" w="med" len="med"/>
-          </a:ln>
-        </p:spPr>
-        <p:style>
-          <a:lnRef idx="0">
-            <a:scrgbClr r="0" g="0" b="0"/>
-          </a:lnRef>
-          <a:fillRef idx="0">
-            <a:scrgbClr r="0" g="0" b="0"/>
-          </a:fillRef>
-          <a:effectRef idx="0">
-            <a:scrgbClr r="0" g="0" b="0"/>
-          </a:effectRef>
-          <a:fontRef idx="minor">
-            <a:schemeClr val="tx1"/>
-          </a:fontRef>
-        </p:style>
-      </p:cxnSp>
-      <p:sp>
-        <p:nvSpPr>
-          <p:cNvPr id="69" name="Oval 68"/>
-          <p:cNvSpPr/>
-          <p:nvPr/>
-        </p:nvSpPr>
-        <p:spPr>
-          <a:xfrm>
-            <a:off x="11334105" y="1297634"/>
-            <a:ext cx="336932" cy="356761"/>
-          </a:xfrm>
-          <a:prstGeom prst="ellipse">
-            <a:avLst/>
-          </a:prstGeom>
-        </p:spPr>
-        <p:style>
-          <a:lnRef idx="3">
-            <a:schemeClr val="lt1"/>
-          </a:lnRef>
-          <a:fillRef idx="1">
-            <a:schemeClr val="dk1"/>
-          </a:fillRef>
-          <a:effectRef idx="1">
-            <a:schemeClr val="dk1"/>
-          </a:effectRef>
-          <a:fontRef idx="minor">
-            <a:schemeClr val="lt1"/>
-          </a:fontRef>
-        </p:style>
-        <p:txBody>
-          <a:bodyPr rtlCol="0" anchor="ctr"/>
-          <a:lstStyle/>
-          <a:p>
-            <a:pPr algn="ctr"/>
-            <a:endParaRPr lang="en-US"/>
-          </a:p>
-        </p:txBody>
-      </p:sp>
-      <p:cxnSp>
-        <p:nvCxnSpPr>
-          <p:cNvPr id="70" name="Connector: Elbow 69"/>
-          <p:cNvCxnSpPr>
-            <a:stCxn id="87" idx="3"/>
-            <a:endCxn id="69" idx="2"/>
-          </p:cNvCxnSpPr>
-          <p:nvPr/>
-        </p:nvCxnSpPr>
-        <p:spPr>
-          <a:xfrm flipV="1">
-            <a:off x="10403174" y="1476015"/>
-            <a:ext cx="930931" cy="4862"/>
-          </a:xfrm>
-          <a:prstGeom prst="bentConnector3">
-            <a:avLst>
-              <a:gd name="adj1" fmla="val 50000"/>
-            </a:avLst>
-          </a:prstGeom>
-          <a:ln>
-            <a:tailEnd type="triangle"/>
-          </a:ln>
-        </p:spPr>
-        <p:style>
-          <a:lnRef idx="1">
-            <a:schemeClr val="accent1"/>
-          </a:lnRef>
-          <a:fillRef idx="0">
-            <a:schemeClr val="accent1"/>
-          </a:fillRef>
-          <a:effectRef idx="0">
-            <a:schemeClr val="accent1"/>
-          </a:effectRef>
-          <a:fontRef idx="minor">
-            <a:schemeClr val="tx1"/>
-          </a:fontRef>
-        </p:style>
-      </p:cxnSp>
-      <p:sp>
-        <p:nvSpPr>
-          <p:cNvPr id="2" name="Rectangle 1"/>
-          <p:cNvSpPr/>
-          <p:nvPr/>
-        </p:nvSpPr>
-        <p:spPr>
-          <a:xfrm>
-            <a:off x="2250978" y="4344840"/>
-            <a:ext cx="1338828" cy="369332"/>
+            <a:off x="785416" y="3123039"/>
+            <a:ext cx="1107996" cy="369332"/>
           </a:xfrm>
           <a:prstGeom prst="rect">
             <a:avLst/>
@@ -7380,16 +9619,535 @@
           <a:p>
             <a:r>
               <a:rPr lang="zh-CN" altLang="en-US" dirty="0"/>
-              <a:t>超时则退回</a:t>
+              <a:t>优先级低</a:t>
             </a:r>
             <a:endParaRPr lang="en-US" dirty="0"/>
           </a:p>
         </p:txBody>
       </p:sp>
+      <p:sp>
+        <p:nvSpPr>
+          <p:cNvPr id="83" name="Rectangle 82"/>
+          <p:cNvSpPr/>
+          <p:nvPr/>
+        </p:nvSpPr>
+        <p:spPr>
+          <a:xfrm>
+            <a:off x="9338867" y="3123039"/>
+            <a:ext cx="1107996" cy="369332"/>
+          </a:xfrm>
+          <a:prstGeom prst="rect">
+            <a:avLst/>
+          </a:prstGeom>
+        </p:spPr>
+        <p:txBody>
+          <a:bodyPr wrap="none">
+            <a:spAutoFit/>
+          </a:bodyPr>
+          <a:lstStyle/>
+          <a:p>
+            <a:r>
+              <a:rPr lang="zh-CN" altLang="en-US" dirty="0"/>
+              <a:t>优先级高</a:t>
+            </a:r>
+            <a:endParaRPr lang="en-US" dirty="0"/>
+          </a:p>
+        </p:txBody>
+      </p:sp>
+      <p:sp>
+        <p:nvSpPr>
+          <p:cNvPr id="66" name="Rectangle 65"/>
+          <p:cNvSpPr/>
+          <p:nvPr/>
+        </p:nvSpPr>
+        <p:spPr>
+          <a:xfrm>
+            <a:off x="614959" y="947743"/>
+            <a:ext cx="10601044" cy="1477328"/>
+          </a:xfrm>
+          <a:prstGeom prst="rect">
+            <a:avLst/>
+          </a:prstGeom>
+        </p:spPr>
+        <p:txBody>
+          <a:bodyPr wrap="none">
+            <a:spAutoFit/>
+          </a:bodyPr>
+          <a:lstStyle/>
+          <a:p>
+            <a:pPr marL="285750" indent="-285750">
+              <a:buFont typeface="Arial" panose="020B0604020202020204" pitchFamily="34" charset="0"/>
+              <a:buChar char="•"/>
+            </a:pPr>
+            <a:r>
+              <a:rPr lang="zh-CN" altLang="en-US" b="1" dirty="0"/>
+              <a:t>专人派工</a:t>
+            </a:r>
+            <a:r>
+              <a:rPr lang="zh-CN" altLang="en-US" dirty="0"/>
+              <a:t>：在医院范围内，指定一个人来手动派工（可选列表：所有具有维修工程师角色的人员）</a:t>
+            </a:r>
+            <a:endParaRPr lang="en-US" altLang="zh-CN" dirty="0"/>
+          </a:p>
+          <a:p>
+            <a:pPr marL="285750" indent="-285750">
+              <a:buFont typeface="Arial" panose="020B0604020202020204" pitchFamily="34" charset="0"/>
+              <a:buChar char="•"/>
+            </a:pPr>
+            <a:r>
+              <a:rPr lang="zh-CN" altLang="en-US" b="1" dirty="0"/>
+              <a:t>抢单</a:t>
+            </a:r>
+            <a:r>
+              <a:rPr lang="zh-CN" altLang="en-US" dirty="0"/>
+              <a:t>：         在医院范围内，所有具有维修工程师角色的人员，都可以看到新单子，然后手动领单</a:t>
+            </a:r>
+            <a:endParaRPr lang="en-US" altLang="zh-CN" dirty="0"/>
+          </a:p>
+          <a:p>
+            <a:pPr marL="285750" indent="-285750">
+              <a:buFont typeface="Arial" panose="020B0604020202020204" pitchFamily="34" charset="0"/>
+              <a:buChar char="•"/>
+            </a:pPr>
+            <a:r>
+              <a:rPr lang="zh-CN" altLang="en-US" b="1" dirty="0"/>
+              <a:t>自动派工</a:t>
+            </a:r>
+            <a:r>
+              <a:rPr lang="zh-CN" altLang="en-US" dirty="0"/>
+              <a:t>：为设备指定内部责任人</a:t>
+            </a:r>
+            <a:r>
+              <a:rPr lang="en-US" altLang="zh-CN" dirty="0"/>
+              <a:t>A/B, </a:t>
+            </a:r>
+            <a:r>
+              <a:rPr lang="zh-CN" altLang="en-US" dirty="0"/>
+              <a:t>同时还可指定</a:t>
+            </a:r>
+            <a:r>
+              <a:rPr lang="en-US" altLang="zh-CN" dirty="0"/>
+              <a:t>FE</a:t>
+            </a:r>
+            <a:r>
+              <a:rPr lang="zh-CN" altLang="en-US" dirty="0"/>
+              <a:t>。则新单子自动派发给</a:t>
+            </a:r>
+            <a:r>
+              <a:rPr lang="en-US" altLang="zh-CN" dirty="0"/>
+              <a:t>FE, </a:t>
+            </a:r>
+            <a:r>
+              <a:rPr lang="zh-CN" altLang="en-US" dirty="0"/>
+              <a:t>或者内部责任人</a:t>
+            </a:r>
+            <a:r>
+              <a:rPr lang="en-US" altLang="zh-CN" dirty="0"/>
+              <a:t>A/B</a:t>
+            </a:r>
+          </a:p>
+          <a:p>
+            <a:endParaRPr lang="en-US" dirty="0"/>
+          </a:p>
+          <a:p>
+            <a:endParaRPr lang="en-US" dirty="0"/>
+          </a:p>
+        </p:txBody>
+      </p:sp>
+      <p:sp>
+        <p:nvSpPr>
+          <p:cNvPr id="14" name="Rectangle 13"/>
+          <p:cNvSpPr/>
+          <p:nvPr/>
+        </p:nvSpPr>
+        <p:spPr>
+          <a:xfrm>
+            <a:off x="700126" y="3689810"/>
+            <a:ext cx="1579278" cy="646331"/>
+          </a:xfrm>
+          <a:prstGeom prst="rect">
+            <a:avLst/>
+          </a:prstGeom>
+        </p:spPr>
+        <p:txBody>
+          <a:bodyPr wrap="none">
+            <a:spAutoFit/>
+          </a:bodyPr>
+          <a:lstStyle/>
+          <a:p>
+            <a:r>
+              <a:rPr lang="zh-CN" altLang="en-US" b="1" dirty="0"/>
+              <a:t>实施难易程度</a:t>
+            </a:r>
+            <a:endParaRPr lang="en-US" dirty="0"/>
+          </a:p>
+          <a:p>
+            <a:endParaRPr lang="en-US" dirty="0"/>
+          </a:p>
+        </p:txBody>
+      </p:sp>
+      <p:graphicFrame>
+        <p:nvGraphicFramePr>
+          <p:cNvPr id="6" name="Table 5"/>
+          <p:cNvGraphicFramePr>
+            <a:graphicFrameLocks noGrp="1"/>
+          </p:cNvGraphicFramePr>
+          <p:nvPr>
+            <p:extLst>
+              <p:ext uri="{D42A27DB-BD31-4B8C-83A1-F6EECF244321}">
+                <p14:modId xmlns:p14="http://schemas.microsoft.com/office/powerpoint/2010/main" val="2579255767"/>
+              </p:ext>
+            </p:extLst>
+          </p:nvPr>
+        </p:nvGraphicFramePr>
+        <p:xfrm>
+          <a:off x="785416" y="4124276"/>
+          <a:ext cx="11116774" cy="2296160"/>
+        </p:xfrm>
+        <a:graphic>
+          <a:graphicData uri="http://schemas.openxmlformats.org/drawingml/2006/table">
+            <a:tbl>
+              <a:tblPr firstRow="1" bandRow="1">
+                <a:tableStyleId>{5C22544A-7EE6-4342-B048-85BDC9FD1C3A}</a:tableStyleId>
+              </a:tblPr>
+              <a:tblGrid>
+                <a:gridCol w="1440607">
+                  <a:extLst>
+                    <a:ext uri="{9D8B030D-6E8A-4147-A177-3AD203B41FA5}">
+                      <a16:colId xmlns:a16="http://schemas.microsoft.com/office/drawing/2014/main" val="2086536324"/>
+                    </a:ext>
+                  </a:extLst>
+                </a:gridCol>
+                <a:gridCol w="1804558">
+                  <a:extLst>
+                    <a:ext uri="{9D8B030D-6E8A-4147-A177-3AD203B41FA5}">
+                      <a16:colId xmlns:a16="http://schemas.microsoft.com/office/drawing/2014/main" val="3947587238"/>
+                    </a:ext>
+                  </a:extLst>
+                </a:gridCol>
+                <a:gridCol w="7871609">
+                  <a:extLst>
+                    <a:ext uri="{9D8B030D-6E8A-4147-A177-3AD203B41FA5}">
+                      <a16:colId xmlns:a16="http://schemas.microsoft.com/office/drawing/2014/main" val="529934426"/>
+                    </a:ext>
+                  </a:extLst>
+                </a:gridCol>
+              </a:tblGrid>
+              <a:tr h="370840">
+                <a:tc>
+                  <a:txBody>
+                    <a:bodyPr/>
+                    <a:lstStyle/>
+                    <a:p>
+                      <a:r>
+                        <a:rPr lang="zh-CN" altLang="en-US" dirty="0"/>
+                        <a:t>模式</a:t>
+                      </a:r>
+                      <a:endParaRPr lang="en-US" dirty="0"/>
+                    </a:p>
+                  </a:txBody>
+                  <a:tcPr/>
+                </a:tc>
+                <a:tc>
+                  <a:txBody>
+                    <a:bodyPr/>
+                    <a:lstStyle/>
+                    <a:p>
+                      <a:r>
+                        <a:rPr lang="zh-CN" altLang="en-US" dirty="0"/>
+                        <a:t>实施难易程度</a:t>
+                      </a:r>
+                      <a:endParaRPr lang="en-US" dirty="0"/>
+                    </a:p>
+                  </a:txBody>
+                  <a:tcPr/>
+                </a:tc>
+                <a:tc>
+                  <a:txBody>
+                    <a:bodyPr/>
+                    <a:lstStyle/>
+                    <a:p>
+                      <a:r>
+                        <a:rPr lang="zh-CN" altLang="en-US" dirty="0"/>
+                        <a:t>实施前提（系统后台配置工作）</a:t>
+                      </a:r>
+                      <a:endParaRPr lang="en-US" dirty="0"/>
+                    </a:p>
+                  </a:txBody>
+                  <a:tcPr/>
+                </a:tc>
+                <a:extLst>
+                  <a:ext uri="{0D108BD9-81ED-4DB2-BD59-A6C34878D82A}">
+                    <a16:rowId xmlns:a16="http://schemas.microsoft.com/office/drawing/2014/main" val="2365333816"/>
+                  </a:ext>
+                </a:extLst>
+              </a:tr>
+              <a:tr h="370840">
+                <a:tc>
+                  <a:txBody>
+                    <a:bodyPr/>
+                    <a:lstStyle/>
+                    <a:p>
+                      <a:r>
+                        <a:rPr lang="zh-CN" altLang="en-US" dirty="0"/>
+                        <a:t>抢单</a:t>
+                      </a:r>
+                      <a:endParaRPr lang="en-US" dirty="0"/>
+                    </a:p>
+                  </a:txBody>
+                  <a:tcPr/>
+                </a:tc>
+                <a:tc>
+                  <a:txBody>
+                    <a:bodyPr/>
+                    <a:lstStyle/>
+                    <a:p>
+                      <a:r>
+                        <a:rPr lang="zh-CN" altLang="en-US" dirty="0"/>
+                        <a:t>最容易</a:t>
+                      </a:r>
+                      <a:endParaRPr lang="en-US" dirty="0"/>
+                    </a:p>
+                  </a:txBody>
+                  <a:tcPr/>
+                </a:tc>
+                <a:tc>
+                  <a:txBody>
+                    <a:bodyPr/>
+                    <a:lstStyle/>
+                    <a:p>
+                      <a:pPr marL="285750" indent="-285750">
+                        <a:buFont typeface="Arial" panose="020B0604020202020204" pitchFamily="34" charset="0"/>
+                        <a:buChar char="•"/>
+                      </a:pPr>
+                      <a:r>
+                        <a:rPr lang="zh-CN" altLang="en-US" dirty="0"/>
+                        <a:t>为维修人员设置</a:t>
+                      </a:r>
+                      <a:r>
+                        <a:rPr lang="zh-CN" altLang="en-US" dirty="0"/>
+                        <a:t>维修工程师角色即可</a:t>
+                      </a:r>
+                      <a:endParaRPr lang="en-US" dirty="0"/>
+                    </a:p>
+                  </a:txBody>
+                  <a:tcPr/>
+                </a:tc>
+                <a:extLst>
+                  <a:ext uri="{0D108BD9-81ED-4DB2-BD59-A6C34878D82A}">
+                    <a16:rowId xmlns:a16="http://schemas.microsoft.com/office/drawing/2014/main" val="4038569152"/>
+                  </a:ext>
+                </a:extLst>
+              </a:tr>
+              <a:tr h="370840">
+                <a:tc>
+                  <a:txBody>
+                    <a:bodyPr/>
+                    <a:lstStyle/>
+                    <a:p>
+                      <a:r>
+                        <a:rPr lang="zh-CN" altLang="en-US" dirty="0"/>
+                        <a:t>专人派工</a:t>
+                      </a:r>
+                      <a:endParaRPr lang="en-US" dirty="0"/>
+                    </a:p>
+                  </a:txBody>
+                  <a:tcPr/>
+                </a:tc>
+                <a:tc>
+                  <a:txBody>
+                    <a:bodyPr/>
+                    <a:lstStyle/>
+                    <a:p>
+                      <a:r>
+                        <a:rPr lang="zh-CN" altLang="en-US" dirty="0"/>
+                        <a:t>较容易</a:t>
+                      </a:r>
+                      <a:endParaRPr lang="en-US" dirty="0"/>
+                    </a:p>
+                  </a:txBody>
+                  <a:tcPr/>
+                </a:tc>
+                <a:tc>
+                  <a:txBody>
+                    <a:bodyPr/>
+                    <a:lstStyle/>
+                    <a:p>
+                      <a:pPr marL="285750" indent="-285750">
+                        <a:buFont typeface="Arial" panose="020B0604020202020204" pitchFamily="34" charset="0"/>
+                        <a:buChar char="•"/>
+                      </a:pPr>
+                      <a:r>
+                        <a:rPr lang="zh-CN" altLang="en-US" dirty="0"/>
+                        <a:t>为维修人员设置维修工程师角色</a:t>
+                      </a:r>
+                      <a:endParaRPr lang="en-US" altLang="zh-CN" dirty="0"/>
+                    </a:p>
+                    <a:p>
+                      <a:pPr marL="285750" indent="-285750">
+                        <a:buFont typeface="Arial" panose="020B0604020202020204" pitchFamily="34" charset="0"/>
+                        <a:buChar char="•"/>
+                      </a:pPr>
+                      <a:r>
+                        <a:rPr lang="en-US" altLang="zh-CN" dirty="0"/>
+                        <a:t>(</a:t>
+                      </a:r>
+                      <a:r>
+                        <a:rPr lang="zh-CN" altLang="en-US" dirty="0"/>
+                        <a:t>系统默认</a:t>
+                      </a:r>
+                      <a:r>
+                        <a:rPr lang="en-US" altLang="zh-CN" dirty="0"/>
+                        <a:t>)</a:t>
+                      </a:r>
+                      <a:r>
+                        <a:rPr lang="zh-CN" altLang="en-US" dirty="0"/>
+                        <a:t>设备科科长为派工人：需要为设备科科长设置</a:t>
+                      </a:r>
+                      <a:r>
+                        <a:rPr lang="en-US" altLang="zh-CN" dirty="0"/>
+                        <a:t>”</a:t>
+                      </a:r>
+                      <a:r>
+                        <a:rPr lang="zh-CN" altLang="en-US" dirty="0"/>
+                        <a:t>设备科科长角色</a:t>
+                      </a:r>
+                      <a:r>
+                        <a:rPr lang="en-US" altLang="zh-CN" dirty="0"/>
+                        <a:t>”</a:t>
+                      </a:r>
+                    </a:p>
+                    <a:p>
+                      <a:pPr marL="285750" indent="-285750">
+                        <a:buFont typeface="Arial" panose="020B0604020202020204" pitchFamily="34" charset="0"/>
+                        <a:buChar char="•"/>
+                      </a:pPr>
+                      <a:r>
+                        <a:rPr lang="zh-CN" altLang="en-US" dirty="0"/>
+                        <a:t>或者手动设置其他人为派工人</a:t>
+                      </a:r>
+                      <a:endParaRPr lang="en-US" dirty="0"/>
+                    </a:p>
+                  </a:txBody>
+                  <a:tcPr/>
+                </a:tc>
+                <a:extLst>
+                  <a:ext uri="{0D108BD9-81ED-4DB2-BD59-A6C34878D82A}">
+                    <a16:rowId xmlns:a16="http://schemas.microsoft.com/office/drawing/2014/main" val="3561069183"/>
+                  </a:ext>
+                </a:extLst>
+              </a:tr>
+              <a:tr h="370840">
+                <a:tc>
+                  <a:txBody>
+                    <a:bodyPr/>
+                    <a:lstStyle/>
+                    <a:p>
+                      <a:r>
+                        <a:rPr lang="zh-CN" altLang="en-US" dirty="0"/>
+                        <a:t>自动派工</a:t>
+                      </a:r>
+                      <a:endParaRPr lang="en-US" dirty="0"/>
+                    </a:p>
+                  </a:txBody>
+                  <a:tcPr/>
+                </a:tc>
+                <a:tc>
+                  <a:txBody>
+                    <a:bodyPr/>
+                    <a:lstStyle/>
+                    <a:p>
+                      <a:r>
+                        <a:rPr lang="zh-CN" altLang="en-US" dirty="0"/>
+                        <a:t>最复杂</a:t>
+                      </a:r>
+                      <a:endParaRPr lang="en-US" dirty="0"/>
+                    </a:p>
+                  </a:txBody>
+                  <a:tcPr/>
+                </a:tc>
+                <a:tc>
+                  <a:txBody>
+                    <a:bodyPr/>
+                    <a:lstStyle/>
+                    <a:p>
+                      <a:pPr marL="285750" indent="-285750">
+                        <a:buFont typeface="Arial" panose="020B0604020202020204" pitchFamily="34" charset="0"/>
+                        <a:buChar char="•"/>
+                      </a:pPr>
+                      <a:r>
+                        <a:rPr lang="en-US" dirty="0"/>
+                        <a:t>Per Hospital</a:t>
+                      </a:r>
+                      <a:r>
+                        <a:rPr lang="zh-CN" altLang="en-US" dirty="0"/>
+                        <a:t>或</a:t>
+                      </a:r>
+                      <a:r>
+                        <a:rPr lang="en-US" altLang="zh-CN" dirty="0"/>
+                        <a:t>Per </a:t>
+                      </a:r>
+                      <a:r>
+                        <a:rPr lang="zh-CN" altLang="en-US" dirty="0"/>
+                        <a:t>设备设置派工模式为</a:t>
+                      </a:r>
+                      <a:r>
+                        <a:rPr lang="en-US" altLang="zh-CN" dirty="0"/>
+                        <a:t>”</a:t>
+                      </a:r>
+                      <a:r>
+                        <a:rPr lang="zh-CN" altLang="en-US" dirty="0"/>
+                        <a:t>自动派工</a:t>
+                      </a:r>
+                      <a:r>
+                        <a:rPr lang="en-US" altLang="zh-CN" dirty="0"/>
+                        <a:t>”</a:t>
+                      </a:r>
+                    </a:p>
+                    <a:p>
+                      <a:pPr marL="285750" indent="-285750">
+                        <a:buFont typeface="Arial" panose="020B0604020202020204" pitchFamily="34" charset="0"/>
+                        <a:buChar char="•"/>
+                      </a:pPr>
+                      <a:r>
+                        <a:rPr lang="en-US" dirty="0"/>
+                        <a:t>Per </a:t>
+                      </a:r>
+                      <a:r>
+                        <a:rPr lang="zh-CN" altLang="en-US" dirty="0"/>
+                        <a:t>设备设置责任人</a:t>
+                      </a:r>
+                      <a:r>
+                        <a:rPr lang="en-US" altLang="zh-CN" dirty="0"/>
+                        <a:t>A/B</a:t>
+                      </a:r>
+                      <a:r>
+                        <a:rPr lang="zh-CN" altLang="en-US" dirty="0"/>
+                        <a:t>，以及</a:t>
+                      </a:r>
+                      <a:r>
+                        <a:rPr lang="en-US" altLang="zh-CN" dirty="0"/>
+                        <a:t> FE</a:t>
+                      </a:r>
+                      <a:endParaRPr lang="en-US" dirty="0"/>
+                    </a:p>
+                  </a:txBody>
+                  <a:tcPr/>
+                </a:tc>
+                <a:extLst>
+                  <a:ext uri="{0D108BD9-81ED-4DB2-BD59-A6C34878D82A}">
+                    <a16:rowId xmlns:a16="http://schemas.microsoft.com/office/drawing/2014/main" val="641850638"/>
+                  </a:ext>
+                </a:extLst>
+              </a:tr>
+            </a:tbl>
+          </a:graphicData>
+        </a:graphic>
+      </p:graphicFrame>
     </p:spTree>
     <p:extLst>
       <p:ext uri="{BB962C8B-B14F-4D97-AF65-F5344CB8AC3E}">
-        <p14:creationId xmlns:p14="http://schemas.microsoft.com/office/powerpoint/2010/main" val="2761342033"/>
+        <p14:creationId xmlns:p14="http://schemas.microsoft.com/office/powerpoint/2010/main" val="4097420373"/>
       </p:ext>
     </p:extLst>
   </p:cSld>
@@ -7418,58 +10176,6 @@
       </p:grpSpPr>
       <p:sp>
         <p:nvSpPr>
-          <p:cNvPr id="2" name="Rectangle: Rounded Corners 1"/>
-          <p:cNvSpPr/>
-          <p:nvPr/>
-        </p:nvSpPr>
-        <p:spPr>
-          <a:xfrm>
-            <a:off x="3632772" y="1041301"/>
-            <a:ext cx="1079292" cy="839449"/>
-          </a:xfrm>
-          <a:prstGeom prst="roundRect">
-            <a:avLst/>
-          </a:prstGeom>
-        </p:spPr>
-        <p:style>
-          <a:lnRef idx="2">
-            <a:schemeClr val="accent1">
-              <a:shade val="50000"/>
-            </a:schemeClr>
-          </a:lnRef>
-          <a:fillRef idx="1">
-            <a:schemeClr val="accent1"/>
-          </a:fillRef>
-          <a:effectRef idx="0">
-            <a:schemeClr val="accent1"/>
-          </a:effectRef>
-          <a:fontRef idx="minor">
-            <a:schemeClr val="lt1"/>
-          </a:fontRef>
-        </p:style>
-        <p:txBody>
-          <a:bodyPr rtlCol="0" anchor="ctr"/>
-          <a:lstStyle/>
-          <a:p>
-            <a:pPr algn="ctr"/>
-            <a:r>
-              <a:rPr lang="en-US" dirty="0"/>
-              <a:t>Per</a:t>
-            </a:r>
-            <a:r>
-              <a:rPr lang="zh-CN" altLang="en-US" dirty="0"/>
-              <a:t>资产设置责任人</a:t>
-            </a:r>
-            <a:r>
-              <a:rPr lang="en-US" altLang="zh-CN" dirty="0"/>
-              <a:t>A/B</a:t>
-            </a:r>
-            <a:endParaRPr lang="en-US" dirty="0"/>
-          </a:p>
-        </p:txBody>
-      </p:sp>
-      <p:sp>
-        <p:nvSpPr>
           <p:cNvPr id="3" name="Rectangle 2"/>
           <p:cNvSpPr/>
           <p:nvPr/>
@@ -7491,7 +10197,7 @@
           <a:p>
             <a:r>
               <a:rPr lang="zh-CN" altLang="en-US" sz="2400" b="1" dirty="0"/>
-              <a:t>自动派工 </a:t>
+              <a:t>专人派工 </a:t>
             </a:r>
             <a:r>
               <a:rPr lang="en-US" altLang="zh-CN" sz="2400" b="1" dirty="0"/>
@@ -7612,6 +10318,1170 @@
           <a:p>
             <a:r>
               <a:rPr lang="zh-CN" altLang="en-US" dirty="0"/>
+              <a:t>专人派工</a:t>
+            </a:r>
+            <a:endParaRPr lang="en-US" dirty="0"/>
+          </a:p>
+        </p:txBody>
+      </p:sp>
+      <p:cxnSp>
+        <p:nvCxnSpPr>
+          <p:cNvPr id="79" name="Straight Arrow Connector 78"/>
+          <p:cNvCxnSpPr>
+            <a:stCxn id="39" idx="3"/>
+            <a:endCxn id="36" idx="1"/>
+          </p:cNvCxnSpPr>
+          <p:nvPr/>
+        </p:nvCxnSpPr>
+        <p:spPr>
+          <a:xfrm>
+            <a:off x="3130148" y="1461026"/>
+            <a:ext cx="845156" cy="0"/>
+          </a:xfrm>
+          <a:prstGeom prst="straightConnector1">
+            <a:avLst/>
+          </a:prstGeom>
+          <a:ln>
+            <a:tailEnd type="triangle"/>
+          </a:ln>
+        </p:spPr>
+        <p:style>
+          <a:lnRef idx="1">
+            <a:schemeClr val="accent1"/>
+          </a:lnRef>
+          <a:fillRef idx="0">
+            <a:schemeClr val="accent1"/>
+          </a:fillRef>
+          <a:effectRef idx="0">
+            <a:schemeClr val="accent1"/>
+          </a:effectRef>
+          <a:fontRef idx="minor">
+            <a:schemeClr val="tx1"/>
+          </a:fontRef>
+        </p:style>
+      </p:cxnSp>
+      <p:cxnSp>
+        <p:nvCxnSpPr>
+          <p:cNvPr id="72" name="Connector: Elbow 71"/>
+          <p:cNvCxnSpPr>
+            <a:stCxn id="60" idx="3"/>
+            <a:endCxn id="88" idx="5"/>
+          </p:cNvCxnSpPr>
+          <p:nvPr/>
+        </p:nvCxnSpPr>
+        <p:spPr>
+          <a:xfrm flipV="1">
+            <a:off x="5061361" y="3726520"/>
+            <a:ext cx="2075840" cy="1"/>
+          </a:xfrm>
+          <a:prstGeom prst="bentConnector3">
+            <a:avLst>
+              <a:gd name="adj1" fmla="val 50000"/>
+            </a:avLst>
+          </a:prstGeom>
+          <a:ln>
+            <a:tailEnd type="triangle"/>
+          </a:ln>
+        </p:spPr>
+        <p:style>
+          <a:lnRef idx="1">
+            <a:schemeClr val="accent1"/>
+          </a:lnRef>
+          <a:fillRef idx="0">
+            <a:schemeClr val="accent1"/>
+          </a:fillRef>
+          <a:effectRef idx="0">
+            <a:schemeClr val="accent1"/>
+          </a:effectRef>
+          <a:fontRef idx="minor">
+            <a:schemeClr val="tx1"/>
+          </a:fontRef>
+        </p:style>
+      </p:cxnSp>
+      <p:sp>
+        <p:nvSpPr>
+          <p:cNvPr id="73" name="Flowchart: Punched Tape 72"/>
+          <p:cNvSpPr/>
+          <p:nvPr/>
+        </p:nvSpPr>
+        <p:spPr>
+          <a:xfrm>
+            <a:off x="5121430" y="2392402"/>
+            <a:ext cx="2015771" cy="842318"/>
+          </a:xfrm>
+          <a:prstGeom prst="flowChartPunchedTape">
+            <a:avLst/>
+          </a:prstGeom>
+        </p:spPr>
+        <p:style>
+          <a:lnRef idx="1">
+            <a:schemeClr val="accent6"/>
+          </a:lnRef>
+          <a:fillRef idx="2">
+            <a:schemeClr val="accent6"/>
+          </a:fillRef>
+          <a:effectRef idx="1">
+            <a:schemeClr val="accent6"/>
+          </a:effectRef>
+          <a:fontRef idx="minor">
+            <a:schemeClr val="dk1"/>
+          </a:fontRef>
+        </p:style>
+        <p:txBody>
+          <a:bodyPr rtlCol="0" anchor="ctr"/>
+          <a:lstStyle/>
+          <a:p>
+            <a:pPr algn="ctr"/>
+            <a:r>
+              <a:rPr lang="zh-CN" altLang="en-US" dirty="0"/>
+              <a:t>状态变动推送</a:t>
+            </a:r>
+            <a:r>
+              <a:rPr lang="en-US" altLang="zh-CN" dirty="0"/>
+              <a:t>: </a:t>
+            </a:r>
+            <a:r>
+              <a:rPr lang="zh-CN" altLang="en-US" dirty="0"/>
+              <a:t>流程相关者</a:t>
+            </a:r>
+            <a:r>
+              <a:rPr lang="en-US" altLang="zh-CN" dirty="0"/>
+              <a:t>&amp;</a:t>
+            </a:r>
+            <a:r>
+              <a:rPr lang="zh-CN" altLang="en-US" dirty="0"/>
+              <a:t>关注者</a:t>
+            </a:r>
+            <a:endParaRPr lang="en-US" dirty="0"/>
+          </a:p>
+        </p:txBody>
+      </p:sp>
+      <p:sp>
+        <p:nvSpPr>
+          <p:cNvPr id="99" name="Flowchart: Punched Tape 98"/>
+          <p:cNvSpPr/>
+          <p:nvPr/>
+        </p:nvSpPr>
+        <p:spPr>
+          <a:xfrm>
+            <a:off x="5121430" y="4528576"/>
+            <a:ext cx="2015771" cy="842318"/>
+          </a:xfrm>
+          <a:prstGeom prst="flowChartPunchedTape">
+            <a:avLst/>
+          </a:prstGeom>
+          <a:solidFill>
+            <a:srgbClr val="FFFF00"/>
+          </a:solidFill>
+        </p:spPr>
+        <p:style>
+          <a:lnRef idx="1">
+            <a:schemeClr val="accent6"/>
+          </a:lnRef>
+          <a:fillRef idx="2">
+            <a:schemeClr val="accent6"/>
+          </a:fillRef>
+          <a:effectRef idx="1">
+            <a:schemeClr val="accent6"/>
+          </a:effectRef>
+          <a:fontRef idx="minor">
+            <a:schemeClr val="dk1"/>
+          </a:fontRef>
+        </p:style>
+        <p:txBody>
+          <a:bodyPr rtlCol="0" anchor="ctr"/>
+          <a:lstStyle/>
+          <a:p>
+            <a:pPr algn="ctr"/>
+            <a:r>
+              <a:rPr lang="zh-CN" altLang="en-US" dirty="0"/>
+              <a:t>超时推送</a:t>
+            </a:r>
+            <a:r>
+              <a:rPr lang="en-US" altLang="zh-CN" dirty="0"/>
+              <a:t>: </a:t>
+            </a:r>
+            <a:r>
+              <a:rPr lang="zh-CN" altLang="en-US" dirty="0"/>
+              <a:t>流程相关者</a:t>
+            </a:r>
+            <a:r>
+              <a:rPr lang="en-US" altLang="zh-CN" dirty="0"/>
+              <a:t>&amp;</a:t>
+            </a:r>
+            <a:r>
+              <a:rPr lang="zh-CN" altLang="en-US" dirty="0"/>
+              <a:t>关注者</a:t>
+            </a:r>
+            <a:endParaRPr lang="en-US" dirty="0"/>
+          </a:p>
+        </p:txBody>
+      </p:sp>
+      <p:sp>
+        <p:nvSpPr>
+          <p:cNvPr id="36" name="Rectangle: Rounded Corners 35"/>
+          <p:cNvSpPr/>
+          <p:nvPr/>
+        </p:nvSpPr>
+        <p:spPr>
+          <a:xfrm>
+            <a:off x="3975304" y="1041301"/>
+            <a:ext cx="1581916" cy="839449"/>
+          </a:xfrm>
+          <a:prstGeom prst="roundRect">
+            <a:avLst/>
+          </a:prstGeom>
+        </p:spPr>
+        <p:style>
+          <a:lnRef idx="2">
+            <a:schemeClr val="accent1">
+              <a:shade val="50000"/>
+            </a:schemeClr>
+          </a:lnRef>
+          <a:fillRef idx="1">
+            <a:schemeClr val="accent1"/>
+          </a:fillRef>
+          <a:effectRef idx="0">
+            <a:schemeClr val="accent1"/>
+          </a:effectRef>
+          <a:fontRef idx="minor">
+            <a:schemeClr val="lt1"/>
+          </a:fontRef>
+        </p:style>
+        <p:txBody>
+          <a:bodyPr rtlCol="0" anchor="ctr"/>
+          <a:lstStyle/>
+          <a:p>
+            <a:pPr algn="ctr"/>
+            <a:r>
+              <a:rPr lang="en-US" dirty="0"/>
+              <a:t>Per</a:t>
+            </a:r>
+            <a:r>
+              <a:rPr lang="zh-CN" altLang="en-US" dirty="0"/>
+              <a:t>资产</a:t>
+            </a:r>
+            <a:r>
+              <a:rPr lang="en-US" altLang="zh-CN" dirty="0"/>
+              <a:t>Mark “</a:t>
+            </a:r>
+            <a:r>
+              <a:rPr lang="zh-CN" altLang="en-US" dirty="0"/>
+              <a:t>专人派工</a:t>
+            </a:r>
+            <a:r>
+              <a:rPr lang="en-US" altLang="zh-CN" dirty="0"/>
+              <a:t>”</a:t>
+            </a:r>
+            <a:r>
+              <a:rPr lang="zh-CN" altLang="en-US" dirty="0"/>
+              <a:t> 模式</a:t>
+            </a:r>
+            <a:endParaRPr lang="en-US" dirty="0"/>
+          </a:p>
+        </p:txBody>
+      </p:sp>
+      <p:sp>
+        <p:nvSpPr>
+          <p:cNvPr id="39" name="Rectangle: Rounded Corners 38"/>
+          <p:cNvSpPr/>
+          <p:nvPr/>
+        </p:nvSpPr>
+        <p:spPr>
+          <a:xfrm>
+            <a:off x="1262683" y="1041301"/>
+            <a:ext cx="1867465" cy="839449"/>
+          </a:xfrm>
+          <a:prstGeom prst="roundRect">
+            <a:avLst/>
+          </a:prstGeom>
+        </p:spPr>
+        <p:style>
+          <a:lnRef idx="2">
+            <a:schemeClr val="accent1">
+              <a:shade val="50000"/>
+            </a:schemeClr>
+          </a:lnRef>
+          <a:fillRef idx="1">
+            <a:schemeClr val="accent1"/>
+          </a:fillRef>
+          <a:effectRef idx="0">
+            <a:schemeClr val="accent1"/>
+          </a:effectRef>
+          <a:fontRef idx="minor">
+            <a:schemeClr val="lt1"/>
+          </a:fontRef>
+        </p:style>
+        <p:txBody>
+          <a:bodyPr rtlCol="0" anchor="ctr"/>
+          <a:lstStyle/>
+          <a:p>
+            <a:pPr algn="ctr"/>
+            <a:r>
+              <a:rPr lang="en-US" dirty="0"/>
+              <a:t>Per </a:t>
+            </a:r>
+            <a:r>
+              <a:rPr lang="en-US" altLang="zh-CN" dirty="0"/>
+              <a:t>Hospital</a:t>
+            </a:r>
+            <a:r>
+              <a:rPr lang="zh-CN" altLang="en-US" dirty="0"/>
+              <a:t>设置</a:t>
+            </a:r>
+            <a:r>
+              <a:rPr lang="en-US" altLang="zh-CN" dirty="0"/>
+              <a:t>”</a:t>
+            </a:r>
+            <a:r>
+              <a:rPr lang="zh-CN" altLang="en-US" dirty="0"/>
+              <a:t>专人派工</a:t>
+            </a:r>
+            <a:r>
+              <a:rPr lang="en-US" altLang="zh-CN" dirty="0"/>
+              <a:t>”</a:t>
+            </a:r>
+            <a:r>
+              <a:rPr lang="zh-CN" altLang="en-US" dirty="0"/>
+              <a:t>模式</a:t>
+            </a:r>
+            <a:endParaRPr lang="en-US" dirty="0"/>
+          </a:p>
+        </p:txBody>
+      </p:sp>
+      <p:sp>
+        <p:nvSpPr>
+          <p:cNvPr id="55" name="Oval 54"/>
+          <p:cNvSpPr/>
+          <p:nvPr/>
+        </p:nvSpPr>
+        <p:spPr>
+          <a:xfrm>
+            <a:off x="6352538" y="1282644"/>
+            <a:ext cx="336932" cy="356761"/>
+          </a:xfrm>
+          <a:prstGeom prst="ellipse">
+            <a:avLst/>
+          </a:prstGeom>
+        </p:spPr>
+        <p:style>
+          <a:lnRef idx="3">
+            <a:schemeClr val="lt1"/>
+          </a:lnRef>
+          <a:fillRef idx="1">
+            <a:schemeClr val="dk1"/>
+          </a:fillRef>
+          <a:effectRef idx="1">
+            <a:schemeClr val="dk1"/>
+          </a:effectRef>
+          <a:fontRef idx="minor">
+            <a:schemeClr val="lt1"/>
+          </a:fontRef>
+        </p:style>
+        <p:txBody>
+          <a:bodyPr rtlCol="0" anchor="ctr"/>
+          <a:lstStyle/>
+          <a:p>
+            <a:pPr algn="ctr"/>
+            <a:endParaRPr lang="en-US"/>
+          </a:p>
+        </p:txBody>
+      </p:sp>
+      <p:cxnSp>
+        <p:nvCxnSpPr>
+          <p:cNvPr id="56" name="Connector: Elbow 55"/>
+          <p:cNvCxnSpPr>
+            <a:stCxn id="36" idx="3"/>
+            <a:endCxn id="55" idx="2"/>
+          </p:cNvCxnSpPr>
+          <p:nvPr/>
+        </p:nvCxnSpPr>
+        <p:spPr>
+          <a:xfrm flipV="1">
+            <a:off x="5557220" y="1461025"/>
+            <a:ext cx="795318" cy="1"/>
+          </a:xfrm>
+          <a:prstGeom prst="bentConnector3">
+            <a:avLst>
+              <a:gd name="adj1" fmla="val 50000"/>
+            </a:avLst>
+          </a:prstGeom>
+          <a:ln>
+            <a:tailEnd type="triangle"/>
+          </a:ln>
+        </p:spPr>
+        <p:style>
+          <a:lnRef idx="1">
+            <a:schemeClr val="accent1"/>
+          </a:lnRef>
+          <a:fillRef idx="0">
+            <a:schemeClr val="accent1"/>
+          </a:fillRef>
+          <a:effectRef idx="0">
+            <a:schemeClr val="accent1"/>
+          </a:effectRef>
+          <a:fontRef idx="minor">
+            <a:schemeClr val="tx1"/>
+          </a:fontRef>
+        </p:style>
+      </p:cxnSp>
+      <p:sp>
+        <p:nvSpPr>
+          <p:cNvPr id="59" name="Rectangle: Rounded Corners 58"/>
+          <p:cNvSpPr/>
+          <p:nvPr/>
+        </p:nvSpPr>
+        <p:spPr>
+          <a:xfrm>
+            <a:off x="1205273" y="3306798"/>
+            <a:ext cx="1298887" cy="839449"/>
+          </a:xfrm>
+          <a:prstGeom prst="roundRect">
+            <a:avLst/>
+          </a:prstGeom>
+        </p:spPr>
+        <p:style>
+          <a:lnRef idx="2">
+            <a:schemeClr val="accent1">
+              <a:shade val="50000"/>
+            </a:schemeClr>
+          </a:lnRef>
+          <a:fillRef idx="1">
+            <a:schemeClr val="accent1"/>
+          </a:fillRef>
+          <a:effectRef idx="0">
+            <a:schemeClr val="accent1"/>
+          </a:effectRef>
+          <a:fontRef idx="minor">
+            <a:schemeClr val="lt1"/>
+          </a:fontRef>
+        </p:style>
+        <p:txBody>
+          <a:bodyPr rtlCol="0" anchor="ctr"/>
+          <a:lstStyle/>
+          <a:p>
+            <a:pPr algn="ctr"/>
+            <a:r>
+              <a:rPr lang="zh-CN" altLang="en-US" dirty="0"/>
+              <a:t>手动派工到工程师</a:t>
+            </a:r>
+            <a:endParaRPr lang="en-US" dirty="0"/>
+          </a:p>
+        </p:txBody>
+      </p:sp>
+      <p:sp>
+        <p:nvSpPr>
+          <p:cNvPr id="60" name="Rectangle: Rounded Corners 59"/>
+          <p:cNvSpPr/>
+          <p:nvPr/>
+        </p:nvSpPr>
+        <p:spPr>
+          <a:xfrm>
+            <a:off x="3749114" y="3306796"/>
+            <a:ext cx="1312247" cy="839449"/>
+          </a:xfrm>
+          <a:prstGeom prst="roundRect">
+            <a:avLst/>
+          </a:prstGeom>
+        </p:spPr>
+        <p:style>
+          <a:lnRef idx="2">
+            <a:schemeClr val="accent1">
+              <a:shade val="50000"/>
+            </a:schemeClr>
+          </a:lnRef>
+          <a:fillRef idx="1">
+            <a:schemeClr val="accent1"/>
+          </a:fillRef>
+          <a:effectRef idx="0">
+            <a:schemeClr val="accent1"/>
+          </a:effectRef>
+          <a:fontRef idx="minor">
+            <a:schemeClr val="lt1"/>
+          </a:fontRef>
+        </p:style>
+        <p:txBody>
+          <a:bodyPr rtlCol="0" anchor="ctr"/>
+          <a:lstStyle/>
+          <a:p>
+            <a:pPr algn="ctr"/>
+            <a:r>
+              <a:rPr lang="zh-CN" altLang="en-US" dirty="0"/>
+              <a:t>工程师</a:t>
+            </a:r>
+            <a:endParaRPr lang="en-US" altLang="zh-CN" dirty="0"/>
+          </a:p>
+          <a:p>
+            <a:pPr algn="ctr"/>
+            <a:r>
+              <a:rPr lang="zh-CN" altLang="en-US"/>
+              <a:t>领</a:t>
+            </a:r>
+            <a:r>
+              <a:rPr lang="zh-CN" altLang="en-US" dirty="0"/>
+              <a:t>单</a:t>
+            </a:r>
+            <a:endParaRPr lang="en-US" dirty="0"/>
+          </a:p>
+        </p:txBody>
+      </p:sp>
+      <p:cxnSp>
+        <p:nvCxnSpPr>
+          <p:cNvPr id="61" name="Connector: Elbow 60"/>
+          <p:cNvCxnSpPr>
+            <a:stCxn id="59" idx="3"/>
+            <a:endCxn id="60" idx="1"/>
+          </p:cNvCxnSpPr>
+          <p:nvPr/>
+        </p:nvCxnSpPr>
+        <p:spPr>
+          <a:xfrm flipV="1">
+            <a:off x="2504160" y="3726521"/>
+            <a:ext cx="1244954" cy="2"/>
+          </a:xfrm>
+          <a:prstGeom prst="bentConnector3">
+            <a:avLst>
+              <a:gd name="adj1" fmla="val 50000"/>
+            </a:avLst>
+          </a:prstGeom>
+          <a:ln>
+            <a:tailEnd type="triangle"/>
+          </a:ln>
+        </p:spPr>
+        <p:style>
+          <a:lnRef idx="1">
+            <a:schemeClr val="accent1"/>
+          </a:lnRef>
+          <a:fillRef idx="0">
+            <a:schemeClr val="accent1"/>
+          </a:fillRef>
+          <a:effectRef idx="0">
+            <a:schemeClr val="accent1"/>
+          </a:effectRef>
+          <a:fontRef idx="minor">
+            <a:schemeClr val="tx1"/>
+          </a:fontRef>
+        </p:style>
+      </p:cxnSp>
+      <p:sp>
+        <p:nvSpPr>
+          <p:cNvPr id="87" name="Rectangle: Rounded Corners 86"/>
+          <p:cNvSpPr/>
+          <p:nvPr/>
+        </p:nvSpPr>
+        <p:spPr>
+          <a:xfrm>
+            <a:off x="8649157" y="1061152"/>
+            <a:ext cx="1754017" cy="839449"/>
+          </a:xfrm>
+          <a:prstGeom prst="roundRect">
+            <a:avLst/>
+          </a:prstGeom>
+        </p:spPr>
+        <p:style>
+          <a:lnRef idx="2">
+            <a:schemeClr val="accent1">
+              <a:shade val="50000"/>
+            </a:schemeClr>
+          </a:lnRef>
+          <a:fillRef idx="1">
+            <a:schemeClr val="accent1"/>
+          </a:fillRef>
+          <a:effectRef idx="0">
+            <a:schemeClr val="accent1"/>
+          </a:effectRef>
+          <a:fontRef idx="minor">
+            <a:schemeClr val="lt1"/>
+          </a:fontRef>
+        </p:style>
+        <p:txBody>
+          <a:bodyPr rtlCol="0" anchor="ctr"/>
+          <a:lstStyle/>
+          <a:p>
+            <a:pPr algn="ctr"/>
+            <a:r>
+              <a:rPr lang="en-US" altLang="zh-CN" dirty="0"/>
+              <a:t>Per Hospital</a:t>
+            </a:r>
+          </a:p>
+          <a:p>
+            <a:pPr algn="ctr"/>
+            <a:r>
+              <a:rPr lang="zh-CN" altLang="en-US" dirty="0"/>
+              <a:t>设置派工人</a:t>
+            </a:r>
+            <a:endParaRPr lang="en-US" dirty="0"/>
+          </a:p>
+        </p:txBody>
+      </p:sp>
+      <p:sp>
+        <p:nvSpPr>
+          <p:cNvPr id="88" name="Parallelogram 87"/>
+          <p:cNvSpPr/>
+          <p:nvPr/>
+        </p:nvSpPr>
+        <p:spPr>
+          <a:xfrm>
+            <a:off x="7050935" y="3381457"/>
+            <a:ext cx="1218162" cy="690126"/>
+          </a:xfrm>
+          <a:prstGeom prst="parallelogram">
+            <a:avLst/>
+          </a:prstGeom>
+        </p:spPr>
+        <p:style>
+          <a:lnRef idx="1">
+            <a:schemeClr val="accent3"/>
+          </a:lnRef>
+          <a:fillRef idx="2">
+            <a:schemeClr val="accent3"/>
+          </a:fillRef>
+          <a:effectRef idx="1">
+            <a:schemeClr val="accent3"/>
+          </a:effectRef>
+          <a:fontRef idx="minor">
+            <a:schemeClr val="dk1"/>
+          </a:fontRef>
+        </p:style>
+        <p:txBody>
+          <a:bodyPr rtlCol="0" anchor="ctr"/>
+          <a:lstStyle/>
+          <a:p>
+            <a:pPr algn="ctr"/>
+            <a:r>
+              <a:rPr lang="zh-CN" altLang="en-US" dirty="0"/>
+              <a:t>后续</a:t>
+            </a:r>
+            <a:endParaRPr lang="en-US" altLang="zh-CN" dirty="0"/>
+          </a:p>
+          <a:p>
+            <a:pPr algn="ctr"/>
+            <a:r>
+              <a:rPr lang="zh-CN" altLang="en-US" dirty="0"/>
+              <a:t>流程</a:t>
+            </a:r>
+            <a:endParaRPr lang="en-US" dirty="0"/>
+          </a:p>
+        </p:txBody>
+      </p:sp>
+      <p:cxnSp>
+        <p:nvCxnSpPr>
+          <p:cNvPr id="25" name="Connector: Elbow 24"/>
+          <p:cNvCxnSpPr>
+            <a:stCxn id="60" idx="2"/>
+            <a:endCxn id="59" idx="2"/>
+          </p:cNvCxnSpPr>
+          <p:nvPr/>
+        </p:nvCxnSpPr>
+        <p:spPr>
+          <a:xfrm rot="5400000">
+            <a:off x="3129977" y="2870986"/>
+            <a:ext cx="2" cy="2550521"/>
+          </a:xfrm>
+          <a:prstGeom prst="bentConnector3">
+            <a:avLst>
+              <a:gd name="adj1" fmla="val 11430100000"/>
+            </a:avLst>
+          </a:prstGeom>
+          <a:ln w="9525" cap="flat" cmpd="sng" algn="ctr">
+            <a:solidFill>
+              <a:srgbClr val="FF0000"/>
+            </a:solidFill>
+            <a:prstDash val="dash"/>
+            <a:round/>
+            <a:headEnd type="none" w="med" len="med"/>
+            <a:tailEnd type="stealth" w="med" len="med"/>
+          </a:ln>
+        </p:spPr>
+        <p:style>
+          <a:lnRef idx="0">
+            <a:scrgbClr r="0" g="0" b="0"/>
+          </a:lnRef>
+          <a:fillRef idx="0">
+            <a:scrgbClr r="0" g="0" b="0"/>
+          </a:fillRef>
+          <a:effectRef idx="0">
+            <a:scrgbClr r="0" g="0" b="0"/>
+          </a:effectRef>
+          <a:fontRef idx="minor">
+            <a:schemeClr val="tx1"/>
+          </a:fontRef>
+        </p:style>
+      </p:cxnSp>
+      <p:cxnSp>
+        <p:nvCxnSpPr>
+          <p:cNvPr id="50" name="Connector: Elbow 49"/>
+          <p:cNvCxnSpPr>
+            <a:stCxn id="60" idx="0"/>
+            <a:endCxn id="73" idx="1"/>
+          </p:cNvCxnSpPr>
+          <p:nvPr/>
+        </p:nvCxnSpPr>
+        <p:spPr>
+          <a:xfrm rot="5400000" flipH="1" flipV="1">
+            <a:off x="4516717" y="2702083"/>
+            <a:ext cx="493235" cy="716192"/>
+          </a:xfrm>
+          <a:prstGeom prst="bentConnector2">
+            <a:avLst/>
+          </a:prstGeom>
+          <a:ln w="9525" cap="flat" cmpd="sng" algn="ctr">
+            <a:solidFill>
+              <a:schemeClr val="accent6"/>
+            </a:solidFill>
+            <a:prstDash val="dash"/>
+            <a:round/>
+            <a:headEnd type="none" w="med" len="med"/>
+            <a:tailEnd type="arrow" w="med" len="med"/>
+          </a:ln>
+        </p:spPr>
+        <p:style>
+          <a:lnRef idx="0">
+            <a:scrgbClr r="0" g="0" b="0"/>
+          </a:lnRef>
+          <a:fillRef idx="0">
+            <a:scrgbClr r="0" g="0" b="0"/>
+          </a:fillRef>
+          <a:effectRef idx="0">
+            <a:scrgbClr r="0" g="0" b="0"/>
+          </a:effectRef>
+          <a:fontRef idx="minor">
+            <a:schemeClr val="tx1"/>
+          </a:fontRef>
+        </p:style>
+      </p:cxnSp>
+      <p:sp>
+        <p:nvSpPr>
+          <p:cNvPr id="69" name="Oval 68"/>
+          <p:cNvSpPr/>
+          <p:nvPr/>
+        </p:nvSpPr>
+        <p:spPr>
+          <a:xfrm>
+            <a:off x="11334105" y="1297634"/>
+            <a:ext cx="336932" cy="356761"/>
+          </a:xfrm>
+          <a:prstGeom prst="ellipse">
+            <a:avLst/>
+          </a:prstGeom>
+        </p:spPr>
+        <p:style>
+          <a:lnRef idx="3">
+            <a:schemeClr val="lt1"/>
+          </a:lnRef>
+          <a:fillRef idx="1">
+            <a:schemeClr val="dk1"/>
+          </a:fillRef>
+          <a:effectRef idx="1">
+            <a:schemeClr val="dk1"/>
+          </a:effectRef>
+          <a:fontRef idx="minor">
+            <a:schemeClr val="lt1"/>
+          </a:fontRef>
+        </p:style>
+        <p:txBody>
+          <a:bodyPr rtlCol="0" anchor="ctr"/>
+          <a:lstStyle/>
+          <a:p>
+            <a:pPr algn="ctr"/>
+            <a:endParaRPr lang="en-US"/>
+          </a:p>
+        </p:txBody>
+      </p:sp>
+      <p:cxnSp>
+        <p:nvCxnSpPr>
+          <p:cNvPr id="70" name="Connector: Elbow 69"/>
+          <p:cNvCxnSpPr>
+            <a:stCxn id="87" idx="3"/>
+            <a:endCxn id="69" idx="2"/>
+          </p:cNvCxnSpPr>
+          <p:nvPr/>
+        </p:nvCxnSpPr>
+        <p:spPr>
+          <a:xfrm flipV="1">
+            <a:off x="10403174" y="1476015"/>
+            <a:ext cx="930931" cy="4862"/>
+          </a:xfrm>
+          <a:prstGeom prst="bentConnector3">
+            <a:avLst>
+              <a:gd name="adj1" fmla="val 50000"/>
+            </a:avLst>
+          </a:prstGeom>
+          <a:ln>
+            <a:tailEnd type="triangle"/>
+          </a:ln>
+        </p:spPr>
+        <p:style>
+          <a:lnRef idx="1">
+            <a:schemeClr val="accent1"/>
+          </a:lnRef>
+          <a:fillRef idx="0">
+            <a:schemeClr val="accent1"/>
+          </a:fillRef>
+          <a:effectRef idx="0">
+            <a:schemeClr val="accent1"/>
+          </a:effectRef>
+          <a:fontRef idx="minor">
+            <a:schemeClr val="tx1"/>
+          </a:fontRef>
+        </p:style>
+      </p:cxnSp>
+      <p:sp>
+        <p:nvSpPr>
+          <p:cNvPr id="2" name="Rectangle 1"/>
+          <p:cNvSpPr/>
+          <p:nvPr/>
+        </p:nvSpPr>
+        <p:spPr>
+          <a:xfrm>
+            <a:off x="2250978" y="4344840"/>
+            <a:ext cx="1338828" cy="369332"/>
+          </a:xfrm>
+          <a:prstGeom prst="rect">
+            <a:avLst/>
+          </a:prstGeom>
+        </p:spPr>
+        <p:txBody>
+          <a:bodyPr wrap="none">
+            <a:spAutoFit/>
+          </a:bodyPr>
+          <a:lstStyle/>
+          <a:p>
+            <a:r>
+              <a:rPr lang="zh-CN" altLang="en-US" dirty="0"/>
+              <a:t>超时则退回</a:t>
+            </a:r>
+            <a:endParaRPr lang="en-US" altLang="zh-CN" dirty="0"/>
+          </a:p>
+        </p:txBody>
+      </p:sp>
+      <p:cxnSp>
+        <p:nvCxnSpPr>
+          <p:cNvPr id="24" name="Straight Arrow Connector 23"/>
+          <p:cNvCxnSpPr/>
+          <p:nvPr/>
+        </p:nvCxnSpPr>
+        <p:spPr>
+          <a:xfrm>
+            <a:off x="687651" y="3726520"/>
+            <a:ext cx="493652" cy="0"/>
+          </a:xfrm>
+          <a:prstGeom prst="straightConnector1">
+            <a:avLst/>
+          </a:prstGeom>
+          <a:ln>
+            <a:tailEnd type="triangle"/>
+          </a:ln>
+        </p:spPr>
+        <p:style>
+          <a:lnRef idx="1">
+            <a:schemeClr val="accent1"/>
+          </a:lnRef>
+          <a:fillRef idx="0">
+            <a:schemeClr val="accent1"/>
+          </a:fillRef>
+          <a:effectRef idx="0">
+            <a:schemeClr val="accent1"/>
+          </a:effectRef>
+          <a:fontRef idx="minor">
+            <a:schemeClr val="tx1"/>
+          </a:fontRef>
+        </p:style>
+      </p:cxnSp>
+      <p:cxnSp>
+        <p:nvCxnSpPr>
+          <p:cNvPr id="26" name="Straight Arrow Connector 25"/>
+          <p:cNvCxnSpPr/>
+          <p:nvPr/>
+        </p:nvCxnSpPr>
+        <p:spPr>
+          <a:xfrm>
+            <a:off x="745061" y="1461025"/>
+            <a:ext cx="493652" cy="0"/>
+          </a:xfrm>
+          <a:prstGeom prst="straightConnector1">
+            <a:avLst/>
+          </a:prstGeom>
+          <a:ln>
+            <a:tailEnd type="triangle"/>
+          </a:ln>
+        </p:spPr>
+        <p:style>
+          <a:lnRef idx="1">
+            <a:schemeClr val="accent1"/>
+          </a:lnRef>
+          <a:fillRef idx="0">
+            <a:schemeClr val="accent1"/>
+          </a:fillRef>
+          <a:effectRef idx="0">
+            <a:schemeClr val="accent1"/>
+          </a:effectRef>
+          <a:fontRef idx="minor">
+            <a:schemeClr val="tx1"/>
+          </a:fontRef>
+        </p:style>
+      </p:cxnSp>
+      <p:cxnSp>
+        <p:nvCxnSpPr>
+          <p:cNvPr id="27" name="Straight Arrow Connector 26"/>
+          <p:cNvCxnSpPr>
+            <a:endCxn id="87" idx="1"/>
+          </p:cNvCxnSpPr>
+          <p:nvPr/>
+        </p:nvCxnSpPr>
+        <p:spPr>
+          <a:xfrm>
+            <a:off x="8269097" y="1476015"/>
+            <a:ext cx="380060" cy="4862"/>
+          </a:xfrm>
+          <a:prstGeom prst="straightConnector1">
+            <a:avLst/>
+          </a:prstGeom>
+          <a:ln>
+            <a:tailEnd type="triangle"/>
+          </a:ln>
+        </p:spPr>
+        <p:style>
+          <a:lnRef idx="1">
+            <a:schemeClr val="accent1"/>
+          </a:lnRef>
+          <a:fillRef idx="0">
+            <a:schemeClr val="accent1"/>
+          </a:fillRef>
+          <a:effectRef idx="0">
+            <a:schemeClr val="accent1"/>
+          </a:effectRef>
+          <a:fontRef idx="minor">
+            <a:schemeClr val="tx1"/>
+          </a:fontRef>
+        </p:style>
+      </p:cxnSp>
+    </p:spTree>
+    <p:extLst>
+      <p:ext uri="{BB962C8B-B14F-4D97-AF65-F5344CB8AC3E}">
+        <p14:creationId xmlns:p14="http://schemas.microsoft.com/office/powerpoint/2010/main" val="2761342033"/>
+      </p:ext>
+    </p:extLst>
+  </p:cSld>
+  <p:clrMapOvr>
+    <a:masterClrMapping/>
+  </p:clrMapOvr>
+</p:sld>
+</file>
+
+<file path=ppt/slides/slide6.xml><?xml version="1.0" encoding="utf-8"?>
+<p:sld xmlns:a="http://schemas.openxmlformats.org/drawingml/2006/main" xmlns:r="http://schemas.openxmlformats.org/officeDocument/2006/relationships" xmlns:p="http://schemas.openxmlformats.org/presentationml/2006/main">
+  <p:cSld>
+    <p:spTree>
+      <p:nvGrpSpPr>
+        <p:cNvPr id="1" name=""/>
+        <p:cNvGrpSpPr/>
+        <p:nvPr/>
+      </p:nvGrpSpPr>
+      <p:grpSpPr>
+        <a:xfrm>
+          <a:off x="0" y="0"/>
+          <a:ext cx="0" cy="0"/>
+          <a:chOff x="0" y="0"/>
+          <a:chExt cx="0" cy="0"/>
+        </a:xfrm>
+      </p:grpSpPr>
+      <p:sp>
+        <p:nvSpPr>
+          <p:cNvPr id="2" name="Rectangle: Rounded Corners 1"/>
+          <p:cNvSpPr/>
+          <p:nvPr/>
+        </p:nvSpPr>
+        <p:spPr>
+          <a:xfrm>
+            <a:off x="3632772" y="1041301"/>
+            <a:ext cx="1079292" cy="839449"/>
+          </a:xfrm>
+          <a:prstGeom prst="roundRect">
+            <a:avLst/>
+          </a:prstGeom>
+        </p:spPr>
+        <p:style>
+          <a:lnRef idx="2">
+            <a:schemeClr val="accent1">
+              <a:shade val="50000"/>
+            </a:schemeClr>
+          </a:lnRef>
+          <a:fillRef idx="1">
+            <a:schemeClr val="accent1"/>
+          </a:fillRef>
+          <a:effectRef idx="0">
+            <a:schemeClr val="accent1"/>
+          </a:effectRef>
+          <a:fontRef idx="minor">
+            <a:schemeClr val="lt1"/>
+          </a:fontRef>
+        </p:style>
+        <p:txBody>
+          <a:bodyPr rtlCol="0" anchor="ctr"/>
+          <a:lstStyle/>
+          <a:p>
+            <a:pPr algn="ctr"/>
+            <a:r>
+              <a:rPr lang="en-US" dirty="0"/>
+              <a:t>Per</a:t>
+            </a:r>
+            <a:r>
+              <a:rPr lang="zh-CN" altLang="en-US" dirty="0"/>
+              <a:t>资产设置责任人</a:t>
+            </a:r>
+            <a:r>
+              <a:rPr lang="en-US" altLang="zh-CN" dirty="0"/>
+              <a:t>A/B</a:t>
+            </a:r>
+            <a:endParaRPr lang="en-US" dirty="0"/>
+          </a:p>
+        </p:txBody>
+      </p:sp>
+      <p:sp>
+        <p:nvSpPr>
+          <p:cNvPr id="3" name="Rectangle 2"/>
+          <p:cNvSpPr/>
+          <p:nvPr/>
+        </p:nvSpPr>
+        <p:spPr>
+          <a:xfrm>
+            <a:off x="0" y="219254"/>
+            <a:ext cx="4753224" cy="461665"/>
+          </a:xfrm>
+          <a:prstGeom prst="rect">
+            <a:avLst/>
+          </a:prstGeom>
+        </p:spPr>
+        <p:txBody>
+          <a:bodyPr wrap="none">
+            <a:spAutoFit/>
+          </a:bodyPr>
+          <a:lstStyle/>
+          <a:p>
+            <a:r>
+              <a:rPr lang="zh-CN" altLang="en-US" sz="2400" b="1" dirty="0"/>
+              <a:t>自动派工 </a:t>
+            </a:r>
+            <a:r>
+              <a:rPr lang="en-US" altLang="zh-CN" sz="2400" b="1" dirty="0"/>
+              <a:t>&amp; </a:t>
+            </a:r>
+            <a:r>
+              <a:rPr lang="zh-CN" altLang="en-US" sz="2400" b="1" dirty="0"/>
+              <a:t>领单</a:t>
+            </a:r>
+            <a:r>
+              <a:rPr lang="en-US" altLang="zh-CN" sz="2400" b="1" dirty="0"/>
+              <a:t>(</a:t>
+            </a:r>
+            <a:r>
+              <a:rPr lang="zh-CN" altLang="en-US" sz="2400" b="1" dirty="0"/>
+              <a:t>内部维修工程师</a:t>
+            </a:r>
+            <a:r>
+              <a:rPr lang="en-US" altLang="zh-CN" sz="2400" b="1" dirty="0"/>
+              <a:t>)</a:t>
+            </a:r>
+            <a:endParaRPr lang="en-US" sz="2400" b="1" dirty="0"/>
+          </a:p>
+        </p:txBody>
+      </p:sp>
+      <p:cxnSp>
+        <p:nvCxnSpPr>
+          <p:cNvPr id="6" name="Straight Connector 5"/>
+          <p:cNvCxnSpPr/>
+          <p:nvPr/>
+        </p:nvCxnSpPr>
+        <p:spPr>
+          <a:xfrm>
+            <a:off x="282027" y="2320325"/>
+            <a:ext cx="11782205" cy="0"/>
+          </a:xfrm>
+          <a:prstGeom prst="line">
+            <a:avLst/>
+          </a:prstGeom>
+          <a:ln w="9525" cap="flat" cmpd="sng" algn="ctr">
+            <a:solidFill>
+              <a:schemeClr val="dk1"/>
+            </a:solidFill>
+            <a:prstDash val="dash"/>
+            <a:round/>
+            <a:headEnd type="none" w="med" len="med"/>
+            <a:tailEnd type="none" w="med" len="med"/>
+          </a:ln>
+        </p:spPr>
+        <p:style>
+          <a:lnRef idx="0">
+            <a:scrgbClr r="0" g="0" b="0"/>
+          </a:lnRef>
+          <a:fillRef idx="0">
+            <a:scrgbClr r="0" g="0" b="0"/>
+          </a:fillRef>
+          <a:effectRef idx="0">
+            <a:scrgbClr r="0" g="0" b="0"/>
+          </a:effectRef>
+          <a:fontRef idx="minor">
+            <a:schemeClr val="tx1"/>
+          </a:fontRef>
+        </p:style>
+      </p:cxnSp>
+      <p:sp>
+        <p:nvSpPr>
+          <p:cNvPr id="9" name="Rectangle 8"/>
+          <p:cNvSpPr/>
+          <p:nvPr/>
+        </p:nvSpPr>
+        <p:spPr>
+          <a:xfrm>
+            <a:off x="137513" y="1041301"/>
+            <a:ext cx="854374" cy="923330"/>
+          </a:xfrm>
+          <a:prstGeom prst="rect">
+            <a:avLst/>
+          </a:prstGeom>
+        </p:spPr>
+        <p:txBody>
+          <a:bodyPr wrap="square">
+            <a:spAutoFit/>
+          </a:bodyPr>
+          <a:lstStyle/>
+          <a:p>
+            <a:r>
+              <a:rPr lang="en-US" altLang="zh-CN" dirty="0"/>
+              <a:t>PC</a:t>
+            </a:r>
+            <a:r>
+              <a:rPr lang="zh-CN" altLang="en-US" dirty="0"/>
+              <a:t>后台配置</a:t>
+            </a:r>
+            <a:endParaRPr lang="en-US" dirty="0"/>
+          </a:p>
+        </p:txBody>
+      </p:sp>
+      <p:sp>
+        <p:nvSpPr>
+          <p:cNvPr id="18" name="Rectangle 17"/>
+          <p:cNvSpPr/>
+          <p:nvPr/>
+        </p:nvSpPr>
+        <p:spPr>
+          <a:xfrm>
+            <a:off x="80103" y="3469486"/>
+            <a:ext cx="854374" cy="646331"/>
+          </a:xfrm>
+          <a:prstGeom prst="rect">
+            <a:avLst/>
+          </a:prstGeom>
+        </p:spPr>
+        <p:txBody>
+          <a:bodyPr wrap="square">
+            <a:spAutoFit/>
+          </a:bodyPr>
+          <a:lstStyle/>
+          <a:p>
+            <a:r>
+              <a:rPr lang="zh-CN" altLang="en-US" dirty="0"/>
               <a:t>自动派工</a:t>
             </a:r>
             <a:endParaRPr lang="en-US" dirty="0"/>
@@ -8917,10 +12787,2207 @@
           </a:fontRef>
         </p:style>
       </p:cxnSp>
+      <p:cxnSp>
+        <p:nvCxnSpPr>
+          <p:cNvPr id="38" name="Straight Arrow Connector 37"/>
+          <p:cNvCxnSpPr/>
+          <p:nvPr/>
+        </p:nvCxnSpPr>
+        <p:spPr>
+          <a:xfrm>
+            <a:off x="8269097" y="1476015"/>
+            <a:ext cx="380060" cy="4862"/>
+          </a:xfrm>
+          <a:prstGeom prst="straightConnector1">
+            <a:avLst/>
+          </a:prstGeom>
+          <a:ln>
+            <a:tailEnd type="triangle"/>
+          </a:ln>
+        </p:spPr>
+        <p:style>
+          <a:lnRef idx="1">
+            <a:schemeClr val="accent1"/>
+          </a:lnRef>
+          <a:fillRef idx="0">
+            <a:schemeClr val="accent1"/>
+          </a:fillRef>
+          <a:effectRef idx="0">
+            <a:schemeClr val="accent1"/>
+          </a:effectRef>
+          <a:fontRef idx="minor">
+            <a:schemeClr val="tx1"/>
+          </a:fontRef>
+        </p:style>
+      </p:cxnSp>
+      <p:cxnSp>
+        <p:nvCxnSpPr>
+          <p:cNvPr id="43" name="Straight Arrow Connector 42"/>
+          <p:cNvCxnSpPr/>
+          <p:nvPr/>
+        </p:nvCxnSpPr>
+        <p:spPr>
+          <a:xfrm>
+            <a:off x="882623" y="1430915"/>
+            <a:ext cx="380060" cy="4862"/>
+          </a:xfrm>
+          <a:prstGeom prst="straightConnector1">
+            <a:avLst/>
+          </a:prstGeom>
+          <a:ln>
+            <a:tailEnd type="triangle"/>
+          </a:ln>
+        </p:spPr>
+        <p:style>
+          <a:lnRef idx="1">
+            <a:schemeClr val="accent1"/>
+          </a:lnRef>
+          <a:fillRef idx="0">
+            <a:schemeClr val="accent1"/>
+          </a:fillRef>
+          <a:effectRef idx="0">
+            <a:schemeClr val="accent1"/>
+          </a:effectRef>
+          <a:fontRef idx="minor">
+            <a:schemeClr val="tx1"/>
+          </a:fontRef>
+        </p:style>
+      </p:cxnSp>
+      <p:cxnSp>
+        <p:nvCxnSpPr>
+          <p:cNvPr id="45" name="Straight Arrow Connector 44"/>
+          <p:cNvCxnSpPr/>
+          <p:nvPr/>
+        </p:nvCxnSpPr>
+        <p:spPr>
+          <a:xfrm>
+            <a:off x="804455" y="3757546"/>
+            <a:ext cx="380060" cy="4862"/>
+          </a:xfrm>
+          <a:prstGeom prst="straightConnector1">
+            <a:avLst/>
+          </a:prstGeom>
+          <a:ln>
+            <a:tailEnd type="triangle"/>
+          </a:ln>
+        </p:spPr>
+        <p:style>
+          <a:lnRef idx="1">
+            <a:schemeClr val="accent1"/>
+          </a:lnRef>
+          <a:fillRef idx="0">
+            <a:schemeClr val="accent1"/>
+          </a:fillRef>
+          <a:effectRef idx="0">
+            <a:schemeClr val="accent1"/>
+          </a:effectRef>
+          <a:fontRef idx="minor">
+            <a:schemeClr val="tx1"/>
+          </a:fontRef>
+        </p:style>
+      </p:cxnSp>
     </p:spTree>
     <p:extLst>
       <p:ext uri="{BB962C8B-B14F-4D97-AF65-F5344CB8AC3E}">
         <p14:creationId xmlns:p14="http://schemas.microsoft.com/office/powerpoint/2010/main" val="3114762233"/>
+      </p:ext>
+    </p:extLst>
+  </p:cSld>
+  <p:clrMapOvr>
+    <a:masterClrMapping/>
+  </p:clrMapOvr>
+</p:sld>
+</file>
+
+<file path=ppt/slides/slide7.xml><?xml version="1.0" encoding="utf-8"?>
+<p:sld xmlns:a="http://schemas.openxmlformats.org/drawingml/2006/main" xmlns:r="http://schemas.openxmlformats.org/officeDocument/2006/relationships" xmlns:p="http://schemas.openxmlformats.org/presentationml/2006/main">
+  <p:cSld>
+    <p:spTree>
+      <p:nvGrpSpPr>
+        <p:cNvPr id="1" name=""/>
+        <p:cNvGrpSpPr/>
+        <p:nvPr/>
+      </p:nvGrpSpPr>
+      <p:grpSpPr>
+        <a:xfrm>
+          <a:off x="0" y="0"/>
+          <a:ext cx="0" cy="0"/>
+          <a:chOff x="0" y="0"/>
+          <a:chExt cx="0" cy="0"/>
+        </a:xfrm>
+      </p:grpSpPr>
+      <p:sp>
+        <p:nvSpPr>
+          <p:cNvPr id="3" name="Rectangle 2"/>
+          <p:cNvSpPr/>
+          <p:nvPr/>
+        </p:nvSpPr>
+        <p:spPr>
+          <a:xfrm>
+            <a:off x="0" y="219254"/>
+            <a:ext cx="1404552" cy="461665"/>
+          </a:xfrm>
+          <a:prstGeom prst="rect">
+            <a:avLst/>
+          </a:prstGeom>
+        </p:spPr>
+        <p:txBody>
+          <a:bodyPr wrap="none">
+            <a:spAutoFit/>
+          </a:bodyPr>
+          <a:lstStyle/>
+          <a:p>
+            <a:r>
+              <a:rPr lang="zh-CN" altLang="en-US" sz="2400" b="1" dirty="0"/>
+              <a:t>派工到</a:t>
+            </a:r>
+            <a:r>
+              <a:rPr lang="en-US" altLang="zh-CN" sz="2400" b="1" dirty="0"/>
+              <a:t>FE</a:t>
+            </a:r>
+            <a:endParaRPr lang="en-US" sz="2400" b="1" dirty="0"/>
+          </a:p>
+        </p:txBody>
+      </p:sp>
+      <p:sp>
+        <p:nvSpPr>
+          <p:cNvPr id="18" name="Rectangle 17"/>
+          <p:cNvSpPr/>
+          <p:nvPr/>
+        </p:nvSpPr>
+        <p:spPr>
+          <a:xfrm>
+            <a:off x="0" y="3082372"/>
+            <a:ext cx="854374" cy="369332"/>
+          </a:xfrm>
+          <a:prstGeom prst="rect">
+            <a:avLst/>
+          </a:prstGeom>
+        </p:spPr>
+        <p:txBody>
+          <a:bodyPr wrap="square">
+            <a:spAutoFit/>
+          </a:bodyPr>
+          <a:lstStyle/>
+          <a:p>
+            <a:r>
+              <a:rPr lang="zh-CN" altLang="en-US" dirty="0"/>
+              <a:t>派工</a:t>
+            </a:r>
+            <a:endParaRPr lang="en-US" dirty="0"/>
+          </a:p>
+        </p:txBody>
+      </p:sp>
+      <p:cxnSp>
+        <p:nvCxnSpPr>
+          <p:cNvPr id="24" name="Straight Connector 23"/>
+          <p:cNvCxnSpPr/>
+          <p:nvPr/>
+        </p:nvCxnSpPr>
+        <p:spPr>
+          <a:xfrm>
+            <a:off x="144514" y="2632515"/>
+            <a:ext cx="11782205" cy="0"/>
+          </a:xfrm>
+          <a:prstGeom prst="line">
+            <a:avLst/>
+          </a:prstGeom>
+          <a:ln w="9525" cap="flat" cmpd="sng" algn="ctr">
+            <a:solidFill>
+              <a:schemeClr val="dk1"/>
+            </a:solidFill>
+            <a:prstDash val="dash"/>
+            <a:round/>
+            <a:headEnd type="none" w="med" len="med"/>
+            <a:tailEnd type="none" w="med" len="med"/>
+          </a:ln>
+        </p:spPr>
+        <p:style>
+          <a:lnRef idx="0">
+            <a:scrgbClr r="0" g="0" b="0"/>
+          </a:lnRef>
+          <a:fillRef idx="0">
+            <a:scrgbClr r="0" g="0" b="0"/>
+          </a:fillRef>
+          <a:effectRef idx="0">
+            <a:scrgbClr r="0" g="0" b="0"/>
+          </a:effectRef>
+          <a:fontRef idx="minor">
+            <a:schemeClr val="tx1"/>
+          </a:fontRef>
+        </p:style>
+      </p:cxnSp>
+      <p:sp>
+        <p:nvSpPr>
+          <p:cNvPr id="26" name="Rectangle 25"/>
+          <p:cNvSpPr/>
+          <p:nvPr/>
+        </p:nvSpPr>
+        <p:spPr>
+          <a:xfrm>
+            <a:off x="21253" y="1586826"/>
+            <a:ext cx="854374" cy="369332"/>
+          </a:xfrm>
+          <a:prstGeom prst="rect">
+            <a:avLst/>
+          </a:prstGeom>
+        </p:spPr>
+        <p:txBody>
+          <a:bodyPr wrap="square">
+            <a:spAutoFit/>
+          </a:bodyPr>
+          <a:lstStyle/>
+          <a:p>
+            <a:r>
+              <a:rPr lang="en-US" altLang="zh-CN" dirty="0"/>
+              <a:t>FE</a:t>
+            </a:r>
+            <a:endParaRPr lang="en-US" dirty="0"/>
+          </a:p>
+        </p:txBody>
+      </p:sp>
+      <p:sp>
+        <p:nvSpPr>
+          <p:cNvPr id="28" name="Parallelogram 27"/>
+          <p:cNvSpPr/>
+          <p:nvPr/>
+        </p:nvSpPr>
+        <p:spPr>
+          <a:xfrm>
+            <a:off x="1181564" y="1426429"/>
+            <a:ext cx="2209368" cy="690126"/>
+          </a:xfrm>
+          <a:prstGeom prst="parallelogram">
+            <a:avLst/>
+          </a:prstGeom>
+        </p:spPr>
+        <p:style>
+          <a:lnRef idx="1">
+            <a:schemeClr val="accent3"/>
+          </a:lnRef>
+          <a:fillRef idx="2">
+            <a:schemeClr val="accent3"/>
+          </a:fillRef>
+          <a:effectRef idx="1">
+            <a:schemeClr val="accent3"/>
+          </a:effectRef>
+          <a:fontRef idx="minor">
+            <a:schemeClr val="dk1"/>
+          </a:fontRef>
+        </p:style>
+        <p:txBody>
+          <a:bodyPr rtlCol="0" anchor="ctr"/>
+          <a:lstStyle/>
+          <a:p>
+            <a:pPr algn="ctr"/>
+            <a:r>
+              <a:rPr lang="zh-CN" altLang="en-US" dirty="0"/>
+              <a:t>申请注册帐号</a:t>
+            </a:r>
+            <a:r>
+              <a:rPr lang="en-US" altLang="zh-CN" dirty="0"/>
+              <a:t>, </a:t>
+            </a:r>
+            <a:r>
+              <a:rPr lang="zh-CN" altLang="en-US" dirty="0"/>
+              <a:t>为其分配设备</a:t>
+            </a:r>
+            <a:endParaRPr lang="en-US" dirty="0"/>
+          </a:p>
+        </p:txBody>
+      </p:sp>
+      <p:sp>
+        <p:nvSpPr>
+          <p:cNvPr id="29" name="Rectangle 28"/>
+          <p:cNvSpPr/>
+          <p:nvPr/>
+        </p:nvSpPr>
+        <p:spPr>
+          <a:xfrm>
+            <a:off x="1181564" y="2972218"/>
+            <a:ext cx="8460276" cy="1477328"/>
+          </a:xfrm>
+          <a:prstGeom prst="rect">
+            <a:avLst/>
+          </a:prstGeom>
+        </p:spPr>
+        <p:txBody>
+          <a:bodyPr wrap="square">
+            <a:spAutoFit/>
+          </a:bodyPr>
+          <a:lstStyle/>
+          <a:p>
+            <a:pPr marL="285750" indent="-285750">
+              <a:buFont typeface="Arial" panose="020B0604020202020204" pitchFamily="34" charset="0"/>
+              <a:buChar char="•"/>
+            </a:pPr>
+            <a:r>
+              <a:rPr lang="zh-CN" altLang="en-US" dirty="0"/>
+              <a:t>专人派工： 在可选工程师列表中，加入上设备上设置的</a:t>
+            </a:r>
+            <a:r>
+              <a:rPr lang="en-US" altLang="zh-CN" dirty="0"/>
+              <a:t>FE</a:t>
+            </a:r>
+            <a:r>
+              <a:rPr lang="zh-CN" altLang="en-US" dirty="0"/>
+              <a:t>（注明是</a:t>
+            </a:r>
+            <a:r>
+              <a:rPr lang="en-US" altLang="zh-CN" dirty="0"/>
+              <a:t>FE</a:t>
+            </a:r>
+            <a:r>
+              <a:rPr lang="zh-CN" altLang="en-US" dirty="0"/>
+              <a:t>）</a:t>
+            </a:r>
+            <a:endParaRPr lang="en-US" altLang="zh-CN" dirty="0"/>
+          </a:p>
+          <a:p>
+            <a:pPr marL="285750" indent="-285750">
+              <a:buFont typeface="Arial" panose="020B0604020202020204" pitchFamily="34" charset="0"/>
+              <a:buChar char="•"/>
+            </a:pPr>
+            <a:r>
+              <a:rPr lang="zh-CN" altLang="en-US" dirty="0"/>
+              <a:t>自动派工：依据设备上设置的</a:t>
+            </a:r>
+            <a:r>
+              <a:rPr lang="en-US" altLang="zh-CN" dirty="0"/>
+              <a:t>FE</a:t>
+            </a:r>
+            <a:r>
+              <a:rPr lang="zh-CN" altLang="en-US" dirty="0"/>
+              <a:t>，自动派工</a:t>
+            </a:r>
+            <a:r>
+              <a:rPr lang="en-US" altLang="zh-CN" dirty="0"/>
+              <a:t>, </a:t>
+            </a:r>
+            <a:r>
+              <a:rPr lang="zh-CN" altLang="en-US" dirty="0"/>
+              <a:t>且工单类型自动设置为外部工单</a:t>
+            </a:r>
+            <a:endParaRPr lang="en-US" altLang="zh-CN" dirty="0"/>
+          </a:p>
+          <a:p>
+            <a:pPr marL="285750" indent="-285750">
+              <a:buFont typeface="Arial" panose="020B0604020202020204" pitchFamily="34" charset="0"/>
+              <a:buChar char="•"/>
+            </a:pPr>
+            <a:r>
+              <a:rPr lang="zh-CN" altLang="en-US" dirty="0"/>
+              <a:t>抢单： 不支持抢单模式</a:t>
+            </a:r>
+            <a:endParaRPr lang="en-US" altLang="zh-CN" dirty="0"/>
+          </a:p>
+          <a:p>
+            <a:pPr marL="285750" indent="-285750">
+              <a:buFont typeface="Arial" panose="020B0604020202020204" pitchFamily="34" charset="0"/>
+              <a:buChar char="•"/>
+            </a:pPr>
+            <a:endParaRPr lang="en-US" dirty="0"/>
+          </a:p>
+          <a:p>
+            <a:r>
+              <a:rPr lang="en-US" altLang="zh-CN" dirty="0">
+                <a:solidFill>
+                  <a:srgbClr val="FF0000"/>
+                </a:solidFill>
+              </a:rPr>
+              <a:t>FE:  </a:t>
+            </a:r>
+            <a:r>
+              <a:rPr lang="zh-CN" altLang="en-US" dirty="0">
+                <a:solidFill>
+                  <a:srgbClr val="FF0000"/>
+                </a:solidFill>
+              </a:rPr>
+              <a:t>不可退单</a:t>
+            </a:r>
+            <a:r>
+              <a:rPr lang="en-US" altLang="zh-CN" dirty="0">
+                <a:solidFill>
+                  <a:srgbClr val="FF0000"/>
+                </a:solidFill>
+              </a:rPr>
+              <a:t>(</a:t>
+            </a:r>
+            <a:r>
+              <a:rPr lang="zh-CN" altLang="en-US" dirty="0">
+                <a:solidFill>
+                  <a:srgbClr val="FF0000"/>
+                </a:solidFill>
+              </a:rPr>
+              <a:t>可有超时提醒</a:t>
+            </a:r>
+            <a:r>
+              <a:rPr lang="en-US" altLang="zh-CN" dirty="0">
+                <a:solidFill>
+                  <a:srgbClr val="FF0000"/>
+                </a:solidFill>
+              </a:rPr>
+              <a:t>)</a:t>
+            </a:r>
+            <a:r>
+              <a:rPr lang="zh-CN" altLang="en-US" dirty="0">
+                <a:solidFill>
+                  <a:srgbClr val="FF0000"/>
+                </a:solidFill>
+              </a:rPr>
+              <a:t>，不可转单</a:t>
+            </a:r>
+            <a:endParaRPr lang="en-US" dirty="0">
+              <a:solidFill>
+                <a:srgbClr val="FF0000"/>
+              </a:solidFill>
+            </a:endParaRPr>
+          </a:p>
+        </p:txBody>
+      </p:sp>
+      <p:cxnSp>
+        <p:nvCxnSpPr>
+          <p:cNvPr id="8" name="Straight Arrow Connector 7"/>
+          <p:cNvCxnSpPr/>
+          <p:nvPr/>
+        </p:nvCxnSpPr>
+        <p:spPr>
+          <a:xfrm>
+            <a:off x="875627" y="1766630"/>
+            <a:ext cx="380060" cy="4862"/>
+          </a:xfrm>
+          <a:prstGeom prst="straightConnector1">
+            <a:avLst/>
+          </a:prstGeom>
+          <a:ln>
+            <a:tailEnd type="triangle"/>
+          </a:ln>
+        </p:spPr>
+        <p:style>
+          <a:lnRef idx="1">
+            <a:schemeClr val="accent1"/>
+          </a:lnRef>
+          <a:fillRef idx="0">
+            <a:schemeClr val="accent1"/>
+          </a:fillRef>
+          <a:effectRef idx="0">
+            <a:schemeClr val="accent1"/>
+          </a:effectRef>
+          <a:fontRef idx="minor">
+            <a:schemeClr val="tx1"/>
+          </a:fontRef>
+        </p:style>
+      </p:cxnSp>
+    </p:spTree>
+    <p:extLst>
+      <p:ext uri="{BB962C8B-B14F-4D97-AF65-F5344CB8AC3E}">
+        <p14:creationId xmlns:p14="http://schemas.microsoft.com/office/powerpoint/2010/main" val="3420318884"/>
+      </p:ext>
+    </p:extLst>
+  </p:cSld>
+  <p:clrMapOvr>
+    <a:masterClrMapping/>
+  </p:clrMapOvr>
+</p:sld>
+</file>
+
+<file path=ppt/slides/slide8.xml><?xml version="1.0" encoding="utf-8"?>
+<p:sld xmlns:a="http://schemas.openxmlformats.org/drawingml/2006/main" xmlns:r="http://schemas.openxmlformats.org/officeDocument/2006/relationships" xmlns:p="http://schemas.openxmlformats.org/presentationml/2006/main">
+  <p:cSld>
+    <p:spTree>
+      <p:nvGrpSpPr>
+        <p:cNvPr id="1" name=""/>
+        <p:cNvGrpSpPr/>
+        <p:nvPr/>
+      </p:nvGrpSpPr>
+      <p:grpSpPr>
+        <a:xfrm>
+          <a:off x="0" y="0"/>
+          <a:ext cx="0" cy="0"/>
+          <a:chOff x="0" y="0"/>
+          <a:chExt cx="0" cy="0"/>
+        </a:xfrm>
+      </p:grpSpPr>
+      <p:sp>
+        <p:nvSpPr>
+          <p:cNvPr id="3" name="Rectangle 2"/>
+          <p:cNvSpPr/>
+          <p:nvPr/>
+        </p:nvSpPr>
+        <p:spPr>
+          <a:xfrm>
+            <a:off x="0" y="219254"/>
+            <a:ext cx="4825360" cy="461665"/>
+          </a:xfrm>
+          <a:prstGeom prst="rect">
+            <a:avLst/>
+          </a:prstGeom>
+        </p:spPr>
+        <p:txBody>
+          <a:bodyPr wrap="none">
+            <a:spAutoFit/>
+          </a:bodyPr>
+          <a:lstStyle/>
+          <a:p>
+            <a:r>
+              <a:rPr lang="zh-CN" altLang="en-US" sz="2400" b="1" dirty="0"/>
+              <a:t>转单、维修（签到）、关单、反馈</a:t>
+            </a:r>
+            <a:endParaRPr lang="en-US" sz="2400" b="1" dirty="0"/>
+          </a:p>
+        </p:txBody>
+      </p:sp>
+      <p:sp>
+        <p:nvSpPr>
+          <p:cNvPr id="18" name="Rectangle 17"/>
+          <p:cNvSpPr/>
+          <p:nvPr/>
+        </p:nvSpPr>
+        <p:spPr>
+          <a:xfrm>
+            <a:off x="223520" y="1809176"/>
+            <a:ext cx="854374" cy="369332"/>
+          </a:xfrm>
+          <a:prstGeom prst="rect">
+            <a:avLst/>
+          </a:prstGeom>
+        </p:spPr>
+        <p:txBody>
+          <a:bodyPr wrap="square">
+            <a:spAutoFit/>
+          </a:bodyPr>
+          <a:lstStyle/>
+          <a:p>
+            <a:r>
+              <a:rPr lang="zh-CN" altLang="en-US" dirty="0"/>
+              <a:t>转单</a:t>
+            </a:r>
+            <a:endParaRPr lang="en-US" dirty="0"/>
+          </a:p>
+        </p:txBody>
+      </p:sp>
+      <p:cxnSp>
+        <p:nvCxnSpPr>
+          <p:cNvPr id="24" name="Straight Connector 23"/>
+          <p:cNvCxnSpPr/>
+          <p:nvPr/>
+        </p:nvCxnSpPr>
+        <p:spPr>
+          <a:xfrm>
+            <a:off x="223520" y="2764061"/>
+            <a:ext cx="11782205" cy="0"/>
+          </a:xfrm>
+          <a:prstGeom prst="line">
+            <a:avLst/>
+          </a:prstGeom>
+          <a:ln w="9525" cap="flat" cmpd="sng" algn="ctr">
+            <a:solidFill>
+              <a:schemeClr val="dk1"/>
+            </a:solidFill>
+            <a:prstDash val="dash"/>
+            <a:round/>
+            <a:headEnd type="none" w="med" len="med"/>
+            <a:tailEnd type="none" w="med" len="med"/>
+          </a:ln>
+        </p:spPr>
+        <p:style>
+          <a:lnRef idx="0">
+            <a:scrgbClr r="0" g="0" b="0"/>
+          </a:lnRef>
+          <a:fillRef idx="0">
+            <a:scrgbClr r="0" g="0" b="0"/>
+          </a:fillRef>
+          <a:effectRef idx="0">
+            <a:scrgbClr r="0" g="0" b="0"/>
+          </a:effectRef>
+          <a:fontRef idx="minor">
+            <a:schemeClr val="tx1"/>
+          </a:fontRef>
+        </p:style>
+      </p:cxnSp>
+      <p:sp>
+        <p:nvSpPr>
+          <p:cNvPr id="29" name="Rectangle 28"/>
+          <p:cNvSpPr/>
+          <p:nvPr/>
+        </p:nvSpPr>
+        <p:spPr>
+          <a:xfrm>
+            <a:off x="1405084" y="1255178"/>
+            <a:ext cx="8460276" cy="1477328"/>
+          </a:xfrm>
+          <a:prstGeom prst="rect">
+            <a:avLst/>
+          </a:prstGeom>
+        </p:spPr>
+        <p:txBody>
+          <a:bodyPr wrap="square">
+            <a:spAutoFit/>
+          </a:bodyPr>
+          <a:lstStyle/>
+          <a:p>
+            <a:pPr marL="285750" indent="-285750">
+              <a:buFont typeface="Arial" panose="020B0604020202020204" pitchFamily="34" charset="0"/>
+              <a:buChar char="•"/>
+            </a:pPr>
+            <a:r>
+              <a:rPr lang="zh-CN" altLang="en-US" dirty="0"/>
+              <a:t>转单可选工程师列表：所有具有维修工程师角色的人员</a:t>
+            </a:r>
+            <a:r>
+              <a:rPr lang="en-US" altLang="zh-CN" dirty="0"/>
+              <a:t>, </a:t>
+            </a:r>
+            <a:r>
+              <a:rPr lang="zh-CN" altLang="en-US" dirty="0"/>
+              <a:t>再加上设备上设置的</a:t>
+            </a:r>
+            <a:r>
+              <a:rPr lang="en-US" altLang="zh-CN" dirty="0"/>
+              <a:t>FE</a:t>
+            </a:r>
+            <a:r>
+              <a:rPr lang="zh-CN" altLang="en-US" dirty="0"/>
+              <a:t>（当前领单人除外）</a:t>
+            </a:r>
+            <a:endParaRPr lang="en-US" altLang="zh-CN" dirty="0"/>
+          </a:p>
+          <a:p>
+            <a:pPr marL="285750" indent="-285750">
+              <a:buFont typeface="Arial" panose="020B0604020202020204" pitchFamily="34" charset="0"/>
+              <a:buChar char="•"/>
+            </a:pPr>
+            <a:r>
+              <a:rPr lang="zh-CN" altLang="en-US" dirty="0"/>
+              <a:t>内部工程师转</a:t>
+            </a:r>
+            <a:r>
+              <a:rPr lang="en-US" altLang="zh-CN" dirty="0"/>
+              <a:t>FE: </a:t>
+            </a:r>
+            <a:r>
+              <a:rPr lang="zh-CN" altLang="en-US" dirty="0"/>
+              <a:t>工单类型自动设置为混合工单</a:t>
+            </a:r>
+            <a:endParaRPr lang="en-US" altLang="zh-CN" dirty="0"/>
+          </a:p>
+          <a:p>
+            <a:pPr marL="285750" indent="-285750">
+              <a:buFont typeface="Arial" panose="020B0604020202020204" pitchFamily="34" charset="0"/>
+              <a:buChar char="•"/>
+            </a:pPr>
+            <a:r>
+              <a:rPr lang="en-US" altLang="zh-CN" dirty="0"/>
+              <a:t>FE</a:t>
+            </a:r>
+            <a:r>
+              <a:rPr lang="zh-CN" altLang="en-US" dirty="0"/>
+              <a:t>不可转单</a:t>
+            </a:r>
+            <a:endParaRPr lang="en-US" altLang="zh-CN" dirty="0"/>
+          </a:p>
+          <a:p>
+            <a:pPr marL="285750" indent="-285750">
+              <a:buFont typeface="Arial" panose="020B0604020202020204" pitchFamily="34" charset="0"/>
+              <a:buChar char="•"/>
+            </a:pPr>
+            <a:r>
+              <a:rPr lang="zh-CN" altLang="en-US" dirty="0"/>
+              <a:t>转单原因必填</a:t>
+            </a:r>
+            <a:endParaRPr lang="en-US" dirty="0"/>
+          </a:p>
+        </p:txBody>
+      </p:sp>
+      <p:sp>
+        <p:nvSpPr>
+          <p:cNvPr id="8" name="Rectangle 7"/>
+          <p:cNvSpPr/>
+          <p:nvPr/>
+        </p:nvSpPr>
+        <p:spPr>
+          <a:xfrm>
+            <a:off x="223520" y="2795617"/>
+            <a:ext cx="854374" cy="646331"/>
+          </a:xfrm>
+          <a:prstGeom prst="rect">
+            <a:avLst/>
+          </a:prstGeom>
+        </p:spPr>
+        <p:txBody>
+          <a:bodyPr wrap="square">
+            <a:spAutoFit/>
+          </a:bodyPr>
+          <a:lstStyle/>
+          <a:p>
+            <a:r>
+              <a:rPr lang="zh-CN" altLang="en-US" dirty="0"/>
+              <a:t>维修</a:t>
+            </a:r>
+            <a:endParaRPr lang="en-US" altLang="zh-CN" dirty="0"/>
+          </a:p>
+          <a:p>
+            <a:r>
+              <a:rPr lang="en-US" dirty="0"/>
+              <a:t>(</a:t>
+            </a:r>
+            <a:r>
+              <a:rPr lang="zh-CN" altLang="en-US" dirty="0"/>
+              <a:t>签到</a:t>
+            </a:r>
+            <a:r>
+              <a:rPr lang="en-US" dirty="0"/>
+              <a:t>)</a:t>
+            </a:r>
+          </a:p>
+        </p:txBody>
+      </p:sp>
+      <p:cxnSp>
+        <p:nvCxnSpPr>
+          <p:cNvPr id="9" name="Straight Connector 8"/>
+          <p:cNvCxnSpPr/>
+          <p:nvPr/>
+        </p:nvCxnSpPr>
+        <p:spPr>
+          <a:xfrm>
+            <a:off x="223520" y="3593300"/>
+            <a:ext cx="11782205" cy="0"/>
+          </a:xfrm>
+          <a:prstGeom prst="line">
+            <a:avLst/>
+          </a:prstGeom>
+          <a:ln w="9525" cap="flat" cmpd="sng" algn="ctr">
+            <a:solidFill>
+              <a:schemeClr val="dk1"/>
+            </a:solidFill>
+            <a:prstDash val="dash"/>
+            <a:round/>
+            <a:headEnd type="none" w="med" len="med"/>
+            <a:tailEnd type="none" w="med" len="med"/>
+          </a:ln>
+        </p:spPr>
+        <p:style>
+          <a:lnRef idx="0">
+            <a:scrgbClr r="0" g="0" b="0"/>
+          </a:lnRef>
+          <a:fillRef idx="0">
+            <a:scrgbClr r="0" g="0" b="0"/>
+          </a:fillRef>
+          <a:effectRef idx="0">
+            <a:scrgbClr r="0" g="0" b="0"/>
+          </a:effectRef>
+          <a:fontRef idx="minor">
+            <a:schemeClr val="tx1"/>
+          </a:fontRef>
+        </p:style>
+      </p:cxnSp>
+      <p:sp>
+        <p:nvSpPr>
+          <p:cNvPr id="10" name="Rectangle 9"/>
+          <p:cNvSpPr/>
+          <p:nvPr/>
+        </p:nvSpPr>
+        <p:spPr>
+          <a:xfrm>
+            <a:off x="1415244" y="2795617"/>
+            <a:ext cx="8460276" cy="646331"/>
+          </a:xfrm>
+          <a:prstGeom prst="rect">
+            <a:avLst/>
+          </a:prstGeom>
+        </p:spPr>
+        <p:txBody>
+          <a:bodyPr wrap="square">
+            <a:spAutoFit/>
+          </a:bodyPr>
+          <a:lstStyle/>
+          <a:p>
+            <a:pPr marL="285750" indent="-285750">
+              <a:buFont typeface="Arial" panose="020B0604020202020204" pitchFamily="34" charset="0"/>
+              <a:buChar char="•"/>
+            </a:pPr>
+            <a:r>
+              <a:rPr lang="zh-CN" altLang="en-US" dirty="0"/>
+              <a:t>签到不是必选项</a:t>
+            </a:r>
+            <a:r>
+              <a:rPr lang="en-US" altLang="zh-CN" dirty="0"/>
+              <a:t>(Remote Fix)</a:t>
+            </a:r>
+          </a:p>
+          <a:p>
+            <a:pPr marL="285750" indent="-285750">
+              <a:buFont typeface="Arial" panose="020B0604020202020204" pitchFamily="34" charset="0"/>
+              <a:buChar char="•"/>
+            </a:pPr>
+            <a:endParaRPr lang="en-US" dirty="0"/>
+          </a:p>
+        </p:txBody>
+      </p:sp>
+      <p:sp>
+        <p:nvSpPr>
+          <p:cNvPr id="11" name="Rectangle 10"/>
+          <p:cNvSpPr/>
+          <p:nvPr/>
+        </p:nvSpPr>
+        <p:spPr>
+          <a:xfrm>
+            <a:off x="223520" y="4377251"/>
+            <a:ext cx="854374" cy="369332"/>
+          </a:xfrm>
+          <a:prstGeom prst="rect">
+            <a:avLst/>
+          </a:prstGeom>
+        </p:spPr>
+        <p:txBody>
+          <a:bodyPr wrap="square">
+            <a:spAutoFit/>
+          </a:bodyPr>
+          <a:lstStyle/>
+          <a:p>
+            <a:r>
+              <a:rPr lang="zh-CN" altLang="en-US" dirty="0"/>
+              <a:t>关单</a:t>
+            </a:r>
+            <a:endParaRPr lang="en-US" altLang="zh-CN" dirty="0"/>
+          </a:p>
+        </p:txBody>
+      </p:sp>
+      <p:cxnSp>
+        <p:nvCxnSpPr>
+          <p:cNvPr id="12" name="Straight Connector 11"/>
+          <p:cNvCxnSpPr/>
+          <p:nvPr/>
+        </p:nvCxnSpPr>
+        <p:spPr>
+          <a:xfrm>
+            <a:off x="223520" y="5530534"/>
+            <a:ext cx="11782205" cy="0"/>
+          </a:xfrm>
+          <a:prstGeom prst="line">
+            <a:avLst/>
+          </a:prstGeom>
+          <a:ln w="9525" cap="flat" cmpd="sng" algn="ctr">
+            <a:solidFill>
+              <a:schemeClr val="dk1"/>
+            </a:solidFill>
+            <a:prstDash val="dash"/>
+            <a:round/>
+            <a:headEnd type="none" w="med" len="med"/>
+            <a:tailEnd type="none" w="med" len="med"/>
+          </a:ln>
+        </p:spPr>
+        <p:style>
+          <a:lnRef idx="0">
+            <a:scrgbClr r="0" g="0" b="0"/>
+          </a:lnRef>
+          <a:fillRef idx="0">
+            <a:scrgbClr r="0" g="0" b="0"/>
+          </a:fillRef>
+          <a:effectRef idx="0">
+            <a:scrgbClr r="0" g="0" b="0"/>
+          </a:effectRef>
+          <a:fontRef idx="minor">
+            <a:schemeClr val="tx1"/>
+          </a:fontRef>
+        </p:style>
+      </p:cxnSp>
+      <p:sp>
+        <p:nvSpPr>
+          <p:cNvPr id="13" name="Rectangle 12"/>
+          <p:cNvSpPr/>
+          <p:nvPr/>
+        </p:nvSpPr>
+        <p:spPr>
+          <a:xfrm>
+            <a:off x="1415244" y="3776208"/>
+            <a:ext cx="8460276" cy="1754326"/>
+          </a:xfrm>
+          <a:prstGeom prst="rect">
+            <a:avLst/>
+          </a:prstGeom>
+        </p:spPr>
+        <p:txBody>
+          <a:bodyPr wrap="square">
+            <a:spAutoFit/>
+          </a:bodyPr>
+          <a:lstStyle/>
+          <a:p>
+            <a:pPr marL="285750" indent="-285750">
+              <a:buFont typeface="Arial" panose="020B0604020202020204" pitchFamily="34" charset="0"/>
+              <a:buChar char="•"/>
+            </a:pPr>
+            <a:r>
+              <a:rPr lang="en-US" altLang="zh-CN" dirty="0"/>
+              <a:t>(PAT)P</a:t>
+            </a:r>
+            <a:r>
+              <a:rPr lang="zh-CN" altLang="en-US" dirty="0"/>
+              <a:t>：故障原因</a:t>
+            </a:r>
+            <a:r>
+              <a:rPr lang="en-US" altLang="zh-CN" dirty="0"/>
+              <a:t>(</a:t>
+            </a:r>
+            <a:r>
+              <a:rPr lang="zh-CN" altLang="en-US" dirty="0"/>
+              <a:t>需要整理适合医院的常见故障原因</a:t>
+            </a:r>
+            <a:r>
+              <a:rPr lang="en-US" altLang="zh-CN" dirty="0"/>
+              <a:t>)</a:t>
+            </a:r>
+          </a:p>
+          <a:p>
+            <a:pPr marL="285750" indent="-285750">
+              <a:buFont typeface="Arial" panose="020B0604020202020204" pitchFamily="34" charset="0"/>
+              <a:buChar char="•"/>
+            </a:pPr>
+            <a:r>
+              <a:rPr lang="en-US" altLang="zh-CN" dirty="0"/>
+              <a:t>(PAT)T</a:t>
+            </a:r>
+            <a:r>
+              <a:rPr lang="zh-CN" altLang="en-US" dirty="0"/>
+              <a:t>：填写解决方案</a:t>
+            </a:r>
+            <a:endParaRPr lang="en-US" altLang="zh-CN" dirty="0"/>
+          </a:p>
+          <a:p>
+            <a:pPr marL="285750" indent="-285750">
+              <a:buFont typeface="Arial" panose="020B0604020202020204" pitchFamily="34" charset="0"/>
+              <a:buChar char="•"/>
+            </a:pPr>
+            <a:r>
+              <a:rPr lang="en-US" altLang="zh-CN" dirty="0"/>
+              <a:t>(PAT)P</a:t>
+            </a:r>
+            <a:r>
+              <a:rPr lang="zh-CN" altLang="en-US" dirty="0"/>
+              <a:t>：填写测试方案</a:t>
+            </a:r>
+            <a:endParaRPr lang="en-US" altLang="zh-CN" dirty="0"/>
+          </a:p>
+          <a:p>
+            <a:pPr marL="285750" indent="-285750">
+              <a:buFont typeface="Arial" panose="020B0604020202020204" pitchFamily="34" charset="0"/>
+              <a:buChar char="•"/>
+            </a:pPr>
+            <a:r>
+              <a:rPr lang="zh-CN" altLang="en-US" dirty="0"/>
+              <a:t>工时</a:t>
+            </a:r>
+            <a:r>
+              <a:rPr lang="en-US" altLang="zh-CN" dirty="0"/>
+              <a:t>(</a:t>
+            </a:r>
+            <a:r>
+              <a:rPr lang="zh-CN" altLang="en-US" dirty="0"/>
+              <a:t>亦可增加协作人工时</a:t>
+            </a:r>
+            <a:r>
+              <a:rPr lang="en-US" altLang="zh-CN" dirty="0"/>
+              <a:t>)</a:t>
+            </a:r>
+          </a:p>
+          <a:p>
+            <a:pPr marL="285750" indent="-285750">
+              <a:buFont typeface="Arial" panose="020B0604020202020204" pitchFamily="34" charset="0"/>
+              <a:buChar char="•"/>
+            </a:pPr>
+            <a:r>
+              <a:rPr lang="zh-CN" altLang="en-US" dirty="0"/>
+              <a:t>材料及其价格</a:t>
+            </a:r>
+            <a:endParaRPr lang="en-US" altLang="zh-CN" dirty="0"/>
+          </a:p>
+          <a:p>
+            <a:pPr marL="285750" indent="-285750">
+              <a:buFont typeface="Arial" panose="020B0604020202020204" pitchFamily="34" charset="0"/>
+              <a:buChar char="•"/>
+            </a:pPr>
+            <a:r>
+              <a:rPr lang="zh-CN" altLang="en-US" dirty="0"/>
+              <a:t>其他费用</a:t>
+            </a:r>
+            <a:endParaRPr lang="en-US" dirty="0"/>
+          </a:p>
+        </p:txBody>
+      </p:sp>
+    </p:spTree>
+    <p:extLst>
+      <p:ext uri="{BB962C8B-B14F-4D97-AF65-F5344CB8AC3E}">
+        <p14:creationId xmlns:p14="http://schemas.microsoft.com/office/powerpoint/2010/main" val="446009766"/>
+      </p:ext>
+    </p:extLst>
+  </p:cSld>
+  <p:clrMapOvr>
+    <a:masterClrMapping/>
+  </p:clrMapOvr>
+</p:sld>
+</file>
+
+<file path=ppt/slides/slide9.xml><?xml version="1.0" encoding="utf-8"?>
+<p:sld xmlns:a="http://schemas.openxmlformats.org/drawingml/2006/main" xmlns:r="http://schemas.openxmlformats.org/officeDocument/2006/relationships" xmlns:p="http://schemas.openxmlformats.org/presentationml/2006/main">
+  <p:cSld>
+    <p:spTree>
+      <p:nvGrpSpPr>
+        <p:cNvPr id="1" name=""/>
+        <p:cNvGrpSpPr/>
+        <p:nvPr/>
+      </p:nvGrpSpPr>
+      <p:grpSpPr>
+        <a:xfrm>
+          <a:off x="0" y="0"/>
+          <a:ext cx="0" cy="0"/>
+          <a:chOff x="0" y="0"/>
+          <a:chExt cx="0" cy="0"/>
+        </a:xfrm>
+      </p:grpSpPr>
+      <p:sp>
+        <p:nvSpPr>
+          <p:cNvPr id="3" name="Rectangle 2"/>
+          <p:cNvSpPr/>
+          <p:nvPr/>
+        </p:nvSpPr>
+        <p:spPr>
+          <a:xfrm>
+            <a:off x="0" y="219254"/>
+            <a:ext cx="4304383" cy="461665"/>
+          </a:xfrm>
+          <a:prstGeom prst="rect">
+            <a:avLst/>
+          </a:prstGeom>
+        </p:spPr>
+        <p:txBody>
+          <a:bodyPr wrap="none">
+            <a:spAutoFit/>
+          </a:bodyPr>
+          <a:lstStyle/>
+          <a:p>
+            <a:r>
+              <a:rPr lang="zh-CN" altLang="en-US" sz="2400" b="1" dirty="0"/>
+              <a:t>新用户帐号注册 </a:t>
+            </a:r>
+            <a:r>
+              <a:rPr lang="en-US" altLang="zh-CN" sz="2400" b="1" dirty="0"/>
+              <a:t>– </a:t>
+            </a:r>
+            <a:r>
+              <a:rPr lang="zh-CN" altLang="en-US" sz="2400" b="1" dirty="0"/>
+              <a:t>院内人员</a:t>
+            </a:r>
+            <a:r>
+              <a:rPr lang="en-US" altLang="zh-CN" sz="2400" b="1" dirty="0"/>
+              <a:t>/FE</a:t>
+            </a:r>
+            <a:endParaRPr lang="en-US" sz="2400" b="1" dirty="0"/>
+          </a:p>
+        </p:txBody>
+      </p:sp>
+      <p:cxnSp>
+        <p:nvCxnSpPr>
+          <p:cNvPr id="6" name="Straight Connector 5"/>
+          <p:cNvCxnSpPr/>
+          <p:nvPr/>
+        </p:nvCxnSpPr>
+        <p:spPr>
+          <a:xfrm>
+            <a:off x="282027" y="2650109"/>
+            <a:ext cx="11782205" cy="0"/>
+          </a:xfrm>
+          <a:prstGeom prst="line">
+            <a:avLst/>
+          </a:prstGeom>
+          <a:ln w="9525" cap="flat" cmpd="sng" algn="ctr">
+            <a:solidFill>
+              <a:schemeClr val="dk1"/>
+            </a:solidFill>
+            <a:prstDash val="dash"/>
+            <a:round/>
+            <a:headEnd type="none" w="med" len="med"/>
+            <a:tailEnd type="none" w="med" len="med"/>
+          </a:ln>
+        </p:spPr>
+        <p:style>
+          <a:lnRef idx="0">
+            <a:scrgbClr r="0" g="0" b="0"/>
+          </a:lnRef>
+          <a:fillRef idx="0">
+            <a:scrgbClr r="0" g="0" b="0"/>
+          </a:fillRef>
+          <a:effectRef idx="0">
+            <a:scrgbClr r="0" g="0" b="0"/>
+          </a:effectRef>
+          <a:fontRef idx="minor">
+            <a:schemeClr val="tx1"/>
+          </a:fontRef>
+        </p:style>
+      </p:cxnSp>
+      <p:sp>
+        <p:nvSpPr>
+          <p:cNvPr id="9" name="Rectangle 8"/>
+          <p:cNvSpPr/>
+          <p:nvPr/>
+        </p:nvSpPr>
+        <p:spPr>
+          <a:xfrm>
+            <a:off x="308819" y="1127473"/>
+            <a:ext cx="854374" cy="1200329"/>
+          </a:xfrm>
+          <a:prstGeom prst="rect">
+            <a:avLst/>
+          </a:prstGeom>
+        </p:spPr>
+        <p:txBody>
+          <a:bodyPr wrap="square">
+            <a:spAutoFit/>
+          </a:bodyPr>
+          <a:lstStyle/>
+          <a:p>
+            <a:r>
+              <a:rPr lang="zh-CN" altLang="en-US" dirty="0"/>
+              <a:t>院内人员</a:t>
+            </a:r>
+            <a:endParaRPr lang="en-US" altLang="zh-CN" dirty="0"/>
+          </a:p>
+          <a:p>
+            <a:r>
+              <a:rPr lang="en-US" altLang="zh-CN" dirty="0"/>
+              <a:t>or</a:t>
+            </a:r>
+          </a:p>
+          <a:p>
+            <a:r>
+              <a:rPr lang="en-US" altLang="zh-CN" dirty="0"/>
+              <a:t>FE</a:t>
+            </a:r>
+            <a:endParaRPr lang="en-US" dirty="0"/>
+          </a:p>
+        </p:txBody>
+      </p:sp>
+      <p:sp>
+        <p:nvSpPr>
+          <p:cNvPr id="18" name="Rectangle 17"/>
+          <p:cNvSpPr/>
+          <p:nvPr/>
+        </p:nvSpPr>
+        <p:spPr>
+          <a:xfrm>
+            <a:off x="282027" y="3799269"/>
+            <a:ext cx="854374" cy="646331"/>
+          </a:xfrm>
+          <a:prstGeom prst="rect">
+            <a:avLst/>
+          </a:prstGeom>
+        </p:spPr>
+        <p:txBody>
+          <a:bodyPr wrap="square">
+            <a:spAutoFit/>
+          </a:bodyPr>
+          <a:lstStyle/>
+          <a:p>
+            <a:r>
+              <a:rPr lang="en-US" altLang="zh-CN" dirty="0"/>
+              <a:t>GE</a:t>
+            </a:r>
+          </a:p>
+          <a:p>
+            <a:r>
+              <a:rPr lang="zh-CN" altLang="en-US" dirty="0"/>
+              <a:t>后台</a:t>
+            </a:r>
+            <a:endParaRPr lang="en-US" dirty="0"/>
+          </a:p>
+        </p:txBody>
+      </p:sp>
+      <p:cxnSp>
+        <p:nvCxnSpPr>
+          <p:cNvPr id="79" name="Straight Arrow Connector 78"/>
+          <p:cNvCxnSpPr>
+            <a:stCxn id="39" idx="3"/>
+            <a:endCxn id="36" idx="1"/>
+          </p:cNvCxnSpPr>
+          <p:nvPr/>
+        </p:nvCxnSpPr>
+        <p:spPr>
+          <a:xfrm>
+            <a:off x="2570370" y="1790809"/>
+            <a:ext cx="404932" cy="0"/>
+          </a:xfrm>
+          <a:prstGeom prst="straightConnector1">
+            <a:avLst/>
+          </a:prstGeom>
+          <a:ln>
+            <a:tailEnd type="triangle"/>
+          </a:ln>
+        </p:spPr>
+        <p:style>
+          <a:lnRef idx="1">
+            <a:schemeClr val="accent1"/>
+          </a:lnRef>
+          <a:fillRef idx="0">
+            <a:schemeClr val="accent1"/>
+          </a:fillRef>
+          <a:effectRef idx="0">
+            <a:schemeClr val="accent1"/>
+          </a:effectRef>
+          <a:fontRef idx="minor">
+            <a:schemeClr val="tx1"/>
+          </a:fontRef>
+        </p:style>
+      </p:cxnSp>
+      <p:cxnSp>
+        <p:nvCxnSpPr>
+          <p:cNvPr id="72" name="Connector: Elbow 71"/>
+          <p:cNvCxnSpPr>
+            <a:stCxn id="53" idx="1"/>
+            <a:endCxn id="39" idx="2"/>
+          </p:cNvCxnSpPr>
+          <p:nvPr/>
+        </p:nvCxnSpPr>
+        <p:spPr>
+          <a:xfrm rot="10800000">
+            <a:off x="2017489" y="2210534"/>
+            <a:ext cx="1009066" cy="3163147"/>
+          </a:xfrm>
+          <a:prstGeom prst="bentConnector2">
+            <a:avLst/>
+          </a:prstGeom>
+          <a:ln>
+            <a:tailEnd type="triangle"/>
+          </a:ln>
+        </p:spPr>
+        <p:style>
+          <a:lnRef idx="1">
+            <a:schemeClr val="accent1"/>
+          </a:lnRef>
+          <a:fillRef idx="0">
+            <a:schemeClr val="accent1"/>
+          </a:fillRef>
+          <a:effectRef idx="0">
+            <a:schemeClr val="accent1"/>
+          </a:effectRef>
+          <a:fontRef idx="minor">
+            <a:schemeClr val="tx1"/>
+          </a:fontRef>
+        </p:style>
+      </p:cxnSp>
+      <p:sp>
+        <p:nvSpPr>
+          <p:cNvPr id="36" name="Rectangle: Rounded Corners 35"/>
+          <p:cNvSpPr/>
+          <p:nvPr/>
+        </p:nvSpPr>
+        <p:spPr>
+          <a:xfrm>
+            <a:off x="2975302" y="1371084"/>
+            <a:ext cx="868599" cy="839449"/>
+          </a:xfrm>
+          <a:prstGeom prst="roundRect">
+            <a:avLst/>
+          </a:prstGeom>
+        </p:spPr>
+        <p:style>
+          <a:lnRef idx="2">
+            <a:schemeClr val="accent1">
+              <a:shade val="50000"/>
+            </a:schemeClr>
+          </a:lnRef>
+          <a:fillRef idx="1">
+            <a:schemeClr val="accent1"/>
+          </a:fillRef>
+          <a:effectRef idx="0">
+            <a:schemeClr val="accent1"/>
+          </a:effectRef>
+          <a:fontRef idx="minor">
+            <a:schemeClr val="lt1"/>
+          </a:fontRef>
+        </p:style>
+        <p:txBody>
+          <a:bodyPr rtlCol="0" anchor="ctr"/>
+          <a:lstStyle/>
+          <a:p>
+            <a:pPr algn="ctr"/>
+            <a:r>
+              <a:rPr lang="zh-CN" altLang="en-US" dirty="0"/>
+              <a:t>提交申请</a:t>
+            </a:r>
+            <a:endParaRPr lang="en-US" dirty="0"/>
+          </a:p>
+        </p:txBody>
+      </p:sp>
+      <p:sp>
+        <p:nvSpPr>
+          <p:cNvPr id="39" name="Rectangle: Rounded Corners 38"/>
+          <p:cNvSpPr/>
+          <p:nvPr/>
+        </p:nvSpPr>
+        <p:spPr>
+          <a:xfrm>
+            <a:off x="1464607" y="1371084"/>
+            <a:ext cx="1105763" cy="839449"/>
+          </a:xfrm>
+          <a:prstGeom prst="roundRect">
+            <a:avLst/>
+          </a:prstGeom>
+        </p:spPr>
+        <p:style>
+          <a:lnRef idx="2">
+            <a:schemeClr val="accent1">
+              <a:shade val="50000"/>
+            </a:schemeClr>
+          </a:lnRef>
+          <a:fillRef idx="1">
+            <a:schemeClr val="accent1"/>
+          </a:fillRef>
+          <a:effectRef idx="0">
+            <a:schemeClr val="accent1"/>
+          </a:effectRef>
+          <a:fontRef idx="minor">
+            <a:schemeClr val="lt1"/>
+          </a:fontRef>
+        </p:style>
+        <p:txBody>
+          <a:bodyPr rtlCol="0" anchor="ctr"/>
+          <a:lstStyle/>
+          <a:p>
+            <a:pPr algn="ctr"/>
+            <a:r>
+              <a:rPr lang="zh-CN" altLang="en-US" dirty="0"/>
+              <a:t>填写</a:t>
+            </a:r>
+            <a:endParaRPr lang="en-US" altLang="zh-CN" dirty="0"/>
+          </a:p>
+          <a:p>
+            <a:pPr algn="ctr"/>
+            <a:r>
+              <a:rPr lang="zh-CN" altLang="en-US" dirty="0"/>
+              <a:t>申请表</a:t>
+            </a:r>
+            <a:endParaRPr lang="en-US" dirty="0"/>
+          </a:p>
+        </p:txBody>
+      </p:sp>
+      <p:sp>
+        <p:nvSpPr>
+          <p:cNvPr id="55" name="Oval 54"/>
+          <p:cNvSpPr/>
+          <p:nvPr/>
+        </p:nvSpPr>
+        <p:spPr>
+          <a:xfrm>
+            <a:off x="8425604" y="1636124"/>
+            <a:ext cx="308474" cy="309367"/>
+          </a:xfrm>
+          <a:prstGeom prst="ellipse">
+            <a:avLst/>
+          </a:prstGeom>
+        </p:spPr>
+        <p:style>
+          <a:lnRef idx="3">
+            <a:schemeClr val="lt1"/>
+          </a:lnRef>
+          <a:fillRef idx="1">
+            <a:schemeClr val="dk1"/>
+          </a:fillRef>
+          <a:effectRef idx="1">
+            <a:schemeClr val="dk1"/>
+          </a:effectRef>
+          <a:fontRef idx="minor">
+            <a:schemeClr val="lt1"/>
+          </a:fontRef>
+        </p:style>
+        <p:txBody>
+          <a:bodyPr rtlCol="0" anchor="ctr"/>
+          <a:lstStyle/>
+          <a:p>
+            <a:pPr algn="ctr"/>
+            <a:endParaRPr lang="en-US"/>
+          </a:p>
+        </p:txBody>
+      </p:sp>
+      <p:sp>
+        <p:nvSpPr>
+          <p:cNvPr id="59" name="Rectangle: Rounded Corners 58"/>
+          <p:cNvSpPr/>
+          <p:nvPr/>
+        </p:nvSpPr>
+        <p:spPr>
+          <a:xfrm>
+            <a:off x="3614620" y="3606151"/>
+            <a:ext cx="1298887" cy="839449"/>
+          </a:xfrm>
+          <a:prstGeom prst="roundRect">
+            <a:avLst/>
+          </a:prstGeom>
+        </p:spPr>
+        <p:style>
+          <a:lnRef idx="2">
+            <a:schemeClr val="accent1">
+              <a:shade val="50000"/>
+            </a:schemeClr>
+          </a:lnRef>
+          <a:fillRef idx="1">
+            <a:schemeClr val="accent1"/>
+          </a:fillRef>
+          <a:effectRef idx="0">
+            <a:schemeClr val="accent1"/>
+          </a:effectRef>
+          <a:fontRef idx="minor">
+            <a:schemeClr val="lt1"/>
+          </a:fontRef>
+        </p:style>
+        <p:txBody>
+          <a:bodyPr rtlCol="0" anchor="ctr"/>
+          <a:lstStyle/>
+          <a:p>
+            <a:pPr algn="ctr"/>
+            <a:r>
+              <a:rPr lang="zh-CN" altLang="en-US" dirty="0"/>
+              <a:t>审核、核实申请信息</a:t>
+            </a:r>
+            <a:endParaRPr lang="en-US" dirty="0"/>
+          </a:p>
+        </p:txBody>
+      </p:sp>
+      <p:sp>
+        <p:nvSpPr>
+          <p:cNvPr id="60" name="Rectangle: Rounded Corners 59"/>
+          <p:cNvSpPr/>
+          <p:nvPr/>
+        </p:nvSpPr>
+        <p:spPr>
+          <a:xfrm>
+            <a:off x="7163734" y="3608594"/>
+            <a:ext cx="1491153" cy="839449"/>
+          </a:xfrm>
+          <a:prstGeom prst="roundRect">
+            <a:avLst/>
+          </a:prstGeom>
+        </p:spPr>
+        <p:style>
+          <a:lnRef idx="2">
+            <a:schemeClr val="accent1">
+              <a:shade val="50000"/>
+            </a:schemeClr>
+          </a:lnRef>
+          <a:fillRef idx="1">
+            <a:schemeClr val="accent1"/>
+          </a:fillRef>
+          <a:effectRef idx="0">
+            <a:schemeClr val="accent1"/>
+          </a:effectRef>
+          <a:fontRef idx="minor">
+            <a:schemeClr val="lt1"/>
+          </a:fontRef>
+        </p:style>
+        <p:txBody>
+          <a:bodyPr rtlCol="0" anchor="ctr"/>
+          <a:lstStyle/>
+          <a:p>
+            <a:pPr algn="ctr"/>
+            <a:r>
+              <a:rPr lang="zh-CN" altLang="en-US" dirty="0"/>
+              <a:t>批准、创建帐号</a:t>
+            </a:r>
+            <a:endParaRPr lang="en-US" altLang="zh-CN" dirty="0"/>
+          </a:p>
+          <a:p>
+            <a:pPr algn="ctr"/>
+            <a:r>
+              <a:rPr lang="en-US" altLang="zh-CN" dirty="0"/>
+              <a:t>(</a:t>
+            </a:r>
+            <a:r>
+              <a:rPr lang="zh-CN" altLang="en-US" dirty="0"/>
+              <a:t>帐号未激活</a:t>
+            </a:r>
+            <a:r>
+              <a:rPr lang="en-US" altLang="zh-CN" dirty="0"/>
+              <a:t>)</a:t>
+            </a:r>
+            <a:endParaRPr lang="en-US" dirty="0"/>
+          </a:p>
+        </p:txBody>
+      </p:sp>
+      <p:cxnSp>
+        <p:nvCxnSpPr>
+          <p:cNvPr id="61" name="Connector: Elbow 60"/>
+          <p:cNvCxnSpPr>
+            <a:stCxn id="59" idx="3"/>
+            <a:endCxn id="34" idx="1"/>
+          </p:cNvCxnSpPr>
+          <p:nvPr/>
+        </p:nvCxnSpPr>
+        <p:spPr>
+          <a:xfrm>
+            <a:off x="4913507" y="4025876"/>
+            <a:ext cx="514231" cy="4155"/>
+          </a:xfrm>
+          <a:prstGeom prst="bentConnector3">
+            <a:avLst>
+              <a:gd name="adj1" fmla="val 50000"/>
+            </a:avLst>
+          </a:prstGeom>
+          <a:ln>
+            <a:tailEnd type="triangle"/>
+          </a:ln>
+        </p:spPr>
+        <p:style>
+          <a:lnRef idx="1">
+            <a:schemeClr val="accent1"/>
+          </a:lnRef>
+          <a:fillRef idx="0">
+            <a:schemeClr val="accent1"/>
+          </a:fillRef>
+          <a:effectRef idx="0">
+            <a:schemeClr val="accent1"/>
+          </a:effectRef>
+          <a:fontRef idx="minor">
+            <a:schemeClr val="tx1"/>
+          </a:fontRef>
+        </p:style>
+      </p:cxnSp>
+      <p:sp>
+        <p:nvSpPr>
+          <p:cNvPr id="87" name="Rectangle: Rounded Corners 86"/>
+          <p:cNvSpPr/>
+          <p:nvPr/>
+        </p:nvSpPr>
+        <p:spPr>
+          <a:xfrm>
+            <a:off x="9618306" y="1371084"/>
+            <a:ext cx="1530279" cy="839449"/>
+          </a:xfrm>
+          <a:prstGeom prst="roundRect">
+            <a:avLst/>
+          </a:prstGeom>
+        </p:spPr>
+        <p:style>
+          <a:lnRef idx="2">
+            <a:schemeClr val="accent1">
+              <a:shade val="50000"/>
+            </a:schemeClr>
+          </a:lnRef>
+          <a:fillRef idx="1">
+            <a:schemeClr val="accent1"/>
+          </a:fillRef>
+          <a:effectRef idx="0">
+            <a:schemeClr val="accent1"/>
+          </a:effectRef>
+          <a:fontRef idx="minor">
+            <a:schemeClr val="lt1"/>
+          </a:fontRef>
+        </p:style>
+        <p:txBody>
+          <a:bodyPr rtlCol="0" anchor="ctr"/>
+          <a:lstStyle/>
+          <a:p>
+            <a:pPr algn="ctr"/>
+            <a:r>
+              <a:rPr lang="zh-CN" altLang="en-US" dirty="0"/>
+              <a:t>查看申请状态</a:t>
+            </a:r>
+            <a:endParaRPr lang="en-US" dirty="0"/>
+          </a:p>
+        </p:txBody>
+      </p:sp>
+      <p:cxnSp>
+        <p:nvCxnSpPr>
+          <p:cNvPr id="70" name="Connector: Elbow 69"/>
+          <p:cNvCxnSpPr>
+            <a:stCxn id="87" idx="3"/>
+            <a:endCxn id="122" idx="2"/>
+          </p:cNvCxnSpPr>
+          <p:nvPr/>
+        </p:nvCxnSpPr>
+        <p:spPr>
+          <a:xfrm>
+            <a:off x="11148585" y="1790809"/>
+            <a:ext cx="368103" cy="5199"/>
+          </a:xfrm>
+          <a:prstGeom prst="bentConnector3">
+            <a:avLst>
+              <a:gd name="adj1" fmla="val 50000"/>
+            </a:avLst>
+          </a:prstGeom>
+          <a:ln>
+            <a:tailEnd type="triangle"/>
+          </a:ln>
+        </p:spPr>
+        <p:style>
+          <a:lnRef idx="1">
+            <a:schemeClr val="accent1"/>
+          </a:lnRef>
+          <a:fillRef idx="0">
+            <a:schemeClr val="accent1"/>
+          </a:fillRef>
+          <a:effectRef idx="0">
+            <a:schemeClr val="accent1"/>
+          </a:effectRef>
+          <a:fontRef idx="minor">
+            <a:schemeClr val="tx1"/>
+          </a:fontRef>
+        </p:style>
+      </p:cxnSp>
+      <p:cxnSp>
+        <p:nvCxnSpPr>
+          <p:cNvPr id="24" name="Connector: Elbow 23"/>
+          <p:cNvCxnSpPr>
+            <a:stCxn id="36" idx="3"/>
+            <a:endCxn id="59" idx="0"/>
+          </p:cNvCxnSpPr>
+          <p:nvPr/>
+        </p:nvCxnSpPr>
+        <p:spPr>
+          <a:xfrm>
+            <a:off x="3843901" y="1790809"/>
+            <a:ext cx="420163" cy="1815342"/>
+          </a:xfrm>
+          <a:prstGeom prst="bentConnector2">
+            <a:avLst/>
+          </a:prstGeom>
+          <a:ln>
+            <a:tailEnd type="triangle"/>
+          </a:ln>
+        </p:spPr>
+        <p:style>
+          <a:lnRef idx="1">
+            <a:schemeClr val="accent1"/>
+          </a:lnRef>
+          <a:fillRef idx="0">
+            <a:schemeClr val="accent1"/>
+          </a:fillRef>
+          <a:effectRef idx="0">
+            <a:schemeClr val="accent1"/>
+          </a:effectRef>
+          <a:fontRef idx="minor">
+            <a:schemeClr val="tx1"/>
+          </a:fontRef>
+        </p:style>
+      </p:cxnSp>
+      <p:sp>
+        <p:nvSpPr>
+          <p:cNvPr id="34" name="Diamond 33"/>
+          <p:cNvSpPr/>
+          <p:nvPr/>
+        </p:nvSpPr>
+        <p:spPr>
+          <a:xfrm>
+            <a:off x="5427738" y="3592170"/>
+            <a:ext cx="1028461" cy="875722"/>
+          </a:xfrm>
+          <a:prstGeom prst="diamond">
+            <a:avLst/>
+          </a:prstGeom>
+        </p:spPr>
+        <p:style>
+          <a:lnRef idx="2">
+            <a:schemeClr val="accent1">
+              <a:shade val="50000"/>
+            </a:schemeClr>
+          </a:lnRef>
+          <a:fillRef idx="1">
+            <a:schemeClr val="accent1"/>
+          </a:fillRef>
+          <a:effectRef idx="0">
+            <a:schemeClr val="accent1"/>
+          </a:effectRef>
+          <a:fontRef idx="minor">
+            <a:schemeClr val="lt1"/>
+          </a:fontRef>
+        </p:style>
+        <p:txBody>
+          <a:bodyPr lIns="0" tIns="0" rIns="0" bIns="0" rtlCol="0" anchor="ctr"/>
+          <a:lstStyle/>
+          <a:p>
+            <a:pPr algn="ctr"/>
+            <a:r>
+              <a:rPr lang="zh-CN" altLang="en-US" sz="1400" dirty="0">
+                <a:solidFill>
+                  <a:schemeClr val="bg1"/>
+                </a:solidFill>
+              </a:rPr>
+              <a:t>审核通过</a:t>
+            </a:r>
+            <a:r>
+              <a:rPr lang="en-US" altLang="zh-CN" sz="1400" dirty="0">
+                <a:solidFill>
+                  <a:schemeClr val="bg1"/>
+                </a:solidFill>
+              </a:rPr>
+              <a:t>?</a:t>
+            </a:r>
+            <a:endParaRPr lang="en-US" sz="1400" dirty="0">
+              <a:solidFill>
+                <a:schemeClr val="bg1"/>
+              </a:solidFill>
+            </a:endParaRPr>
+          </a:p>
+        </p:txBody>
+      </p:sp>
+      <p:cxnSp>
+        <p:nvCxnSpPr>
+          <p:cNvPr id="37" name="Connector: Elbow 36"/>
+          <p:cNvCxnSpPr>
+            <a:stCxn id="34" idx="3"/>
+            <a:endCxn id="60" idx="1"/>
+          </p:cNvCxnSpPr>
+          <p:nvPr/>
+        </p:nvCxnSpPr>
+        <p:spPr>
+          <a:xfrm flipV="1">
+            <a:off x="6456199" y="4028319"/>
+            <a:ext cx="707535" cy="1712"/>
+          </a:xfrm>
+          <a:prstGeom prst="bentConnector3">
+            <a:avLst>
+              <a:gd name="adj1" fmla="val 50000"/>
+            </a:avLst>
+          </a:prstGeom>
+          <a:ln>
+            <a:tailEnd type="triangle"/>
+          </a:ln>
+        </p:spPr>
+        <p:style>
+          <a:lnRef idx="1">
+            <a:schemeClr val="accent1"/>
+          </a:lnRef>
+          <a:fillRef idx="0">
+            <a:schemeClr val="accent1"/>
+          </a:fillRef>
+          <a:effectRef idx="0">
+            <a:schemeClr val="accent1"/>
+          </a:effectRef>
+          <a:fontRef idx="minor">
+            <a:schemeClr val="tx1"/>
+          </a:fontRef>
+        </p:style>
+      </p:cxnSp>
+      <p:sp>
+        <p:nvSpPr>
+          <p:cNvPr id="20" name="Rectangle 19"/>
+          <p:cNvSpPr/>
+          <p:nvPr/>
+        </p:nvSpPr>
+        <p:spPr>
+          <a:xfrm>
+            <a:off x="6521378" y="3725115"/>
+            <a:ext cx="512641" cy="369332"/>
+          </a:xfrm>
+          <a:prstGeom prst="rect">
+            <a:avLst/>
+          </a:prstGeom>
+        </p:spPr>
+        <p:txBody>
+          <a:bodyPr wrap="none">
+            <a:spAutoFit/>
+          </a:bodyPr>
+          <a:lstStyle/>
+          <a:p>
+            <a:r>
+              <a:rPr lang="en-US" altLang="zh-CN" dirty="0"/>
+              <a:t>YES</a:t>
+            </a:r>
+            <a:endParaRPr lang="en-US" dirty="0"/>
+          </a:p>
+        </p:txBody>
+      </p:sp>
+      <p:sp>
+        <p:nvSpPr>
+          <p:cNvPr id="51" name="Rectangle: Rounded Corners 50"/>
+          <p:cNvSpPr/>
+          <p:nvPr/>
+        </p:nvSpPr>
+        <p:spPr>
+          <a:xfrm>
+            <a:off x="6521378" y="1371084"/>
+            <a:ext cx="1491153" cy="839449"/>
+          </a:xfrm>
+          <a:prstGeom prst="roundRect">
+            <a:avLst/>
+          </a:prstGeom>
+        </p:spPr>
+        <p:style>
+          <a:lnRef idx="2">
+            <a:schemeClr val="accent1">
+              <a:shade val="50000"/>
+            </a:schemeClr>
+          </a:lnRef>
+          <a:fillRef idx="1">
+            <a:schemeClr val="accent1"/>
+          </a:fillRef>
+          <a:effectRef idx="0">
+            <a:schemeClr val="accent1"/>
+          </a:effectRef>
+          <a:fontRef idx="minor">
+            <a:schemeClr val="lt1"/>
+          </a:fontRef>
+        </p:style>
+        <p:txBody>
+          <a:bodyPr rtlCol="0" anchor="ctr"/>
+          <a:lstStyle/>
+          <a:p>
+            <a:pPr algn="ctr"/>
+            <a:r>
+              <a:rPr lang="zh-CN" altLang="en-US" dirty="0"/>
+              <a:t>激活帐号</a:t>
+            </a:r>
+            <a:endParaRPr lang="en-US" dirty="0"/>
+          </a:p>
+        </p:txBody>
+      </p:sp>
+      <p:cxnSp>
+        <p:nvCxnSpPr>
+          <p:cNvPr id="52" name="Connector: Elbow 51"/>
+          <p:cNvCxnSpPr>
+            <a:stCxn id="34" idx="2"/>
+            <a:endCxn id="53" idx="3"/>
+          </p:cNvCxnSpPr>
+          <p:nvPr/>
+        </p:nvCxnSpPr>
+        <p:spPr>
+          <a:xfrm rot="5400000">
+            <a:off x="4776945" y="4208656"/>
+            <a:ext cx="905788" cy="1424261"/>
+          </a:xfrm>
+          <a:prstGeom prst="bentConnector2">
+            <a:avLst/>
+          </a:prstGeom>
+          <a:ln>
+            <a:tailEnd type="triangle"/>
+          </a:ln>
+        </p:spPr>
+        <p:style>
+          <a:lnRef idx="1">
+            <a:schemeClr val="accent1"/>
+          </a:lnRef>
+          <a:fillRef idx="0">
+            <a:schemeClr val="accent1"/>
+          </a:fillRef>
+          <a:effectRef idx="0">
+            <a:schemeClr val="accent1"/>
+          </a:effectRef>
+          <a:fontRef idx="minor">
+            <a:schemeClr val="tx1"/>
+          </a:fontRef>
+        </p:style>
+      </p:cxnSp>
+      <p:sp>
+        <p:nvSpPr>
+          <p:cNvPr id="53" name="Rectangle: Rounded Corners 52"/>
+          <p:cNvSpPr/>
+          <p:nvPr/>
+        </p:nvSpPr>
+        <p:spPr>
+          <a:xfrm>
+            <a:off x="3026555" y="4953955"/>
+            <a:ext cx="1491153" cy="839449"/>
+          </a:xfrm>
+          <a:prstGeom prst="roundRect">
+            <a:avLst/>
+          </a:prstGeom>
+        </p:spPr>
+        <p:style>
+          <a:lnRef idx="1">
+            <a:schemeClr val="accent2"/>
+          </a:lnRef>
+          <a:fillRef idx="2">
+            <a:schemeClr val="accent2"/>
+          </a:fillRef>
+          <a:effectRef idx="1">
+            <a:schemeClr val="accent2"/>
+          </a:effectRef>
+          <a:fontRef idx="minor">
+            <a:schemeClr val="dk1"/>
+          </a:fontRef>
+        </p:style>
+        <p:txBody>
+          <a:bodyPr rtlCol="0" anchor="ctr"/>
+          <a:lstStyle/>
+          <a:p>
+            <a:pPr algn="ctr"/>
+            <a:r>
+              <a:rPr lang="zh-CN" altLang="en-US" dirty="0">
+                <a:solidFill>
+                  <a:schemeClr val="dk1"/>
+                </a:solidFill>
+              </a:rPr>
+              <a:t>推送消息和不通过原因</a:t>
+            </a:r>
+            <a:endParaRPr lang="en-US" dirty="0">
+              <a:solidFill>
+                <a:schemeClr val="dk1"/>
+              </a:solidFill>
+            </a:endParaRPr>
+          </a:p>
+        </p:txBody>
+      </p:sp>
+      <p:sp>
+        <p:nvSpPr>
+          <p:cNvPr id="58" name="Rectangle 57"/>
+          <p:cNvSpPr/>
+          <p:nvPr/>
+        </p:nvSpPr>
+        <p:spPr>
+          <a:xfrm>
+            <a:off x="5490706" y="4493088"/>
+            <a:ext cx="455574" cy="369332"/>
+          </a:xfrm>
+          <a:prstGeom prst="rect">
+            <a:avLst/>
+          </a:prstGeom>
+        </p:spPr>
+        <p:txBody>
+          <a:bodyPr wrap="none">
+            <a:spAutoFit/>
+          </a:bodyPr>
+          <a:lstStyle/>
+          <a:p>
+            <a:r>
+              <a:rPr lang="en-US" altLang="zh-CN" dirty="0"/>
+              <a:t>No</a:t>
+            </a:r>
+            <a:endParaRPr lang="en-US" dirty="0"/>
+          </a:p>
+        </p:txBody>
+      </p:sp>
+      <p:cxnSp>
+        <p:nvCxnSpPr>
+          <p:cNvPr id="78" name="Connector: Elbow 77"/>
+          <p:cNvCxnSpPr>
+            <a:stCxn id="92" idx="0"/>
+            <a:endCxn id="51" idx="2"/>
+          </p:cNvCxnSpPr>
+          <p:nvPr/>
+        </p:nvCxnSpPr>
+        <p:spPr>
+          <a:xfrm rot="16200000" flipV="1">
+            <a:off x="7920855" y="1556633"/>
+            <a:ext cx="1395618" cy="2703418"/>
+          </a:xfrm>
+          <a:prstGeom prst="bentConnector3">
+            <a:avLst>
+              <a:gd name="adj1" fmla="val 50000"/>
+            </a:avLst>
+          </a:prstGeom>
+          <a:ln>
+            <a:tailEnd type="triangle"/>
+          </a:ln>
+        </p:spPr>
+        <p:style>
+          <a:lnRef idx="1">
+            <a:schemeClr val="accent1"/>
+          </a:lnRef>
+          <a:fillRef idx="0">
+            <a:schemeClr val="accent1"/>
+          </a:fillRef>
+          <a:effectRef idx="0">
+            <a:schemeClr val="accent1"/>
+          </a:effectRef>
+          <a:fontRef idx="minor">
+            <a:schemeClr val="tx1"/>
+          </a:fontRef>
+        </p:style>
+      </p:cxnSp>
+      <p:cxnSp>
+        <p:nvCxnSpPr>
+          <p:cNvPr id="82" name="Connector: Elbow 81"/>
+          <p:cNvCxnSpPr>
+            <a:stCxn id="51" idx="3"/>
+            <a:endCxn id="55" idx="2"/>
+          </p:cNvCxnSpPr>
+          <p:nvPr/>
+        </p:nvCxnSpPr>
+        <p:spPr>
+          <a:xfrm flipV="1">
+            <a:off x="8012531" y="1790808"/>
+            <a:ext cx="413073" cy="1"/>
+          </a:xfrm>
+          <a:prstGeom prst="bentConnector3">
+            <a:avLst>
+              <a:gd name="adj1" fmla="val 50000"/>
+            </a:avLst>
+          </a:prstGeom>
+          <a:ln>
+            <a:tailEnd type="triangle"/>
+          </a:ln>
+        </p:spPr>
+        <p:style>
+          <a:lnRef idx="1">
+            <a:schemeClr val="accent1"/>
+          </a:lnRef>
+          <a:fillRef idx="0">
+            <a:schemeClr val="accent1"/>
+          </a:fillRef>
+          <a:effectRef idx="0">
+            <a:schemeClr val="accent1"/>
+          </a:effectRef>
+          <a:fontRef idx="minor">
+            <a:schemeClr val="tx1"/>
+          </a:fontRef>
+        </p:style>
+      </p:cxnSp>
+      <p:cxnSp>
+        <p:nvCxnSpPr>
+          <p:cNvPr id="89" name="Straight Arrow Connector 88"/>
+          <p:cNvCxnSpPr>
+            <a:endCxn id="39" idx="1"/>
+          </p:cNvCxnSpPr>
+          <p:nvPr/>
+        </p:nvCxnSpPr>
+        <p:spPr>
+          <a:xfrm>
+            <a:off x="970955" y="1790809"/>
+            <a:ext cx="493652" cy="0"/>
+          </a:xfrm>
+          <a:prstGeom prst="straightConnector1">
+            <a:avLst/>
+          </a:prstGeom>
+          <a:ln>
+            <a:tailEnd type="triangle"/>
+          </a:ln>
+        </p:spPr>
+        <p:style>
+          <a:lnRef idx="1">
+            <a:schemeClr val="accent1"/>
+          </a:lnRef>
+          <a:fillRef idx="0">
+            <a:schemeClr val="accent1"/>
+          </a:fillRef>
+          <a:effectRef idx="0">
+            <a:schemeClr val="accent1"/>
+          </a:effectRef>
+          <a:fontRef idx="minor">
+            <a:schemeClr val="tx1"/>
+          </a:fontRef>
+        </p:style>
+      </p:cxnSp>
+      <p:sp>
+        <p:nvSpPr>
+          <p:cNvPr id="92" name="Rectangle: Rounded Corners 91"/>
+          <p:cNvSpPr/>
+          <p:nvPr/>
+        </p:nvSpPr>
+        <p:spPr>
+          <a:xfrm>
+            <a:off x="9224796" y="3606151"/>
+            <a:ext cx="1491153" cy="839449"/>
+          </a:xfrm>
+          <a:prstGeom prst="roundRect">
+            <a:avLst/>
+          </a:prstGeom>
+        </p:spPr>
+        <p:style>
+          <a:lnRef idx="2">
+            <a:schemeClr val="accent1">
+              <a:shade val="50000"/>
+            </a:schemeClr>
+          </a:lnRef>
+          <a:fillRef idx="1">
+            <a:schemeClr val="accent1"/>
+          </a:fillRef>
+          <a:effectRef idx="0">
+            <a:schemeClr val="accent1"/>
+          </a:effectRef>
+          <a:fontRef idx="minor">
+            <a:schemeClr val="lt1"/>
+          </a:fontRef>
+        </p:style>
+        <p:txBody>
+          <a:bodyPr rtlCol="0" anchor="ctr"/>
+          <a:lstStyle/>
+          <a:p>
+            <a:pPr algn="ctr"/>
+            <a:r>
+              <a:rPr lang="zh-CN" altLang="en-US" dirty="0"/>
+              <a:t>发送帐号激活链接</a:t>
+            </a:r>
+            <a:endParaRPr lang="en-US" dirty="0"/>
+          </a:p>
+        </p:txBody>
+      </p:sp>
+      <p:cxnSp>
+        <p:nvCxnSpPr>
+          <p:cNvPr id="94" name="Connector: Elbow 93"/>
+          <p:cNvCxnSpPr>
+            <a:stCxn id="60" idx="3"/>
+            <a:endCxn id="92" idx="1"/>
+          </p:cNvCxnSpPr>
+          <p:nvPr/>
+        </p:nvCxnSpPr>
+        <p:spPr>
+          <a:xfrm flipV="1">
+            <a:off x="8654887" y="4025876"/>
+            <a:ext cx="569909" cy="2443"/>
+          </a:xfrm>
+          <a:prstGeom prst="bentConnector3">
+            <a:avLst>
+              <a:gd name="adj1" fmla="val 50000"/>
+            </a:avLst>
+          </a:prstGeom>
+          <a:ln>
+            <a:tailEnd type="triangle"/>
+          </a:ln>
+        </p:spPr>
+        <p:style>
+          <a:lnRef idx="1">
+            <a:schemeClr val="accent1"/>
+          </a:lnRef>
+          <a:fillRef idx="0">
+            <a:schemeClr val="accent1"/>
+          </a:fillRef>
+          <a:effectRef idx="0">
+            <a:schemeClr val="accent1"/>
+          </a:effectRef>
+          <a:fontRef idx="minor">
+            <a:schemeClr val="tx1"/>
+          </a:fontRef>
+        </p:style>
+      </p:cxnSp>
+      <p:sp>
+        <p:nvSpPr>
+          <p:cNvPr id="122" name="Oval 121"/>
+          <p:cNvSpPr/>
+          <p:nvPr/>
+        </p:nvSpPr>
+        <p:spPr>
+          <a:xfrm>
+            <a:off x="11516688" y="1641324"/>
+            <a:ext cx="308474" cy="309367"/>
+          </a:xfrm>
+          <a:prstGeom prst="ellipse">
+            <a:avLst/>
+          </a:prstGeom>
+        </p:spPr>
+        <p:style>
+          <a:lnRef idx="3">
+            <a:schemeClr val="lt1"/>
+          </a:lnRef>
+          <a:fillRef idx="1">
+            <a:schemeClr val="dk1"/>
+          </a:fillRef>
+          <a:effectRef idx="1">
+            <a:schemeClr val="dk1"/>
+          </a:effectRef>
+          <a:fontRef idx="minor">
+            <a:schemeClr val="lt1"/>
+          </a:fontRef>
+        </p:style>
+        <p:txBody>
+          <a:bodyPr rtlCol="0" anchor="ctr"/>
+          <a:lstStyle/>
+          <a:p>
+            <a:pPr algn="ctr"/>
+            <a:endParaRPr lang="en-US"/>
+          </a:p>
+        </p:txBody>
+      </p:sp>
+    </p:spTree>
+    <p:extLst>
+      <p:ext uri="{BB962C8B-B14F-4D97-AF65-F5344CB8AC3E}">
+        <p14:creationId xmlns:p14="http://schemas.microsoft.com/office/powerpoint/2010/main" val="4263055899"/>
       </p:ext>
     </p:extLst>
   </p:cSld>
